--- a/4) Consumir Web Apis.pptx
+++ b/4) Consumir Web Apis.pptx
@@ -1,32 +1,127 @@
 
 <file path=ppt/presentation.xml><?xml version="1.0" encoding="utf-8"?>
-<p:presentation xmlns:a="http://schemas.openxmlformats.org/drawingml/2006/main" xmlns:p="http://schemas.openxmlformats.org/presentationml/2006/main" xmlns:r="http://schemas.openxmlformats.org/officeDocument/2006/relationships" xmlns:p14="http://schemas.microsoft.com/office/powerpoint/2010/main" xmlns:p15="http://schemas.microsoft.com/office/powerpoint/2012/main" xmlns:mc="http://schemas.openxmlformats.org/markup-compatibility/2006">
+<p:presentation xmlns:a="http://schemas.openxmlformats.org/drawingml/2006/main" xmlns:r="http://schemas.openxmlformats.org/officeDocument/2006/relationships" xmlns:p="http://schemas.openxmlformats.org/presentationml/2006/main">
   <p:sldMasterIdLst>
-    <p:sldMasterId id="2147483648" r:id="rId2"/>
-    <p:sldMasterId id="2147483661" r:id="rId3"/>
-    <p:sldMasterId id="2147483674" r:id="rId4"/>
+    <p:sldMasterId id="2147483648" r:id="rId1"/>
+    <p:sldMasterId id="2147483661" r:id="rId2"/>
+    <p:sldMasterId id="2147483674" r:id="rId3"/>
   </p:sldMasterIdLst>
   <p:sldIdLst>
-    <p:sldId id="256" r:id="rId5"/>
-    <p:sldId id="257" r:id="rId6"/>
-    <p:sldId id="258" r:id="rId7"/>
-    <p:sldId id="259" r:id="rId8"/>
-    <p:sldId id="260" r:id="rId9"/>
-    <p:sldId id="261" r:id="rId10"/>
-    <p:sldId id="262" r:id="rId11"/>
-    <p:sldId id="263" r:id="rId12"/>
-    <p:sldId id="264" r:id="rId13"/>
-    <p:sldId id="265" r:id="rId14"/>
-    <p:sldId id="266" r:id="rId15"/>
-    <p:sldId id="267" r:id="rId16"/>
+    <p:sldId id="256" r:id="rId4"/>
+    <p:sldId id="257" r:id="rId5"/>
+    <p:sldId id="258" r:id="rId6"/>
+    <p:sldId id="259" r:id="rId7"/>
+    <p:sldId id="260" r:id="rId8"/>
+    <p:sldId id="261" r:id="rId9"/>
+    <p:sldId id="262" r:id="rId10"/>
+    <p:sldId id="263" r:id="rId11"/>
+    <p:sldId id="264" r:id="rId12"/>
+    <p:sldId id="265" r:id="rId13"/>
+    <p:sldId id="266" r:id="rId14"/>
+    <p:sldId id="267" r:id="rId15"/>
   </p:sldIdLst>
   <p:sldSz cx="10080625" cy="7559675"/>
   <p:notesSz cx="7772400" cy="10058400"/>
+  <p:defaultTextStyle>
+    <a:defPPr>
+      <a:defRPr lang="es-ES"/>
+    </a:defPPr>
+    <a:lvl1pPr marL="0" algn="l" defTabSz="914400" rtl="0" eaLnBrk="1" latinLnBrk="0" hangingPunct="1">
+      <a:defRPr sz="1800" kern="1200">
+        <a:solidFill>
+          <a:schemeClr val="tx1"/>
+        </a:solidFill>
+        <a:latin typeface="+mn-lt"/>
+        <a:ea typeface="+mn-ea"/>
+        <a:cs typeface="+mn-cs"/>
+      </a:defRPr>
+    </a:lvl1pPr>
+    <a:lvl2pPr marL="457200" algn="l" defTabSz="914400" rtl="0" eaLnBrk="1" latinLnBrk="0" hangingPunct="1">
+      <a:defRPr sz="1800" kern="1200">
+        <a:solidFill>
+          <a:schemeClr val="tx1"/>
+        </a:solidFill>
+        <a:latin typeface="+mn-lt"/>
+        <a:ea typeface="+mn-ea"/>
+        <a:cs typeface="+mn-cs"/>
+      </a:defRPr>
+    </a:lvl2pPr>
+    <a:lvl3pPr marL="914400" algn="l" defTabSz="914400" rtl="0" eaLnBrk="1" latinLnBrk="0" hangingPunct="1">
+      <a:defRPr sz="1800" kern="1200">
+        <a:solidFill>
+          <a:schemeClr val="tx1"/>
+        </a:solidFill>
+        <a:latin typeface="+mn-lt"/>
+        <a:ea typeface="+mn-ea"/>
+        <a:cs typeface="+mn-cs"/>
+      </a:defRPr>
+    </a:lvl3pPr>
+    <a:lvl4pPr marL="1371600" algn="l" defTabSz="914400" rtl="0" eaLnBrk="1" latinLnBrk="0" hangingPunct="1">
+      <a:defRPr sz="1800" kern="1200">
+        <a:solidFill>
+          <a:schemeClr val="tx1"/>
+        </a:solidFill>
+        <a:latin typeface="+mn-lt"/>
+        <a:ea typeface="+mn-ea"/>
+        <a:cs typeface="+mn-cs"/>
+      </a:defRPr>
+    </a:lvl4pPr>
+    <a:lvl5pPr marL="1828800" algn="l" defTabSz="914400" rtl="0" eaLnBrk="1" latinLnBrk="0" hangingPunct="1">
+      <a:defRPr sz="1800" kern="1200">
+        <a:solidFill>
+          <a:schemeClr val="tx1"/>
+        </a:solidFill>
+        <a:latin typeface="+mn-lt"/>
+        <a:ea typeface="+mn-ea"/>
+        <a:cs typeface="+mn-cs"/>
+      </a:defRPr>
+    </a:lvl5pPr>
+    <a:lvl6pPr marL="2286000" algn="l" defTabSz="914400" rtl="0" eaLnBrk="1" latinLnBrk="0" hangingPunct="1">
+      <a:defRPr sz="1800" kern="1200">
+        <a:solidFill>
+          <a:schemeClr val="tx1"/>
+        </a:solidFill>
+        <a:latin typeface="+mn-lt"/>
+        <a:ea typeface="+mn-ea"/>
+        <a:cs typeface="+mn-cs"/>
+      </a:defRPr>
+    </a:lvl6pPr>
+    <a:lvl7pPr marL="2743200" algn="l" defTabSz="914400" rtl="0" eaLnBrk="1" latinLnBrk="0" hangingPunct="1">
+      <a:defRPr sz="1800" kern="1200">
+        <a:solidFill>
+          <a:schemeClr val="tx1"/>
+        </a:solidFill>
+        <a:latin typeface="+mn-lt"/>
+        <a:ea typeface="+mn-ea"/>
+        <a:cs typeface="+mn-cs"/>
+      </a:defRPr>
+    </a:lvl7pPr>
+    <a:lvl8pPr marL="3200400" algn="l" defTabSz="914400" rtl="0" eaLnBrk="1" latinLnBrk="0" hangingPunct="1">
+      <a:defRPr sz="1800" kern="1200">
+        <a:solidFill>
+          <a:schemeClr val="tx1"/>
+        </a:solidFill>
+        <a:latin typeface="+mn-lt"/>
+        <a:ea typeface="+mn-ea"/>
+        <a:cs typeface="+mn-cs"/>
+      </a:defRPr>
+    </a:lvl8pPr>
+    <a:lvl9pPr marL="3657600" algn="l" defTabSz="914400" rtl="0" eaLnBrk="1" latinLnBrk="0" hangingPunct="1">
+      <a:defRPr sz="1800" kern="1200">
+        <a:solidFill>
+          <a:schemeClr val="tx1"/>
+        </a:solidFill>
+        <a:latin typeface="+mn-lt"/>
+        <a:ea typeface="+mn-ea"/>
+        <a:cs typeface="+mn-cs"/>
+      </a:defRPr>
+    </a:lvl9pPr>
+  </p:defaultTextStyle>
 </p:presentation>
 </file>
 
 <file path=ppt/slideLayouts/slideLayout1.xml><?xml version="1.0" encoding="utf-8"?>
-<p:sldLayout xmlns:a="http://schemas.openxmlformats.org/drawingml/2006/main" xmlns:p="http://schemas.openxmlformats.org/presentationml/2006/main" xmlns:r="http://schemas.openxmlformats.org/officeDocument/2006/relationships" xmlns:p14="http://schemas.microsoft.com/office/powerpoint/2010/main" xmlns:p15="http://schemas.microsoft.com/office/powerpoint/2012/main" xmlns:mc="http://schemas.openxmlformats.org/markup-compatibility/2006" type="blank" preserve="1">
+<p:sldLayout xmlns:a="http://schemas.openxmlformats.org/drawingml/2006/main" xmlns:r="http://schemas.openxmlformats.org/officeDocument/2006/relationships" xmlns:p="http://schemas.openxmlformats.org/presentationml/2006/main" type="blank" preserve="1">
   <p:cSld name="Blank Slide">
     <p:spTree>
       <p:nvGrpSpPr>
@@ -44,11 +139,14 @@
       </p:grpSpPr>
     </p:spTree>
   </p:cSld>
+  <p:clrMapOvr>
+    <a:masterClrMapping/>
+  </p:clrMapOvr>
 </p:sldLayout>
 </file>
 
 <file path=ppt/slideLayouts/slideLayout10.xml><?xml version="1.0" encoding="utf-8"?>
-<p:sldLayout xmlns:a="http://schemas.openxmlformats.org/drawingml/2006/main" xmlns:p="http://schemas.openxmlformats.org/presentationml/2006/main" xmlns:r="http://schemas.openxmlformats.org/officeDocument/2006/relationships" xmlns:p14="http://schemas.microsoft.com/office/powerpoint/2010/main" xmlns:p15="http://schemas.microsoft.com/office/powerpoint/2012/main" xmlns:mc="http://schemas.openxmlformats.org/markup-compatibility/2006" type="objOverTx" preserve="1">
+<p:sldLayout xmlns:a="http://schemas.openxmlformats.org/drawingml/2006/main" xmlns:r="http://schemas.openxmlformats.org/officeDocument/2006/relationships" xmlns:p="http://schemas.openxmlformats.org/presentationml/2006/main" type="objOverTx" preserve="1">
   <p:cSld name="Title, Content over Content">
     <p:spTree>
       <p:nvGrpSpPr>
@@ -84,12 +182,13 @@
           </a:prstGeom>
         </p:spPr>
         <p:txBody>
-          <a:bodyPr lIns="0" rIns="0" tIns="0" bIns="0" anchor="ctr">
+          <a:bodyPr lIns="0" tIns="0" rIns="0" bIns="0" anchor="ctr">
             <a:spAutoFit/>
           </a:bodyPr>
+          <a:lstStyle/>
           <a:p>
             <a:pPr algn="ctr"/>
-            <a:endParaRPr b="0" lang="es-CR" sz="4400" spc="-1" strike="noStrike">
+            <a:endParaRPr lang="es-CR" sz="4400" b="0" strike="noStrike" spc="-1">
               <a:latin typeface="Arial"/>
             </a:endParaRPr>
           </a:p>
@@ -115,11 +214,12 @@
           </a:prstGeom>
         </p:spPr>
         <p:txBody>
-          <a:bodyPr lIns="0" rIns="0" tIns="0" bIns="0">
+          <a:bodyPr lIns="0" tIns="0" rIns="0" bIns="0">
             <a:normAutofit/>
           </a:bodyPr>
-          <a:p>
-            <a:endParaRPr b="0" lang="es-CR" sz="3200" spc="-1" strike="noStrike">
+          <a:lstStyle/>
+          <a:p>
+            <a:endParaRPr lang="es-CR" sz="3200" b="0" strike="noStrike" spc="-1">
               <a:latin typeface="Arial"/>
             </a:endParaRPr>
           </a:p>
@@ -145,11 +245,12 @@
           </a:prstGeom>
         </p:spPr>
         <p:txBody>
-          <a:bodyPr lIns="0" rIns="0" tIns="0" bIns="0">
+          <a:bodyPr lIns="0" tIns="0" rIns="0" bIns="0">
             <a:normAutofit/>
           </a:bodyPr>
-          <a:p>
-            <a:endParaRPr b="0" lang="es-CR" sz="3200" spc="-1" strike="noStrike">
+          <a:lstStyle/>
+          <a:p>
+            <a:endParaRPr lang="es-CR" sz="3200" b="0" strike="noStrike" spc="-1">
               <a:latin typeface="Arial"/>
             </a:endParaRPr>
           </a:p>
@@ -157,11 +258,14 @@
       </p:sp>
     </p:spTree>
   </p:cSld>
+  <p:clrMapOvr>
+    <a:masterClrMapping/>
+  </p:clrMapOvr>
 </p:sldLayout>
 </file>
 
 <file path=ppt/slideLayouts/slideLayout11.xml><?xml version="1.0" encoding="utf-8"?>
-<p:sldLayout xmlns:a="http://schemas.openxmlformats.org/drawingml/2006/main" xmlns:p="http://schemas.openxmlformats.org/presentationml/2006/main" xmlns:r="http://schemas.openxmlformats.org/officeDocument/2006/relationships" xmlns:p14="http://schemas.microsoft.com/office/powerpoint/2010/main" xmlns:p15="http://schemas.microsoft.com/office/powerpoint/2012/main" xmlns:mc="http://schemas.openxmlformats.org/markup-compatibility/2006" type="fourObj" preserve="1">
+<p:sldLayout xmlns:a="http://schemas.openxmlformats.org/drawingml/2006/main" xmlns:r="http://schemas.openxmlformats.org/officeDocument/2006/relationships" xmlns:p="http://schemas.openxmlformats.org/presentationml/2006/main" type="fourObj" preserve="1">
   <p:cSld name="Title, 4 Content">
     <p:spTree>
       <p:nvGrpSpPr>
@@ -197,12 +301,13 @@
           </a:prstGeom>
         </p:spPr>
         <p:txBody>
-          <a:bodyPr lIns="0" rIns="0" tIns="0" bIns="0" anchor="ctr">
+          <a:bodyPr lIns="0" tIns="0" rIns="0" bIns="0" anchor="ctr">
             <a:spAutoFit/>
           </a:bodyPr>
+          <a:lstStyle/>
           <a:p>
             <a:pPr algn="ctr"/>
-            <a:endParaRPr b="0" lang="es-CR" sz="4400" spc="-1" strike="noStrike">
+            <a:endParaRPr lang="es-CR" sz="4400" b="0" strike="noStrike" spc="-1">
               <a:latin typeface="Arial"/>
             </a:endParaRPr>
           </a:p>
@@ -228,11 +333,12 @@
           </a:prstGeom>
         </p:spPr>
         <p:txBody>
-          <a:bodyPr lIns="0" rIns="0" tIns="0" bIns="0">
+          <a:bodyPr lIns="0" tIns="0" rIns="0" bIns="0">
             <a:normAutofit/>
           </a:bodyPr>
-          <a:p>
-            <a:endParaRPr b="0" lang="es-CR" sz="3200" spc="-1" strike="noStrike">
+          <a:lstStyle/>
+          <a:p>
+            <a:endParaRPr lang="es-CR" sz="3200" b="0" strike="noStrike" spc="-1">
               <a:latin typeface="Arial"/>
             </a:endParaRPr>
           </a:p>
@@ -258,11 +364,12 @@
           </a:prstGeom>
         </p:spPr>
         <p:txBody>
-          <a:bodyPr lIns="0" rIns="0" tIns="0" bIns="0">
+          <a:bodyPr lIns="0" tIns="0" rIns="0" bIns="0">
             <a:normAutofit/>
           </a:bodyPr>
-          <a:p>
-            <a:endParaRPr b="0" lang="es-CR" sz="3200" spc="-1" strike="noStrike">
+          <a:lstStyle/>
+          <a:p>
+            <a:endParaRPr lang="es-CR" sz="3200" b="0" strike="noStrike" spc="-1">
               <a:latin typeface="Arial"/>
             </a:endParaRPr>
           </a:p>
@@ -288,11 +395,12 @@
           </a:prstGeom>
         </p:spPr>
         <p:txBody>
-          <a:bodyPr lIns="0" rIns="0" tIns="0" bIns="0">
+          <a:bodyPr lIns="0" tIns="0" rIns="0" bIns="0">
             <a:normAutofit/>
           </a:bodyPr>
-          <a:p>
-            <a:endParaRPr b="0" lang="es-CR" sz="3200" spc="-1" strike="noStrike">
+          <a:lstStyle/>
+          <a:p>
+            <a:endParaRPr lang="es-CR" sz="3200" b="0" strike="noStrike" spc="-1">
               <a:latin typeface="Arial"/>
             </a:endParaRPr>
           </a:p>
@@ -318,11 +426,12 @@
           </a:prstGeom>
         </p:spPr>
         <p:txBody>
-          <a:bodyPr lIns="0" rIns="0" tIns="0" bIns="0">
+          <a:bodyPr lIns="0" tIns="0" rIns="0" bIns="0">
             <a:normAutofit/>
           </a:bodyPr>
-          <a:p>
-            <a:endParaRPr b="0" lang="es-CR" sz="3200" spc="-1" strike="noStrike">
+          <a:lstStyle/>
+          <a:p>
+            <a:endParaRPr lang="es-CR" sz="3200" b="0" strike="noStrike" spc="-1">
               <a:latin typeface="Arial"/>
             </a:endParaRPr>
           </a:p>
@@ -330,11 +439,14 @@
       </p:sp>
     </p:spTree>
   </p:cSld>
+  <p:clrMapOvr>
+    <a:masterClrMapping/>
+  </p:clrMapOvr>
 </p:sldLayout>
 </file>
 
 <file path=ppt/slideLayouts/slideLayout12.xml><?xml version="1.0" encoding="utf-8"?>
-<p:sldLayout xmlns:a="http://schemas.openxmlformats.org/drawingml/2006/main" xmlns:p="http://schemas.openxmlformats.org/presentationml/2006/main" xmlns:r="http://schemas.openxmlformats.org/officeDocument/2006/relationships" xmlns:p14="http://schemas.microsoft.com/office/powerpoint/2010/main" xmlns:p15="http://schemas.microsoft.com/office/powerpoint/2012/main" xmlns:mc="http://schemas.openxmlformats.org/markup-compatibility/2006" type="blank" preserve="1">
+<p:sldLayout xmlns:a="http://schemas.openxmlformats.org/drawingml/2006/main" xmlns:r="http://schemas.openxmlformats.org/officeDocument/2006/relationships" xmlns:p="http://schemas.openxmlformats.org/presentationml/2006/main" type="blank" preserve="1">
   <p:cSld name="Title, 6 Content">
     <p:spTree>
       <p:nvGrpSpPr>
@@ -370,12 +482,13 @@
           </a:prstGeom>
         </p:spPr>
         <p:txBody>
-          <a:bodyPr lIns="0" rIns="0" tIns="0" bIns="0" anchor="ctr">
+          <a:bodyPr lIns="0" tIns="0" rIns="0" bIns="0" anchor="ctr">
             <a:spAutoFit/>
           </a:bodyPr>
+          <a:lstStyle/>
           <a:p>
             <a:pPr algn="ctr"/>
-            <a:endParaRPr b="0" lang="es-CR" sz="4400" spc="-1" strike="noStrike">
+            <a:endParaRPr lang="es-CR" sz="4400" b="0" strike="noStrike" spc="-1">
               <a:latin typeface="Arial"/>
             </a:endParaRPr>
           </a:p>
@@ -401,11 +514,12 @@
           </a:prstGeom>
         </p:spPr>
         <p:txBody>
-          <a:bodyPr lIns="0" rIns="0" tIns="0" bIns="0">
+          <a:bodyPr lIns="0" tIns="0" rIns="0" bIns="0">
             <a:normAutofit/>
           </a:bodyPr>
-          <a:p>
-            <a:endParaRPr b="0" lang="es-CR" sz="3200" spc="-1" strike="noStrike">
+          <a:lstStyle/>
+          <a:p>
+            <a:endParaRPr lang="es-CR" sz="3200" b="0" strike="noStrike" spc="-1">
               <a:latin typeface="Arial"/>
             </a:endParaRPr>
           </a:p>
@@ -431,11 +545,12 @@
           </a:prstGeom>
         </p:spPr>
         <p:txBody>
-          <a:bodyPr lIns="0" rIns="0" tIns="0" bIns="0">
+          <a:bodyPr lIns="0" tIns="0" rIns="0" bIns="0">
             <a:normAutofit/>
           </a:bodyPr>
-          <a:p>
-            <a:endParaRPr b="0" lang="es-CR" sz="3200" spc="-1" strike="noStrike">
+          <a:lstStyle/>
+          <a:p>
+            <a:endParaRPr lang="es-CR" sz="3200" b="0" strike="noStrike" spc="-1">
               <a:latin typeface="Arial"/>
             </a:endParaRPr>
           </a:p>
@@ -461,11 +576,12 @@
           </a:prstGeom>
         </p:spPr>
         <p:txBody>
-          <a:bodyPr lIns="0" rIns="0" tIns="0" bIns="0">
+          <a:bodyPr lIns="0" tIns="0" rIns="0" bIns="0">
             <a:normAutofit/>
           </a:bodyPr>
-          <a:p>
-            <a:endParaRPr b="0" lang="es-CR" sz="3200" spc="-1" strike="noStrike">
+          <a:lstStyle/>
+          <a:p>
+            <a:endParaRPr lang="es-CR" sz="3200" b="0" strike="noStrike" spc="-1">
               <a:latin typeface="Arial"/>
             </a:endParaRPr>
           </a:p>
@@ -491,11 +607,12 @@
           </a:prstGeom>
         </p:spPr>
         <p:txBody>
-          <a:bodyPr lIns="0" rIns="0" tIns="0" bIns="0">
+          <a:bodyPr lIns="0" tIns="0" rIns="0" bIns="0">
             <a:normAutofit/>
           </a:bodyPr>
-          <a:p>
-            <a:endParaRPr b="0" lang="es-CR" sz="3200" spc="-1" strike="noStrike">
+          <a:lstStyle/>
+          <a:p>
+            <a:endParaRPr lang="es-CR" sz="3200" b="0" strike="noStrike" spc="-1">
               <a:latin typeface="Arial"/>
             </a:endParaRPr>
           </a:p>
@@ -521,11 +638,12 @@
           </a:prstGeom>
         </p:spPr>
         <p:txBody>
-          <a:bodyPr lIns="0" rIns="0" tIns="0" bIns="0">
+          <a:bodyPr lIns="0" tIns="0" rIns="0" bIns="0">
             <a:normAutofit/>
           </a:bodyPr>
-          <a:p>
-            <a:endParaRPr b="0" lang="es-CR" sz="3200" spc="-1" strike="noStrike">
+          <a:lstStyle/>
+          <a:p>
+            <a:endParaRPr lang="es-CR" sz="3200" b="0" strike="noStrike" spc="-1">
               <a:latin typeface="Arial"/>
             </a:endParaRPr>
           </a:p>
@@ -551,11 +669,12 @@
           </a:prstGeom>
         </p:spPr>
         <p:txBody>
-          <a:bodyPr lIns="0" rIns="0" tIns="0" bIns="0">
+          <a:bodyPr lIns="0" tIns="0" rIns="0" bIns="0">
             <a:normAutofit/>
           </a:bodyPr>
-          <a:p>
-            <a:endParaRPr b="0" lang="es-CR" sz="3200" spc="-1" strike="noStrike">
+          <a:lstStyle/>
+          <a:p>
+            <a:endParaRPr lang="es-CR" sz="3200" b="0" strike="noStrike" spc="-1">
               <a:latin typeface="Arial"/>
             </a:endParaRPr>
           </a:p>
@@ -563,11 +682,14 @@
       </p:sp>
     </p:spTree>
   </p:cSld>
+  <p:clrMapOvr>
+    <a:masterClrMapping/>
+  </p:clrMapOvr>
 </p:sldLayout>
 </file>
 
 <file path=ppt/slideLayouts/slideLayout13.xml><?xml version="1.0" encoding="utf-8"?>
-<p:sldLayout xmlns:a="http://schemas.openxmlformats.org/drawingml/2006/main" xmlns:p="http://schemas.openxmlformats.org/presentationml/2006/main" xmlns:r="http://schemas.openxmlformats.org/officeDocument/2006/relationships" xmlns:p14="http://schemas.microsoft.com/office/powerpoint/2010/main" xmlns:p15="http://schemas.microsoft.com/office/powerpoint/2012/main" xmlns:mc="http://schemas.openxmlformats.org/markup-compatibility/2006" type="blank" preserve="1">
+<p:sldLayout xmlns:a="http://schemas.openxmlformats.org/drawingml/2006/main" xmlns:r="http://schemas.openxmlformats.org/officeDocument/2006/relationships" xmlns:p="http://schemas.openxmlformats.org/presentationml/2006/main" type="blank" preserve="1">
   <p:cSld name="Blank Slide">
     <p:spTree>
       <p:nvGrpSpPr>
@@ -585,11 +707,14 @@
       </p:grpSpPr>
     </p:spTree>
   </p:cSld>
+  <p:clrMapOvr>
+    <a:masterClrMapping/>
+  </p:clrMapOvr>
 </p:sldLayout>
 </file>
 
 <file path=ppt/slideLayouts/slideLayout14.xml><?xml version="1.0" encoding="utf-8"?>
-<p:sldLayout xmlns:a="http://schemas.openxmlformats.org/drawingml/2006/main" xmlns:p="http://schemas.openxmlformats.org/presentationml/2006/main" xmlns:r="http://schemas.openxmlformats.org/officeDocument/2006/relationships" xmlns:p14="http://schemas.microsoft.com/office/powerpoint/2010/main" xmlns:p15="http://schemas.microsoft.com/office/powerpoint/2012/main" xmlns:mc="http://schemas.openxmlformats.org/markup-compatibility/2006" type="tx" preserve="1">
+<p:sldLayout xmlns:a="http://schemas.openxmlformats.org/drawingml/2006/main" xmlns:r="http://schemas.openxmlformats.org/officeDocument/2006/relationships" xmlns:p="http://schemas.openxmlformats.org/presentationml/2006/main" type="tx" preserve="1">
   <p:cSld name="Title Slide">
     <p:spTree>
       <p:nvGrpSpPr>
@@ -625,12 +750,13 @@
           </a:prstGeom>
         </p:spPr>
         <p:txBody>
-          <a:bodyPr lIns="0" rIns="0" tIns="0" bIns="0" anchor="ctr">
+          <a:bodyPr lIns="0" tIns="0" rIns="0" bIns="0" anchor="ctr">
             <a:spAutoFit/>
           </a:bodyPr>
+          <a:lstStyle/>
           <a:p>
             <a:pPr algn="ctr"/>
-            <a:endParaRPr b="0" lang="es-CR" sz="4400" spc="-1" strike="noStrike">
+            <a:endParaRPr lang="es-CR" sz="4400" b="0" strike="noStrike" spc="-1">
               <a:latin typeface="Arial"/>
             </a:endParaRPr>
           </a:p>
@@ -656,12 +782,13 @@
           </a:prstGeom>
         </p:spPr>
         <p:txBody>
-          <a:bodyPr lIns="0" rIns="0" tIns="0" bIns="0" anchor="ctr">
+          <a:bodyPr lIns="0" tIns="0" rIns="0" bIns="0" anchor="ctr">
             <a:spAutoFit/>
           </a:bodyPr>
+          <a:lstStyle/>
           <a:p>
             <a:pPr algn="ctr"/>
-            <a:endParaRPr b="0" lang="es-CR" sz="3200" spc="-1" strike="noStrike">
+            <a:endParaRPr lang="es-CR" sz="3200" b="0" strike="noStrike" spc="-1">
               <a:latin typeface="Arial"/>
             </a:endParaRPr>
           </a:p>
@@ -669,11 +796,14 @@
       </p:sp>
     </p:spTree>
   </p:cSld>
+  <p:clrMapOvr>
+    <a:masterClrMapping/>
+  </p:clrMapOvr>
 </p:sldLayout>
 </file>
 
 <file path=ppt/slideLayouts/slideLayout15.xml><?xml version="1.0" encoding="utf-8"?>
-<p:sldLayout xmlns:a="http://schemas.openxmlformats.org/drawingml/2006/main" xmlns:p="http://schemas.openxmlformats.org/presentationml/2006/main" xmlns:r="http://schemas.openxmlformats.org/officeDocument/2006/relationships" xmlns:p14="http://schemas.microsoft.com/office/powerpoint/2010/main" xmlns:p15="http://schemas.microsoft.com/office/powerpoint/2012/main" xmlns:mc="http://schemas.openxmlformats.org/markup-compatibility/2006" type="obj" preserve="1">
+<p:sldLayout xmlns:a="http://schemas.openxmlformats.org/drawingml/2006/main" xmlns:r="http://schemas.openxmlformats.org/officeDocument/2006/relationships" xmlns:p="http://schemas.openxmlformats.org/presentationml/2006/main" type="obj" preserve="1">
   <p:cSld name="Title, Content">
     <p:spTree>
       <p:nvGrpSpPr>
@@ -709,12 +839,13 @@
           </a:prstGeom>
         </p:spPr>
         <p:txBody>
-          <a:bodyPr lIns="0" rIns="0" tIns="0" bIns="0" anchor="ctr">
+          <a:bodyPr lIns="0" tIns="0" rIns="0" bIns="0" anchor="ctr">
             <a:spAutoFit/>
           </a:bodyPr>
+          <a:lstStyle/>
           <a:p>
             <a:pPr algn="ctr"/>
-            <a:endParaRPr b="0" lang="es-CR" sz="4400" spc="-1" strike="noStrike">
+            <a:endParaRPr lang="es-CR" sz="4400" b="0" strike="noStrike" spc="-1">
               <a:latin typeface="Arial"/>
             </a:endParaRPr>
           </a:p>
@@ -740,11 +871,12 @@
           </a:prstGeom>
         </p:spPr>
         <p:txBody>
-          <a:bodyPr lIns="0" rIns="0" tIns="0" bIns="0">
+          <a:bodyPr lIns="0" tIns="0" rIns="0" bIns="0">
             <a:normAutofit/>
           </a:bodyPr>
-          <a:p>
-            <a:endParaRPr b="0" lang="es-CR" sz="3200" spc="-1" strike="noStrike">
+          <a:lstStyle/>
+          <a:p>
+            <a:endParaRPr lang="es-CR" sz="3200" b="0" strike="noStrike" spc="-1">
               <a:latin typeface="Arial"/>
             </a:endParaRPr>
           </a:p>
@@ -752,11 +884,14 @@
       </p:sp>
     </p:spTree>
   </p:cSld>
+  <p:clrMapOvr>
+    <a:masterClrMapping/>
+  </p:clrMapOvr>
 </p:sldLayout>
 </file>
 
 <file path=ppt/slideLayouts/slideLayout16.xml><?xml version="1.0" encoding="utf-8"?>
-<p:sldLayout xmlns:a="http://schemas.openxmlformats.org/drawingml/2006/main" xmlns:p="http://schemas.openxmlformats.org/presentationml/2006/main" xmlns:r="http://schemas.openxmlformats.org/officeDocument/2006/relationships" xmlns:p14="http://schemas.microsoft.com/office/powerpoint/2010/main" xmlns:p15="http://schemas.microsoft.com/office/powerpoint/2012/main" xmlns:mc="http://schemas.openxmlformats.org/markup-compatibility/2006" type="twoObj" preserve="1">
+<p:sldLayout xmlns:a="http://schemas.openxmlformats.org/drawingml/2006/main" xmlns:r="http://schemas.openxmlformats.org/officeDocument/2006/relationships" xmlns:p="http://schemas.openxmlformats.org/presentationml/2006/main" type="twoObj" preserve="1">
   <p:cSld name="Title, 2 Content">
     <p:spTree>
       <p:nvGrpSpPr>
@@ -792,12 +927,13 @@
           </a:prstGeom>
         </p:spPr>
         <p:txBody>
-          <a:bodyPr lIns="0" rIns="0" tIns="0" bIns="0" anchor="ctr">
+          <a:bodyPr lIns="0" tIns="0" rIns="0" bIns="0" anchor="ctr">
             <a:spAutoFit/>
           </a:bodyPr>
+          <a:lstStyle/>
           <a:p>
             <a:pPr algn="ctr"/>
-            <a:endParaRPr b="0" lang="es-CR" sz="4400" spc="-1" strike="noStrike">
+            <a:endParaRPr lang="es-CR" sz="4400" b="0" strike="noStrike" spc="-1">
               <a:latin typeface="Arial"/>
             </a:endParaRPr>
           </a:p>
@@ -823,11 +959,12 @@
           </a:prstGeom>
         </p:spPr>
         <p:txBody>
-          <a:bodyPr lIns="0" rIns="0" tIns="0" bIns="0">
+          <a:bodyPr lIns="0" tIns="0" rIns="0" bIns="0">
             <a:normAutofit/>
           </a:bodyPr>
-          <a:p>
-            <a:endParaRPr b="0" lang="es-CR" sz="3200" spc="-1" strike="noStrike">
+          <a:lstStyle/>
+          <a:p>
+            <a:endParaRPr lang="es-CR" sz="3200" b="0" strike="noStrike" spc="-1">
               <a:latin typeface="Arial"/>
             </a:endParaRPr>
           </a:p>
@@ -853,11 +990,12 @@
           </a:prstGeom>
         </p:spPr>
         <p:txBody>
-          <a:bodyPr lIns="0" rIns="0" tIns="0" bIns="0">
+          <a:bodyPr lIns="0" tIns="0" rIns="0" bIns="0">
             <a:normAutofit/>
           </a:bodyPr>
-          <a:p>
-            <a:endParaRPr b="0" lang="es-CR" sz="3200" spc="-1" strike="noStrike">
+          <a:lstStyle/>
+          <a:p>
+            <a:endParaRPr lang="es-CR" sz="3200" b="0" strike="noStrike" spc="-1">
               <a:latin typeface="Arial"/>
             </a:endParaRPr>
           </a:p>
@@ -865,11 +1003,14 @@
       </p:sp>
     </p:spTree>
   </p:cSld>
+  <p:clrMapOvr>
+    <a:masterClrMapping/>
+  </p:clrMapOvr>
 </p:sldLayout>
 </file>
 
 <file path=ppt/slideLayouts/slideLayout17.xml><?xml version="1.0" encoding="utf-8"?>
-<p:sldLayout xmlns:a="http://schemas.openxmlformats.org/drawingml/2006/main" xmlns:p="http://schemas.openxmlformats.org/presentationml/2006/main" xmlns:r="http://schemas.openxmlformats.org/officeDocument/2006/relationships" xmlns:p14="http://schemas.microsoft.com/office/powerpoint/2010/main" xmlns:p15="http://schemas.microsoft.com/office/powerpoint/2012/main" xmlns:mc="http://schemas.openxmlformats.org/markup-compatibility/2006" type="titleOnly" preserve="1">
+<p:sldLayout xmlns:a="http://schemas.openxmlformats.org/drawingml/2006/main" xmlns:r="http://schemas.openxmlformats.org/officeDocument/2006/relationships" xmlns:p="http://schemas.openxmlformats.org/presentationml/2006/main" type="titleOnly" preserve="1">
   <p:cSld name="Title Only">
     <p:spTree>
       <p:nvGrpSpPr>
@@ -905,12 +1046,13 @@
           </a:prstGeom>
         </p:spPr>
         <p:txBody>
-          <a:bodyPr lIns="0" rIns="0" tIns="0" bIns="0" anchor="ctr">
+          <a:bodyPr lIns="0" tIns="0" rIns="0" bIns="0" anchor="ctr">
             <a:spAutoFit/>
           </a:bodyPr>
+          <a:lstStyle/>
           <a:p>
             <a:pPr algn="ctr"/>
-            <a:endParaRPr b="0" lang="es-CR" sz="4400" spc="-1" strike="noStrike">
+            <a:endParaRPr lang="es-CR" sz="4400" b="0" strike="noStrike" spc="-1">
               <a:latin typeface="Arial"/>
             </a:endParaRPr>
           </a:p>
@@ -918,11 +1060,14 @@
       </p:sp>
     </p:spTree>
   </p:cSld>
+  <p:clrMapOvr>
+    <a:masterClrMapping/>
+  </p:clrMapOvr>
 </p:sldLayout>
 </file>
 
 <file path=ppt/slideLayouts/slideLayout18.xml><?xml version="1.0" encoding="utf-8"?>
-<p:sldLayout xmlns:a="http://schemas.openxmlformats.org/drawingml/2006/main" xmlns:p="http://schemas.openxmlformats.org/presentationml/2006/main" xmlns:r="http://schemas.openxmlformats.org/officeDocument/2006/relationships" xmlns:p14="http://schemas.microsoft.com/office/powerpoint/2010/main" xmlns:p15="http://schemas.microsoft.com/office/powerpoint/2012/main" xmlns:mc="http://schemas.openxmlformats.org/markup-compatibility/2006" type="objOnly" preserve="1">
+<p:sldLayout xmlns:a="http://schemas.openxmlformats.org/drawingml/2006/main" xmlns:r="http://schemas.openxmlformats.org/officeDocument/2006/relationships" xmlns:p="http://schemas.openxmlformats.org/presentationml/2006/main" type="objOnly" preserve="1">
   <p:cSld name="Centered Text">
     <p:spTree>
       <p:nvGrpSpPr>
@@ -958,12 +1103,13 @@
           </a:prstGeom>
         </p:spPr>
         <p:txBody>
-          <a:bodyPr lIns="0" rIns="0" tIns="0" bIns="0" anchor="ctr">
+          <a:bodyPr lIns="0" tIns="0" rIns="0" bIns="0" anchor="ctr">
             <a:spAutoFit/>
           </a:bodyPr>
+          <a:lstStyle/>
           <a:p>
             <a:pPr algn="ctr"/>
-            <a:endParaRPr b="0" lang="es-CR" sz="3200" spc="-1" strike="noStrike">
+            <a:endParaRPr lang="es-CR" sz="3200" b="0" strike="noStrike" spc="-1">
               <a:latin typeface="Arial"/>
             </a:endParaRPr>
           </a:p>
@@ -971,11 +1117,14 @@
       </p:sp>
     </p:spTree>
   </p:cSld>
+  <p:clrMapOvr>
+    <a:masterClrMapping/>
+  </p:clrMapOvr>
 </p:sldLayout>
 </file>
 
 <file path=ppt/slideLayouts/slideLayout19.xml><?xml version="1.0" encoding="utf-8"?>
-<p:sldLayout xmlns:a="http://schemas.openxmlformats.org/drawingml/2006/main" xmlns:p="http://schemas.openxmlformats.org/presentationml/2006/main" xmlns:r="http://schemas.openxmlformats.org/officeDocument/2006/relationships" xmlns:p14="http://schemas.microsoft.com/office/powerpoint/2010/main" xmlns:p15="http://schemas.microsoft.com/office/powerpoint/2012/main" xmlns:mc="http://schemas.openxmlformats.org/markup-compatibility/2006" type="twoObjAndObj" preserve="1">
+<p:sldLayout xmlns:a="http://schemas.openxmlformats.org/drawingml/2006/main" xmlns:r="http://schemas.openxmlformats.org/officeDocument/2006/relationships" xmlns:p="http://schemas.openxmlformats.org/presentationml/2006/main" type="twoObjAndObj" preserve="1">
   <p:cSld name="Title, 2 Content and Content">
     <p:spTree>
       <p:nvGrpSpPr>
@@ -1011,12 +1160,13 @@
           </a:prstGeom>
         </p:spPr>
         <p:txBody>
-          <a:bodyPr lIns="0" rIns="0" tIns="0" bIns="0" anchor="ctr">
+          <a:bodyPr lIns="0" tIns="0" rIns="0" bIns="0" anchor="ctr">
             <a:spAutoFit/>
           </a:bodyPr>
+          <a:lstStyle/>
           <a:p>
             <a:pPr algn="ctr"/>
-            <a:endParaRPr b="0" lang="es-CR" sz="4400" spc="-1" strike="noStrike">
+            <a:endParaRPr lang="es-CR" sz="4400" b="0" strike="noStrike" spc="-1">
               <a:latin typeface="Arial"/>
             </a:endParaRPr>
           </a:p>
@@ -1042,11 +1192,12 @@
           </a:prstGeom>
         </p:spPr>
         <p:txBody>
-          <a:bodyPr lIns="0" rIns="0" tIns="0" bIns="0">
+          <a:bodyPr lIns="0" tIns="0" rIns="0" bIns="0">
             <a:normAutofit/>
           </a:bodyPr>
-          <a:p>
-            <a:endParaRPr b="0" lang="es-CR" sz="3200" spc="-1" strike="noStrike">
+          <a:lstStyle/>
+          <a:p>
+            <a:endParaRPr lang="es-CR" sz="3200" b="0" strike="noStrike" spc="-1">
               <a:latin typeface="Arial"/>
             </a:endParaRPr>
           </a:p>
@@ -1072,11 +1223,12 @@
           </a:prstGeom>
         </p:spPr>
         <p:txBody>
-          <a:bodyPr lIns="0" rIns="0" tIns="0" bIns="0">
+          <a:bodyPr lIns="0" tIns="0" rIns="0" bIns="0">
             <a:normAutofit/>
           </a:bodyPr>
-          <a:p>
-            <a:endParaRPr b="0" lang="es-CR" sz="3200" spc="-1" strike="noStrike">
+          <a:lstStyle/>
+          <a:p>
+            <a:endParaRPr lang="es-CR" sz="3200" b="0" strike="noStrike" spc="-1">
               <a:latin typeface="Arial"/>
             </a:endParaRPr>
           </a:p>
@@ -1102,11 +1254,12 @@
           </a:prstGeom>
         </p:spPr>
         <p:txBody>
-          <a:bodyPr lIns="0" rIns="0" tIns="0" bIns="0">
+          <a:bodyPr lIns="0" tIns="0" rIns="0" bIns="0">
             <a:normAutofit/>
           </a:bodyPr>
-          <a:p>
-            <a:endParaRPr b="0" lang="es-CR" sz="3200" spc="-1" strike="noStrike">
+          <a:lstStyle/>
+          <a:p>
+            <a:endParaRPr lang="es-CR" sz="3200" b="0" strike="noStrike" spc="-1">
               <a:latin typeface="Arial"/>
             </a:endParaRPr>
           </a:p>
@@ -1114,11 +1267,14 @@
       </p:sp>
     </p:spTree>
   </p:cSld>
+  <p:clrMapOvr>
+    <a:masterClrMapping/>
+  </p:clrMapOvr>
 </p:sldLayout>
 </file>
 
 <file path=ppt/slideLayouts/slideLayout2.xml><?xml version="1.0" encoding="utf-8"?>
-<p:sldLayout xmlns:a="http://schemas.openxmlformats.org/drawingml/2006/main" xmlns:p="http://schemas.openxmlformats.org/presentationml/2006/main" xmlns:r="http://schemas.openxmlformats.org/officeDocument/2006/relationships" xmlns:p14="http://schemas.microsoft.com/office/powerpoint/2010/main" xmlns:p15="http://schemas.microsoft.com/office/powerpoint/2012/main" xmlns:mc="http://schemas.openxmlformats.org/markup-compatibility/2006" type="tx" preserve="1">
+<p:sldLayout xmlns:a="http://schemas.openxmlformats.org/drawingml/2006/main" xmlns:r="http://schemas.openxmlformats.org/officeDocument/2006/relationships" xmlns:p="http://schemas.openxmlformats.org/presentationml/2006/main" type="tx" preserve="1">
   <p:cSld name="Title Slide">
     <p:spTree>
       <p:nvGrpSpPr>
@@ -1154,12 +1310,13 @@
           </a:prstGeom>
         </p:spPr>
         <p:txBody>
-          <a:bodyPr lIns="0" rIns="0" tIns="0" bIns="0" anchor="ctr">
+          <a:bodyPr lIns="0" tIns="0" rIns="0" bIns="0" anchor="ctr">
             <a:spAutoFit/>
           </a:bodyPr>
+          <a:lstStyle/>
           <a:p>
             <a:pPr algn="ctr"/>
-            <a:endParaRPr b="0" lang="es-CR" sz="4400" spc="-1" strike="noStrike">
+            <a:endParaRPr lang="es-CR" sz="4400" b="0" strike="noStrike" spc="-1">
               <a:latin typeface="Arial"/>
             </a:endParaRPr>
           </a:p>
@@ -1185,12 +1342,13 @@
           </a:prstGeom>
         </p:spPr>
         <p:txBody>
-          <a:bodyPr lIns="0" rIns="0" tIns="0" bIns="0" anchor="ctr">
+          <a:bodyPr lIns="0" tIns="0" rIns="0" bIns="0" anchor="ctr">
             <a:spAutoFit/>
           </a:bodyPr>
+          <a:lstStyle/>
           <a:p>
             <a:pPr algn="ctr"/>
-            <a:endParaRPr b="0" lang="es-CR" sz="3200" spc="-1" strike="noStrike">
+            <a:endParaRPr lang="es-CR" sz="3200" b="0" strike="noStrike" spc="-1">
               <a:latin typeface="Arial"/>
             </a:endParaRPr>
           </a:p>
@@ -1198,11 +1356,14 @@
       </p:sp>
     </p:spTree>
   </p:cSld>
+  <p:clrMapOvr>
+    <a:masterClrMapping/>
+  </p:clrMapOvr>
 </p:sldLayout>
 </file>
 
 <file path=ppt/slideLayouts/slideLayout20.xml><?xml version="1.0" encoding="utf-8"?>
-<p:sldLayout xmlns:a="http://schemas.openxmlformats.org/drawingml/2006/main" xmlns:p="http://schemas.openxmlformats.org/presentationml/2006/main" xmlns:r="http://schemas.openxmlformats.org/officeDocument/2006/relationships" xmlns:p14="http://schemas.microsoft.com/office/powerpoint/2010/main" xmlns:p15="http://schemas.microsoft.com/office/powerpoint/2012/main" xmlns:mc="http://schemas.openxmlformats.org/markup-compatibility/2006" type="objAndTwoObj" preserve="1">
+<p:sldLayout xmlns:a="http://schemas.openxmlformats.org/drawingml/2006/main" xmlns:r="http://schemas.openxmlformats.org/officeDocument/2006/relationships" xmlns:p="http://schemas.openxmlformats.org/presentationml/2006/main" type="objAndTwoObj" preserve="1">
   <p:cSld name="Title Content and 2 Content">
     <p:spTree>
       <p:nvGrpSpPr>
@@ -1238,12 +1399,13 @@
           </a:prstGeom>
         </p:spPr>
         <p:txBody>
-          <a:bodyPr lIns="0" rIns="0" tIns="0" bIns="0" anchor="ctr">
+          <a:bodyPr lIns="0" tIns="0" rIns="0" bIns="0" anchor="ctr">
             <a:spAutoFit/>
           </a:bodyPr>
+          <a:lstStyle/>
           <a:p>
             <a:pPr algn="ctr"/>
-            <a:endParaRPr b="0" lang="es-CR" sz="4400" spc="-1" strike="noStrike">
+            <a:endParaRPr lang="es-CR" sz="4400" b="0" strike="noStrike" spc="-1">
               <a:latin typeface="Arial"/>
             </a:endParaRPr>
           </a:p>
@@ -1269,11 +1431,12 @@
           </a:prstGeom>
         </p:spPr>
         <p:txBody>
-          <a:bodyPr lIns="0" rIns="0" tIns="0" bIns="0">
+          <a:bodyPr lIns="0" tIns="0" rIns="0" bIns="0">
             <a:normAutofit/>
           </a:bodyPr>
-          <a:p>
-            <a:endParaRPr b="0" lang="es-CR" sz="3200" spc="-1" strike="noStrike">
+          <a:lstStyle/>
+          <a:p>
+            <a:endParaRPr lang="es-CR" sz="3200" b="0" strike="noStrike" spc="-1">
               <a:latin typeface="Arial"/>
             </a:endParaRPr>
           </a:p>
@@ -1299,11 +1462,12 @@
           </a:prstGeom>
         </p:spPr>
         <p:txBody>
-          <a:bodyPr lIns="0" rIns="0" tIns="0" bIns="0">
+          <a:bodyPr lIns="0" tIns="0" rIns="0" bIns="0">
             <a:normAutofit/>
           </a:bodyPr>
-          <a:p>
-            <a:endParaRPr b="0" lang="es-CR" sz="3200" spc="-1" strike="noStrike">
+          <a:lstStyle/>
+          <a:p>
+            <a:endParaRPr lang="es-CR" sz="3200" b="0" strike="noStrike" spc="-1">
               <a:latin typeface="Arial"/>
             </a:endParaRPr>
           </a:p>
@@ -1329,11 +1493,12 @@
           </a:prstGeom>
         </p:spPr>
         <p:txBody>
-          <a:bodyPr lIns="0" rIns="0" tIns="0" bIns="0">
+          <a:bodyPr lIns="0" tIns="0" rIns="0" bIns="0">
             <a:normAutofit/>
           </a:bodyPr>
-          <a:p>
-            <a:endParaRPr b="0" lang="es-CR" sz="3200" spc="-1" strike="noStrike">
+          <a:lstStyle/>
+          <a:p>
+            <a:endParaRPr lang="es-CR" sz="3200" b="0" strike="noStrike" spc="-1">
               <a:latin typeface="Arial"/>
             </a:endParaRPr>
           </a:p>
@@ -1341,11 +1506,14 @@
       </p:sp>
     </p:spTree>
   </p:cSld>
+  <p:clrMapOvr>
+    <a:masterClrMapping/>
+  </p:clrMapOvr>
 </p:sldLayout>
 </file>
 
 <file path=ppt/slideLayouts/slideLayout21.xml><?xml version="1.0" encoding="utf-8"?>
-<p:sldLayout xmlns:a="http://schemas.openxmlformats.org/drawingml/2006/main" xmlns:p="http://schemas.openxmlformats.org/presentationml/2006/main" xmlns:r="http://schemas.openxmlformats.org/officeDocument/2006/relationships" xmlns:p14="http://schemas.microsoft.com/office/powerpoint/2010/main" xmlns:p15="http://schemas.microsoft.com/office/powerpoint/2012/main" xmlns:mc="http://schemas.openxmlformats.org/markup-compatibility/2006" type="twoObjOverTx" preserve="1">
+<p:sldLayout xmlns:a="http://schemas.openxmlformats.org/drawingml/2006/main" xmlns:r="http://schemas.openxmlformats.org/officeDocument/2006/relationships" xmlns:p="http://schemas.openxmlformats.org/presentationml/2006/main" type="twoObjOverTx" preserve="1">
   <p:cSld name="Title, 2 Content over Content">
     <p:spTree>
       <p:nvGrpSpPr>
@@ -1381,12 +1549,13 @@
           </a:prstGeom>
         </p:spPr>
         <p:txBody>
-          <a:bodyPr lIns="0" rIns="0" tIns="0" bIns="0" anchor="ctr">
+          <a:bodyPr lIns="0" tIns="0" rIns="0" bIns="0" anchor="ctr">
             <a:spAutoFit/>
           </a:bodyPr>
+          <a:lstStyle/>
           <a:p>
             <a:pPr algn="ctr"/>
-            <a:endParaRPr b="0" lang="es-CR" sz="4400" spc="-1" strike="noStrike">
+            <a:endParaRPr lang="es-CR" sz="4400" b="0" strike="noStrike" spc="-1">
               <a:latin typeface="Arial"/>
             </a:endParaRPr>
           </a:p>
@@ -1412,11 +1581,12 @@
           </a:prstGeom>
         </p:spPr>
         <p:txBody>
-          <a:bodyPr lIns="0" rIns="0" tIns="0" bIns="0">
+          <a:bodyPr lIns="0" tIns="0" rIns="0" bIns="0">
             <a:normAutofit/>
           </a:bodyPr>
-          <a:p>
-            <a:endParaRPr b="0" lang="es-CR" sz="3200" spc="-1" strike="noStrike">
+          <a:lstStyle/>
+          <a:p>
+            <a:endParaRPr lang="es-CR" sz="3200" b="0" strike="noStrike" spc="-1">
               <a:latin typeface="Arial"/>
             </a:endParaRPr>
           </a:p>
@@ -1442,11 +1612,12 @@
           </a:prstGeom>
         </p:spPr>
         <p:txBody>
-          <a:bodyPr lIns="0" rIns="0" tIns="0" bIns="0">
+          <a:bodyPr lIns="0" tIns="0" rIns="0" bIns="0">
             <a:normAutofit/>
           </a:bodyPr>
-          <a:p>
-            <a:endParaRPr b="0" lang="es-CR" sz="3200" spc="-1" strike="noStrike">
+          <a:lstStyle/>
+          <a:p>
+            <a:endParaRPr lang="es-CR" sz="3200" b="0" strike="noStrike" spc="-1">
               <a:latin typeface="Arial"/>
             </a:endParaRPr>
           </a:p>
@@ -1472,11 +1643,12 @@
           </a:prstGeom>
         </p:spPr>
         <p:txBody>
-          <a:bodyPr lIns="0" rIns="0" tIns="0" bIns="0">
+          <a:bodyPr lIns="0" tIns="0" rIns="0" bIns="0">
             <a:normAutofit/>
           </a:bodyPr>
-          <a:p>
-            <a:endParaRPr b="0" lang="es-CR" sz="3200" spc="-1" strike="noStrike">
+          <a:lstStyle/>
+          <a:p>
+            <a:endParaRPr lang="es-CR" sz="3200" b="0" strike="noStrike" spc="-1">
               <a:latin typeface="Arial"/>
             </a:endParaRPr>
           </a:p>
@@ -1484,11 +1656,14 @@
       </p:sp>
     </p:spTree>
   </p:cSld>
+  <p:clrMapOvr>
+    <a:masterClrMapping/>
+  </p:clrMapOvr>
 </p:sldLayout>
 </file>
 
 <file path=ppt/slideLayouts/slideLayout22.xml><?xml version="1.0" encoding="utf-8"?>
-<p:sldLayout xmlns:a="http://schemas.openxmlformats.org/drawingml/2006/main" xmlns:p="http://schemas.openxmlformats.org/presentationml/2006/main" xmlns:r="http://schemas.openxmlformats.org/officeDocument/2006/relationships" xmlns:p14="http://schemas.microsoft.com/office/powerpoint/2010/main" xmlns:p15="http://schemas.microsoft.com/office/powerpoint/2012/main" xmlns:mc="http://schemas.openxmlformats.org/markup-compatibility/2006" type="objOverTx" preserve="1">
+<p:sldLayout xmlns:a="http://schemas.openxmlformats.org/drawingml/2006/main" xmlns:r="http://schemas.openxmlformats.org/officeDocument/2006/relationships" xmlns:p="http://schemas.openxmlformats.org/presentationml/2006/main" type="objOverTx" preserve="1">
   <p:cSld name="Title, Content over Content">
     <p:spTree>
       <p:nvGrpSpPr>
@@ -1524,12 +1699,13 @@
           </a:prstGeom>
         </p:spPr>
         <p:txBody>
-          <a:bodyPr lIns="0" rIns="0" tIns="0" bIns="0" anchor="ctr">
+          <a:bodyPr lIns="0" tIns="0" rIns="0" bIns="0" anchor="ctr">
             <a:spAutoFit/>
           </a:bodyPr>
+          <a:lstStyle/>
           <a:p>
             <a:pPr algn="ctr"/>
-            <a:endParaRPr b="0" lang="es-CR" sz="4400" spc="-1" strike="noStrike">
+            <a:endParaRPr lang="es-CR" sz="4400" b="0" strike="noStrike" spc="-1">
               <a:latin typeface="Arial"/>
             </a:endParaRPr>
           </a:p>
@@ -1555,11 +1731,12 @@
           </a:prstGeom>
         </p:spPr>
         <p:txBody>
-          <a:bodyPr lIns="0" rIns="0" tIns="0" bIns="0">
+          <a:bodyPr lIns="0" tIns="0" rIns="0" bIns="0">
             <a:normAutofit/>
           </a:bodyPr>
-          <a:p>
-            <a:endParaRPr b="0" lang="es-CR" sz="3200" spc="-1" strike="noStrike">
+          <a:lstStyle/>
+          <a:p>
+            <a:endParaRPr lang="es-CR" sz="3200" b="0" strike="noStrike" spc="-1">
               <a:latin typeface="Arial"/>
             </a:endParaRPr>
           </a:p>
@@ -1585,11 +1762,12 @@
           </a:prstGeom>
         </p:spPr>
         <p:txBody>
-          <a:bodyPr lIns="0" rIns="0" tIns="0" bIns="0">
+          <a:bodyPr lIns="0" tIns="0" rIns="0" bIns="0">
             <a:normAutofit/>
           </a:bodyPr>
-          <a:p>
-            <a:endParaRPr b="0" lang="es-CR" sz="3200" spc="-1" strike="noStrike">
+          <a:lstStyle/>
+          <a:p>
+            <a:endParaRPr lang="es-CR" sz="3200" b="0" strike="noStrike" spc="-1">
               <a:latin typeface="Arial"/>
             </a:endParaRPr>
           </a:p>
@@ -1597,11 +1775,14 @@
       </p:sp>
     </p:spTree>
   </p:cSld>
+  <p:clrMapOvr>
+    <a:masterClrMapping/>
+  </p:clrMapOvr>
 </p:sldLayout>
 </file>
 
 <file path=ppt/slideLayouts/slideLayout23.xml><?xml version="1.0" encoding="utf-8"?>
-<p:sldLayout xmlns:a="http://schemas.openxmlformats.org/drawingml/2006/main" xmlns:p="http://schemas.openxmlformats.org/presentationml/2006/main" xmlns:r="http://schemas.openxmlformats.org/officeDocument/2006/relationships" xmlns:p14="http://schemas.microsoft.com/office/powerpoint/2010/main" xmlns:p15="http://schemas.microsoft.com/office/powerpoint/2012/main" xmlns:mc="http://schemas.openxmlformats.org/markup-compatibility/2006" type="fourObj" preserve="1">
+<p:sldLayout xmlns:a="http://schemas.openxmlformats.org/drawingml/2006/main" xmlns:r="http://schemas.openxmlformats.org/officeDocument/2006/relationships" xmlns:p="http://schemas.openxmlformats.org/presentationml/2006/main" type="fourObj" preserve="1">
   <p:cSld name="Title, 4 Content">
     <p:spTree>
       <p:nvGrpSpPr>
@@ -1637,12 +1818,13 @@
           </a:prstGeom>
         </p:spPr>
         <p:txBody>
-          <a:bodyPr lIns="0" rIns="0" tIns="0" bIns="0" anchor="ctr">
+          <a:bodyPr lIns="0" tIns="0" rIns="0" bIns="0" anchor="ctr">
             <a:spAutoFit/>
           </a:bodyPr>
+          <a:lstStyle/>
           <a:p>
             <a:pPr algn="ctr"/>
-            <a:endParaRPr b="0" lang="es-CR" sz="4400" spc="-1" strike="noStrike">
+            <a:endParaRPr lang="es-CR" sz="4400" b="0" strike="noStrike" spc="-1">
               <a:latin typeface="Arial"/>
             </a:endParaRPr>
           </a:p>
@@ -1668,11 +1850,12 @@
           </a:prstGeom>
         </p:spPr>
         <p:txBody>
-          <a:bodyPr lIns="0" rIns="0" tIns="0" bIns="0">
+          <a:bodyPr lIns="0" tIns="0" rIns="0" bIns="0">
             <a:normAutofit/>
           </a:bodyPr>
-          <a:p>
-            <a:endParaRPr b="0" lang="es-CR" sz="3200" spc="-1" strike="noStrike">
+          <a:lstStyle/>
+          <a:p>
+            <a:endParaRPr lang="es-CR" sz="3200" b="0" strike="noStrike" spc="-1">
               <a:latin typeface="Arial"/>
             </a:endParaRPr>
           </a:p>
@@ -1698,11 +1881,12 @@
           </a:prstGeom>
         </p:spPr>
         <p:txBody>
-          <a:bodyPr lIns="0" rIns="0" tIns="0" bIns="0">
+          <a:bodyPr lIns="0" tIns="0" rIns="0" bIns="0">
             <a:normAutofit/>
           </a:bodyPr>
-          <a:p>
-            <a:endParaRPr b="0" lang="es-CR" sz="3200" spc="-1" strike="noStrike">
+          <a:lstStyle/>
+          <a:p>
+            <a:endParaRPr lang="es-CR" sz="3200" b="0" strike="noStrike" spc="-1">
               <a:latin typeface="Arial"/>
             </a:endParaRPr>
           </a:p>
@@ -1728,11 +1912,12 @@
           </a:prstGeom>
         </p:spPr>
         <p:txBody>
-          <a:bodyPr lIns="0" rIns="0" tIns="0" bIns="0">
+          <a:bodyPr lIns="0" tIns="0" rIns="0" bIns="0">
             <a:normAutofit/>
           </a:bodyPr>
-          <a:p>
-            <a:endParaRPr b="0" lang="es-CR" sz="3200" spc="-1" strike="noStrike">
+          <a:lstStyle/>
+          <a:p>
+            <a:endParaRPr lang="es-CR" sz="3200" b="0" strike="noStrike" spc="-1">
               <a:latin typeface="Arial"/>
             </a:endParaRPr>
           </a:p>
@@ -1758,11 +1943,12 @@
           </a:prstGeom>
         </p:spPr>
         <p:txBody>
-          <a:bodyPr lIns="0" rIns="0" tIns="0" bIns="0">
+          <a:bodyPr lIns="0" tIns="0" rIns="0" bIns="0">
             <a:normAutofit/>
           </a:bodyPr>
-          <a:p>
-            <a:endParaRPr b="0" lang="es-CR" sz="3200" spc="-1" strike="noStrike">
+          <a:lstStyle/>
+          <a:p>
+            <a:endParaRPr lang="es-CR" sz="3200" b="0" strike="noStrike" spc="-1">
               <a:latin typeface="Arial"/>
             </a:endParaRPr>
           </a:p>
@@ -1770,11 +1956,14 @@
       </p:sp>
     </p:spTree>
   </p:cSld>
+  <p:clrMapOvr>
+    <a:masterClrMapping/>
+  </p:clrMapOvr>
 </p:sldLayout>
 </file>
 
 <file path=ppt/slideLayouts/slideLayout24.xml><?xml version="1.0" encoding="utf-8"?>
-<p:sldLayout xmlns:a="http://schemas.openxmlformats.org/drawingml/2006/main" xmlns:p="http://schemas.openxmlformats.org/presentationml/2006/main" xmlns:r="http://schemas.openxmlformats.org/officeDocument/2006/relationships" xmlns:p14="http://schemas.microsoft.com/office/powerpoint/2010/main" xmlns:p15="http://schemas.microsoft.com/office/powerpoint/2012/main" xmlns:mc="http://schemas.openxmlformats.org/markup-compatibility/2006" type="blank" preserve="1">
+<p:sldLayout xmlns:a="http://schemas.openxmlformats.org/drawingml/2006/main" xmlns:r="http://schemas.openxmlformats.org/officeDocument/2006/relationships" xmlns:p="http://schemas.openxmlformats.org/presentationml/2006/main" type="blank" preserve="1">
   <p:cSld name="Title, 6 Content">
     <p:spTree>
       <p:nvGrpSpPr>
@@ -1810,12 +1999,13 @@
           </a:prstGeom>
         </p:spPr>
         <p:txBody>
-          <a:bodyPr lIns="0" rIns="0" tIns="0" bIns="0" anchor="ctr">
+          <a:bodyPr lIns="0" tIns="0" rIns="0" bIns="0" anchor="ctr">
             <a:spAutoFit/>
           </a:bodyPr>
+          <a:lstStyle/>
           <a:p>
             <a:pPr algn="ctr"/>
-            <a:endParaRPr b="0" lang="es-CR" sz="4400" spc="-1" strike="noStrike">
+            <a:endParaRPr lang="es-CR" sz="4400" b="0" strike="noStrike" spc="-1">
               <a:latin typeface="Arial"/>
             </a:endParaRPr>
           </a:p>
@@ -1841,11 +2031,12 @@
           </a:prstGeom>
         </p:spPr>
         <p:txBody>
-          <a:bodyPr lIns="0" rIns="0" tIns="0" bIns="0">
+          <a:bodyPr lIns="0" tIns="0" rIns="0" bIns="0">
             <a:normAutofit/>
           </a:bodyPr>
-          <a:p>
-            <a:endParaRPr b="0" lang="es-CR" sz="3200" spc="-1" strike="noStrike">
+          <a:lstStyle/>
+          <a:p>
+            <a:endParaRPr lang="es-CR" sz="3200" b="0" strike="noStrike" spc="-1">
               <a:latin typeface="Arial"/>
             </a:endParaRPr>
           </a:p>
@@ -1871,11 +2062,12 @@
           </a:prstGeom>
         </p:spPr>
         <p:txBody>
-          <a:bodyPr lIns="0" rIns="0" tIns="0" bIns="0">
+          <a:bodyPr lIns="0" tIns="0" rIns="0" bIns="0">
             <a:normAutofit/>
           </a:bodyPr>
-          <a:p>
-            <a:endParaRPr b="0" lang="es-CR" sz="3200" spc="-1" strike="noStrike">
+          <a:lstStyle/>
+          <a:p>
+            <a:endParaRPr lang="es-CR" sz="3200" b="0" strike="noStrike" spc="-1">
               <a:latin typeface="Arial"/>
             </a:endParaRPr>
           </a:p>
@@ -1901,11 +2093,12 @@
           </a:prstGeom>
         </p:spPr>
         <p:txBody>
-          <a:bodyPr lIns="0" rIns="0" tIns="0" bIns="0">
+          <a:bodyPr lIns="0" tIns="0" rIns="0" bIns="0">
             <a:normAutofit/>
           </a:bodyPr>
-          <a:p>
-            <a:endParaRPr b="0" lang="es-CR" sz="3200" spc="-1" strike="noStrike">
+          <a:lstStyle/>
+          <a:p>
+            <a:endParaRPr lang="es-CR" sz="3200" b="0" strike="noStrike" spc="-1">
               <a:latin typeface="Arial"/>
             </a:endParaRPr>
           </a:p>
@@ -1931,11 +2124,12 @@
           </a:prstGeom>
         </p:spPr>
         <p:txBody>
-          <a:bodyPr lIns="0" rIns="0" tIns="0" bIns="0">
+          <a:bodyPr lIns="0" tIns="0" rIns="0" bIns="0">
             <a:normAutofit/>
           </a:bodyPr>
-          <a:p>
-            <a:endParaRPr b="0" lang="es-CR" sz="3200" spc="-1" strike="noStrike">
+          <a:lstStyle/>
+          <a:p>
+            <a:endParaRPr lang="es-CR" sz="3200" b="0" strike="noStrike" spc="-1">
               <a:latin typeface="Arial"/>
             </a:endParaRPr>
           </a:p>
@@ -1961,11 +2155,12 @@
           </a:prstGeom>
         </p:spPr>
         <p:txBody>
-          <a:bodyPr lIns="0" rIns="0" tIns="0" bIns="0">
+          <a:bodyPr lIns="0" tIns="0" rIns="0" bIns="0">
             <a:normAutofit/>
           </a:bodyPr>
-          <a:p>
-            <a:endParaRPr b="0" lang="es-CR" sz="3200" spc="-1" strike="noStrike">
+          <a:lstStyle/>
+          <a:p>
+            <a:endParaRPr lang="es-CR" sz="3200" b="0" strike="noStrike" spc="-1">
               <a:latin typeface="Arial"/>
             </a:endParaRPr>
           </a:p>
@@ -1991,11 +2186,12 @@
           </a:prstGeom>
         </p:spPr>
         <p:txBody>
-          <a:bodyPr lIns="0" rIns="0" tIns="0" bIns="0">
+          <a:bodyPr lIns="0" tIns="0" rIns="0" bIns="0">
             <a:normAutofit/>
           </a:bodyPr>
-          <a:p>
-            <a:endParaRPr b="0" lang="es-CR" sz="3200" spc="-1" strike="noStrike">
+          <a:lstStyle/>
+          <a:p>
+            <a:endParaRPr lang="es-CR" sz="3200" b="0" strike="noStrike" spc="-1">
               <a:latin typeface="Arial"/>
             </a:endParaRPr>
           </a:p>
@@ -2003,11 +2199,14 @@
       </p:sp>
     </p:spTree>
   </p:cSld>
+  <p:clrMapOvr>
+    <a:masterClrMapping/>
+  </p:clrMapOvr>
 </p:sldLayout>
 </file>
 
 <file path=ppt/slideLayouts/slideLayout25.xml><?xml version="1.0" encoding="utf-8"?>
-<p:sldLayout xmlns:a="http://schemas.openxmlformats.org/drawingml/2006/main" xmlns:p="http://schemas.openxmlformats.org/presentationml/2006/main" xmlns:r="http://schemas.openxmlformats.org/officeDocument/2006/relationships" xmlns:p14="http://schemas.microsoft.com/office/powerpoint/2010/main" xmlns:p15="http://schemas.microsoft.com/office/powerpoint/2012/main" xmlns:mc="http://schemas.openxmlformats.org/markup-compatibility/2006" type="blank" preserve="1">
+<p:sldLayout xmlns:a="http://schemas.openxmlformats.org/drawingml/2006/main" xmlns:r="http://schemas.openxmlformats.org/officeDocument/2006/relationships" xmlns:p="http://schemas.openxmlformats.org/presentationml/2006/main" type="blank" preserve="1">
   <p:cSld name="Blank Slide">
     <p:spTree>
       <p:nvGrpSpPr>
@@ -2025,11 +2224,14 @@
       </p:grpSpPr>
     </p:spTree>
   </p:cSld>
+  <p:clrMapOvr>
+    <a:masterClrMapping/>
+  </p:clrMapOvr>
 </p:sldLayout>
 </file>
 
 <file path=ppt/slideLayouts/slideLayout26.xml><?xml version="1.0" encoding="utf-8"?>
-<p:sldLayout xmlns:a="http://schemas.openxmlformats.org/drawingml/2006/main" xmlns:p="http://schemas.openxmlformats.org/presentationml/2006/main" xmlns:r="http://schemas.openxmlformats.org/officeDocument/2006/relationships" xmlns:p14="http://schemas.microsoft.com/office/powerpoint/2010/main" xmlns:p15="http://schemas.microsoft.com/office/powerpoint/2012/main" xmlns:mc="http://schemas.openxmlformats.org/markup-compatibility/2006" type="tx" preserve="1">
+<p:sldLayout xmlns:a="http://schemas.openxmlformats.org/drawingml/2006/main" xmlns:r="http://schemas.openxmlformats.org/officeDocument/2006/relationships" xmlns:p="http://schemas.openxmlformats.org/presentationml/2006/main" type="tx" preserve="1">
   <p:cSld name="Title Slide">
     <p:spTree>
       <p:nvGrpSpPr>
@@ -2065,12 +2267,13 @@
           </a:prstGeom>
         </p:spPr>
         <p:txBody>
-          <a:bodyPr lIns="0" rIns="0" tIns="0" bIns="0" anchor="ctr">
+          <a:bodyPr lIns="0" tIns="0" rIns="0" bIns="0" anchor="ctr">
             <a:spAutoFit/>
           </a:bodyPr>
+          <a:lstStyle/>
           <a:p>
             <a:pPr algn="ctr"/>
-            <a:endParaRPr b="0" lang="es-CR" sz="4400" spc="-1" strike="noStrike">
+            <a:endParaRPr lang="es-CR" sz="4400" b="0" strike="noStrike" spc="-1">
               <a:latin typeface="Arial"/>
             </a:endParaRPr>
           </a:p>
@@ -2096,12 +2299,13 @@
           </a:prstGeom>
         </p:spPr>
         <p:txBody>
-          <a:bodyPr lIns="0" rIns="0" tIns="0" bIns="0" anchor="ctr">
+          <a:bodyPr lIns="0" tIns="0" rIns="0" bIns="0" anchor="ctr">
             <a:spAutoFit/>
           </a:bodyPr>
+          <a:lstStyle/>
           <a:p>
             <a:pPr algn="ctr"/>
-            <a:endParaRPr b="0" lang="es-CR" sz="3200" spc="-1" strike="noStrike">
+            <a:endParaRPr lang="es-CR" sz="3200" b="0" strike="noStrike" spc="-1">
               <a:latin typeface="Arial"/>
             </a:endParaRPr>
           </a:p>
@@ -2109,11 +2313,14 @@
       </p:sp>
     </p:spTree>
   </p:cSld>
+  <p:clrMapOvr>
+    <a:masterClrMapping/>
+  </p:clrMapOvr>
 </p:sldLayout>
 </file>
 
 <file path=ppt/slideLayouts/slideLayout27.xml><?xml version="1.0" encoding="utf-8"?>
-<p:sldLayout xmlns:a="http://schemas.openxmlformats.org/drawingml/2006/main" xmlns:p="http://schemas.openxmlformats.org/presentationml/2006/main" xmlns:r="http://schemas.openxmlformats.org/officeDocument/2006/relationships" xmlns:p14="http://schemas.microsoft.com/office/powerpoint/2010/main" xmlns:p15="http://schemas.microsoft.com/office/powerpoint/2012/main" xmlns:mc="http://schemas.openxmlformats.org/markup-compatibility/2006" type="obj" preserve="1">
+<p:sldLayout xmlns:a="http://schemas.openxmlformats.org/drawingml/2006/main" xmlns:r="http://schemas.openxmlformats.org/officeDocument/2006/relationships" xmlns:p="http://schemas.openxmlformats.org/presentationml/2006/main" type="obj" preserve="1">
   <p:cSld name="Title, Content">
     <p:spTree>
       <p:nvGrpSpPr>
@@ -2149,12 +2356,13 @@
           </a:prstGeom>
         </p:spPr>
         <p:txBody>
-          <a:bodyPr lIns="0" rIns="0" tIns="0" bIns="0" anchor="ctr">
+          <a:bodyPr lIns="0" tIns="0" rIns="0" bIns="0" anchor="ctr">
             <a:spAutoFit/>
           </a:bodyPr>
+          <a:lstStyle/>
           <a:p>
             <a:pPr algn="ctr"/>
-            <a:endParaRPr b="0" lang="es-CR" sz="4400" spc="-1" strike="noStrike">
+            <a:endParaRPr lang="es-CR" sz="4400" b="0" strike="noStrike" spc="-1">
               <a:latin typeface="Arial"/>
             </a:endParaRPr>
           </a:p>
@@ -2180,11 +2388,12 @@
           </a:prstGeom>
         </p:spPr>
         <p:txBody>
-          <a:bodyPr lIns="0" rIns="0" tIns="0" bIns="0">
+          <a:bodyPr lIns="0" tIns="0" rIns="0" bIns="0">
             <a:normAutofit/>
           </a:bodyPr>
-          <a:p>
-            <a:endParaRPr b="0" lang="es-CR" sz="3200" spc="-1" strike="noStrike">
+          <a:lstStyle/>
+          <a:p>
+            <a:endParaRPr lang="es-CR" sz="3200" b="0" strike="noStrike" spc="-1">
               <a:latin typeface="Arial"/>
             </a:endParaRPr>
           </a:p>
@@ -2192,11 +2401,14 @@
       </p:sp>
     </p:spTree>
   </p:cSld>
+  <p:clrMapOvr>
+    <a:masterClrMapping/>
+  </p:clrMapOvr>
 </p:sldLayout>
 </file>
 
 <file path=ppt/slideLayouts/slideLayout28.xml><?xml version="1.0" encoding="utf-8"?>
-<p:sldLayout xmlns:a="http://schemas.openxmlformats.org/drawingml/2006/main" xmlns:p="http://schemas.openxmlformats.org/presentationml/2006/main" xmlns:r="http://schemas.openxmlformats.org/officeDocument/2006/relationships" xmlns:p14="http://schemas.microsoft.com/office/powerpoint/2010/main" xmlns:p15="http://schemas.microsoft.com/office/powerpoint/2012/main" xmlns:mc="http://schemas.openxmlformats.org/markup-compatibility/2006" type="twoObj" preserve="1">
+<p:sldLayout xmlns:a="http://schemas.openxmlformats.org/drawingml/2006/main" xmlns:r="http://schemas.openxmlformats.org/officeDocument/2006/relationships" xmlns:p="http://schemas.openxmlformats.org/presentationml/2006/main" type="twoObj" preserve="1">
   <p:cSld name="Title, 2 Content">
     <p:spTree>
       <p:nvGrpSpPr>
@@ -2232,12 +2444,13 @@
           </a:prstGeom>
         </p:spPr>
         <p:txBody>
-          <a:bodyPr lIns="0" rIns="0" tIns="0" bIns="0" anchor="ctr">
+          <a:bodyPr lIns="0" tIns="0" rIns="0" bIns="0" anchor="ctr">
             <a:spAutoFit/>
           </a:bodyPr>
+          <a:lstStyle/>
           <a:p>
             <a:pPr algn="ctr"/>
-            <a:endParaRPr b="0" lang="es-CR" sz="4400" spc="-1" strike="noStrike">
+            <a:endParaRPr lang="es-CR" sz="4400" b="0" strike="noStrike" spc="-1">
               <a:latin typeface="Arial"/>
             </a:endParaRPr>
           </a:p>
@@ -2263,11 +2476,12 @@
           </a:prstGeom>
         </p:spPr>
         <p:txBody>
-          <a:bodyPr lIns="0" rIns="0" tIns="0" bIns="0">
+          <a:bodyPr lIns="0" tIns="0" rIns="0" bIns="0">
             <a:normAutofit/>
           </a:bodyPr>
-          <a:p>
-            <a:endParaRPr b="0" lang="es-CR" sz="3200" spc="-1" strike="noStrike">
+          <a:lstStyle/>
+          <a:p>
+            <a:endParaRPr lang="es-CR" sz="3200" b="0" strike="noStrike" spc="-1">
               <a:latin typeface="Arial"/>
             </a:endParaRPr>
           </a:p>
@@ -2293,11 +2507,12 @@
           </a:prstGeom>
         </p:spPr>
         <p:txBody>
-          <a:bodyPr lIns="0" rIns="0" tIns="0" bIns="0">
+          <a:bodyPr lIns="0" tIns="0" rIns="0" bIns="0">
             <a:normAutofit/>
           </a:bodyPr>
-          <a:p>
-            <a:endParaRPr b="0" lang="es-CR" sz="3200" spc="-1" strike="noStrike">
+          <a:lstStyle/>
+          <a:p>
+            <a:endParaRPr lang="es-CR" sz="3200" b="0" strike="noStrike" spc="-1">
               <a:latin typeface="Arial"/>
             </a:endParaRPr>
           </a:p>
@@ -2305,11 +2520,14 @@
       </p:sp>
     </p:spTree>
   </p:cSld>
+  <p:clrMapOvr>
+    <a:masterClrMapping/>
+  </p:clrMapOvr>
 </p:sldLayout>
 </file>
 
 <file path=ppt/slideLayouts/slideLayout29.xml><?xml version="1.0" encoding="utf-8"?>
-<p:sldLayout xmlns:a="http://schemas.openxmlformats.org/drawingml/2006/main" xmlns:p="http://schemas.openxmlformats.org/presentationml/2006/main" xmlns:r="http://schemas.openxmlformats.org/officeDocument/2006/relationships" xmlns:p14="http://schemas.microsoft.com/office/powerpoint/2010/main" xmlns:p15="http://schemas.microsoft.com/office/powerpoint/2012/main" xmlns:mc="http://schemas.openxmlformats.org/markup-compatibility/2006" type="titleOnly" preserve="1">
+<p:sldLayout xmlns:a="http://schemas.openxmlformats.org/drawingml/2006/main" xmlns:r="http://schemas.openxmlformats.org/officeDocument/2006/relationships" xmlns:p="http://schemas.openxmlformats.org/presentationml/2006/main" type="titleOnly" preserve="1">
   <p:cSld name="Title Only">
     <p:spTree>
       <p:nvGrpSpPr>
@@ -2345,12 +2563,13 @@
           </a:prstGeom>
         </p:spPr>
         <p:txBody>
-          <a:bodyPr lIns="0" rIns="0" tIns="0" bIns="0" anchor="ctr">
+          <a:bodyPr lIns="0" tIns="0" rIns="0" bIns="0" anchor="ctr">
             <a:spAutoFit/>
           </a:bodyPr>
+          <a:lstStyle/>
           <a:p>
             <a:pPr algn="ctr"/>
-            <a:endParaRPr b="0" lang="es-CR" sz="4400" spc="-1" strike="noStrike">
+            <a:endParaRPr lang="es-CR" sz="4400" b="0" strike="noStrike" spc="-1">
               <a:latin typeface="Arial"/>
             </a:endParaRPr>
           </a:p>
@@ -2358,11 +2577,14 @@
       </p:sp>
     </p:spTree>
   </p:cSld>
+  <p:clrMapOvr>
+    <a:masterClrMapping/>
+  </p:clrMapOvr>
 </p:sldLayout>
 </file>
 
 <file path=ppt/slideLayouts/slideLayout3.xml><?xml version="1.0" encoding="utf-8"?>
-<p:sldLayout xmlns:a="http://schemas.openxmlformats.org/drawingml/2006/main" xmlns:p="http://schemas.openxmlformats.org/presentationml/2006/main" xmlns:r="http://schemas.openxmlformats.org/officeDocument/2006/relationships" xmlns:p14="http://schemas.microsoft.com/office/powerpoint/2010/main" xmlns:p15="http://schemas.microsoft.com/office/powerpoint/2012/main" xmlns:mc="http://schemas.openxmlformats.org/markup-compatibility/2006" type="obj" preserve="1">
+<p:sldLayout xmlns:a="http://schemas.openxmlformats.org/drawingml/2006/main" xmlns:r="http://schemas.openxmlformats.org/officeDocument/2006/relationships" xmlns:p="http://schemas.openxmlformats.org/presentationml/2006/main" type="obj" preserve="1">
   <p:cSld name="Title, Content">
     <p:spTree>
       <p:nvGrpSpPr>
@@ -2398,12 +2620,13 @@
           </a:prstGeom>
         </p:spPr>
         <p:txBody>
-          <a:bodyPr lIns="0" rIns="0" tIns="0" bIns="0" anchor="ctr">
+          <a:bodyPr lIns="0" tIns="0" rIns="0" bIns="0" anchor="ctr">
             <a:spAutoFit/>
           </a:bodyPr>
+          <a:lstStyle/>
           <a:p>
             <a:pPr algn="ctr"/>
-            <a:endParaRPr b="0" lang="es-CR" sz="4400" spc="-1" strike="noStrike">
+            <a:endParaRPr lang="es-CR" sz="4400" b="0" strike="noStrike" spc="-1">
               <a:latin typeface="Arial"/>
             </a:endParaRPr>
           </a:p>
@@ -2429,11 +2652,12 @@
           </a:prstGeom>
         </p:spPr>
         <p:txBody>
-          <a:bodyPr lIns="0" rIns="0" tIns="0" bIns="0">
+          <a:bodyPr lIns="0" tIns="0" rIns="0" bIns="0">
             <a:normAutofit/>
           </a:bodyPr>
-          <a:p>
-            <a:endParaRPr b="0" lang="es-CR" sz="3200" spc="-1" strike="noStrike">
+          <a:lstStyle/>
+          <a:p>
+            <a:endParaRPr lang="es-CR" sz="3200" b="0" strike="noStrike" spc="-1">
               <a:latin typeface="Arial"/>
             </a:endParaRPr>
           </a:p>
@@ -2441,11 +2665,14 @@
       </p:sp>
     </p:spTree>
   </p:cSld>
+  <p:clrMapOvr>
+    <a:masterClrMapping/>
+  </p:clrMapOvr>
 </p:sldLayout>
 </file>
 
 <file path=ppt/slideLayouts/slideLayout30.xml><?xml version="1.0" encoding="utf-8"?>
-<p:sldLayout xmlns:a="http://schemas.openxmlformats.org/drawingml/2006/main" xmlns:p="http://schemas.openxmlformats.org/presentationml/2006/main" xmlns:r="http://schemas.openxmlformats.org/officeDocument/2006/relationships" xmlns:p14="http://schemas.microsoft.com/office/powerpoint/2010/main" xmlns:p15="http://schemas.microsoft.com/office/powerpoint/2012/main" xmlns:mc="http://schemas.openxmlformats.org/markup-compatibility/2006" type="objOnly" preserve="1">
+<p:sldLayout xmlns:a="http://schemas.openxmlformats.org/drawingml/2006/main" xmlns:r="http://schemas.openxmlformats.org/officeDocument/2006/relationships" xmlns:p="http://schemas.openxmlformats.org/presentationml/2006/main" type="objOnly" preserve="1">
   <p:cSld name="Centered Text">
     <p:spTree>
       <p:nvGrpSpPr>
@@ -2481,12 +2708,13 @@
           </a:prstGeom>
         </p:spPr>
         <p:txBody>
-          <a:bodyPr lIns="0" rIns="0" tIns="0" bIns="0" anchor="ctr">
+          <a:bodyPr lIns="0" tIns="0" rIns="0" bIns="0" anchor="ctr">
             <a:spAutoFit/>
           </a:bodyPr>
+          <a:lstStyle/>
           <a:p>
             <a:pPr algn="ctr"/>
-            <a:endParaRPr b="0" lang="es-CR" sz="3200" spc="-1" strike="noStrike">
+            <a:endParaRPr lang="es-CR" sz="3200" b="0" strike="noStrike" spc="-1">
               <a:latin typeface="Arial"/>
             </a:endParaRPr>
           </a:p>
@@ -2494,11 +2722,14 @@
       </p:sp>
     </p:spTree>
   </p:cSld>
+  <p:clrMapOvr>
+    <a:masterClrMapping/>
+  </p:clrMapOvr>
 </p:sldLayout>
 </file>
 
 <file path=ppt/slideLayouts/slideLayout31.xml><?xml version="1.0" encoding="utf-8"?>
-<p:sldLayout xmlns:a="http://schemas.openxmlformats.org/drawingml/2006/main" xmlns:p="http://schemas.openxmlformats.org/presentationml/2006/main" xmlns:r="http://schemas.openxmlformats.org/officeDocument/2006/relationships" xmlns:p14="http://schemas.microsoft.com/office/powerpoint/2010/main" xmlns:p15="http://schemas.microsoft.com/office/powerpoint/2012/main" xmlns:mc="http://schemas.openxmlformats.org/markup-compatibility/2006" type="twoObjAndObj" preserve="1">
+<p:sldLayout xmlns:a="http://schemas.openxmlformats.org/drawingml/2006/main" xmlns:r="http://schemas.openxmlformats.org/officeDocument/2006/relationships" xmlns:p="http://schemas.openxmlformats.org/presentationml/2006/main" type="twoObjAndObj" preserve="1">
   <p:cSld name="Title, 2 Content and Content">
     <p:spTree>
       <p:nvGrpSpPr>
@@ -2534,12 +2765,13 @@
           </a:prstGeom>
         </p:spPr>
         <p:txBody>
-          <a:bodyPr lIns="0" rIns="0" tIns="0" bIns="0" anchor="ctr">
+          <a:bodyPr lIns="0" tIns="0" rIns="0" bIns="0" anchor="ctr">
             <a:spAutoFit/>
           </a:bodyPr>
+          <a:lstStyle/>
           <a:p>
             <a:pPr algn="ctr"/>
-            <a:endParaRPr b="0" lang="es-CR" sz="4400" spc="-1" strike="noStrike">
+            <a:endParaRPr lang="es-CR" sz="4400" b="0" strike="noStrike" spc="-1">
               <a:latin typeface="Arial"/>
             </a:endParaRPr>
           </a:p>
@@ -2565,11 +2797,12 @@
           </a:prstGeom>
         </p:spPr>
         <p:txBody>
-          <a:bodyPr lIns="0" rIns="0" tIns="0" bIns="0">
+          <a:bodyPr lIns="0" tIns="0" rIns="0" bIns="0">
             <a:normAutofit/>
           </a:bodyPr>
-          <a:p>
-            <a:endParaRPr b="0" lang="es-CR" sz="3200" spc="-1" strike="noStrike">
+          <a:lstStyle/>
+          <a:p>
+            <a:endParaRPr lang="es-CR" sz="3200" b="0" strike="noStrike" spc="-1">
               <a:latin typeface="Arial"/>
             </a:endParaRPr>
           </a:p>
@@ -2595,11 +2828,12 @@
           </a:prstGeom>
         </p:spPr>
         <p:txBody>
-          <a:bodyPr lIns="0" rIns="0" tIns="0" bIns="0">
+          <a:bodyPr lIns="0" tIns="0" rIns="0" bIns="0">
             <a:normAutofit/>
           </a:bodyPr>
-          <a:p>
-            <a:endParaRPr b="0" lang="es-CR" sz="3200" spc="-1" strike="noStrike">
+          <a:lstStyle/>
+          <a:p>
+            <a:endParaRPr lang="es-CR" sz="3200" b="0" strike="noStrike" spc="-1">
               <a:latin typeface="Arial"/>
             </a:endParaRPr>
           </a:p>
@@ -2625,11 +2859,12 @@
           </a:prstGeom>
         </p:spPr>
         <p:txBody>
-          <a:bodyPr lIns="0" rIns="0" tIns="0" bIns="0">
+          <a:bodyPr lIns="0" tIns="0" rIns="0" bIns="0">
             <a:normAutofit/>
           </a:bodyPr>
-          <a:p>
-            <a:endParaRPr b="0" lang="es-CR" sz="3200" spc="-1" strike="noStrike">
+          <a:lstStyle/>
+          <a:p>
+            <a:endParaRPr lang="es-CR" sz="3200" b="0" strike="noStrike" spc="-1">
               <a:latin typeface="Arial"/>
             </a:endParaRPr>
           </a:p>
@@ -2637,11 +2872,14 @@
       </p:sp>
     </p:spTree>
   </p:cSld>
+  <p:clrMapOvr>
+    <a:masterClrMapping/>
+  </p:clrMapOvr>
 </p:sldLayout>
 </file>
 
 <file path=ppt/slideLayouts/slideLayout32.xml><?xml version="1.0" encoding="utf-8"?>
-<p:sldLayout xmlns:a="http://schemas.openxmlformats.org/drawingml/2006/main" xmlns:p="http://schemas.openxmlformats.org/presentationml/2006/main" xmlns:r="http://schemas.openxmlformats.org/officeDocument/2006/relationships" xmlns:p14="http://schemas.microsoft.com/office/powerpoint/2010/main" xmlns:p15="http://schemas.microsoft.com/office/powerpoint/2012/main" xmlns:mc="http://schemas.openxmlformats.org/markup-compatibility/2006" type="objAndTwoObj" preserve="1">
+<p:sldLayout xmlns:a="http://schemas.openxmlformats.org/drawingml/2006/main" xmlns:r="http://schemas.openxmlformats.org/officeDocument/2006/relationships" xmlns:p="http://schemas.openxmlformats.org/presentationml/2006/main" type="objAndTwoObj" preserve="1">
   <p:cSld name="Title Content and 2 Content">
     <p:spTree>
       <p:nvGrpSpPr>
@@ -2677,12 +2915,13 @@
           </a:prstGeom>
         </p:spPr>
         <p:txBody>
-          <a:bodyPr lIns="0" rIns="0" tIns="0" bIns="0" anchor="ctr">
+          <a:bodyPr lIns="0" tIns="0" rIns="0" bIns="0" anchor="ctr">
             <a:spAutoFit/>
           </a:bodyPr>
+          <a:lstStyle/>
           <a:p>
             <a:pPr algn="ctr"/>
-            <a:endParaRPr b="0" lang="es-CR" sz="4400" spc="-1" strike="noStrike">
+            <a:endParaRPr lang="es-CR" sz="4400" b="0" strike="noStrike" spc="-1">
               <a:latin typeface="Arial"/>
             </a:endParaRPr>
           </a:p>
@@ -2708,11 +2947,12 @@
           </a:prstGeom>
         </p:spPr>
         <p:txBody>
-          <a:bodyPr lIns="0" rIns="0" tIns="0" bIns="0">
+          <a:bodyPr lIns="0" tIns="0" rIns="0" bIns="0">
             <a:normAutofit/>
           </a:bodyPr>
-          <a:p>
-            <a:endParaRPr b="0" lang="es-CR" sz="3200" spc="-1" strike="noStrike">
+          <a:lstStyle/>
+          <a:p>
+            <a:endParaRPr lang="es-CR" sz="3200" b="0" strike="noStrike" spc="-1">
               <a:latin typeface="Arial"/>
             </a:endParaRPr>
           </a:p>
@@ -2738,11 +2978,12 @@
           </a:prstGeom>
         </p:spPr>
         <p:txBody>
-          <a:bodyPr lIns="0" rIns="0" tIns="0" bIns="0">
+          <a:bodyPr lIns="0" tIns="0" rIns="0" bIns="0">
             <a:normAutofit/>
           </a:bodyPr>
-          <a:p>
-            <a:endParaRPr b="0" lang="es-CR" sz="3200" spc="-1" strike="noStrike">
+          <a:lstStyle/>
+          <a:p>
+            <a:endParaRPr lang="es-CR" sz="3200" b="0" strike="noStrike" spc="-1">
               <a:latin typeface="Arial"/>
             </a:endParaRPr>
           </a:p>
@@ -2768,11 +3009,12 @@
           </a:prstGeom>
         </p:spPr>
         <p:txBody>
-          <a:bodyPr lIns="0" rIns="0" tIns="0" bIns="0">
+          <a:bodyPr lIns="0" tIns="0" rIns="0" bIns="0">
             <a:normAutofit/>
           </a:bodyPr>
-          <a:p>
-            <a:endParaRPr b="0" lang="es-CR" sz="3200" spc="-1" strike="noStrike">
+          <a:lstStyle/>
+          <a:p>
+            <a:endParaRPr lang="es-CR" sz="3200" b="0" strike="noStrike" spc="-1">
               <a:latin typeface="Arial"/>
             </a:endParaRPr>
           </a:p>
@@ -2780,11 +3022,14 @@
       </p:sp>
     </p:spTree>
   </p:cSld>
+  <p:clrMapOvr>
+    <a:masterClrMapping/>
+  </p:clrMapOvr>
 </p:sldLayout>
 </file>
 
 <file path=ppt/slideLayouts/slideLayout33.xml><?xml version="1.0" encoding="utf-8"?>
-<p:sldLayout xmlns:a="http://schemas.openxmlformats.org/drawingml/2006/main" xmlns:p="http://schemas.openxmlformats.org/presentationml/2006/main" xmlns:r="http://schemas.openxmlformats.org/officeDocument/2006/relationships" xmlns:p14="http://schemas.microsoft.com/office/powerpoint/2010/main" xmlns:p15="http://schemas.microsoft.com/office/powerpoint/2012/main" xmlns:mc="http://schemas.openxmlformats.org/markup-compatibility/2006" type="twoObjOverTx" preserve="1">
+<p:sldLayout xmlns:a="http://schemas.openxmlformats.org/drawingml/2006/main" xmlns:r="http://schemas.openxmlformats.org/officeDocument/2006/relationships" xmlns:p="http://schemas.openxmlformats.org/presentationml/2006/main" type="twoObjOverTx" preserve="1">
   <p:cSld name="Title, 2 Content over Content">
     <p:spTree>
       <p:nvGrpSpPr>
@@ -2820,12 +3065,13 @@
           </a:prstGeom>
         </p:spPr>
         <p:txBody>
-          <a:bodyPr lIns="0" rIns="0" tIns="0" bIns="0" anchor="ctr">
+          <a:bodyPr lIns="0" tIns="0" rIns="0" bIns="0" anchor="ctr">
             <a:spAutoFit/>
           </a:bodyPr>
+          <a:lstStyle/>
           <a:p>
             <a:pPr algn="ctr"/>
-            <a:endParaRPr b="0" lang="es-CR" sz="4400" spc="-1" strike="noStrike">
+            <a:endParaRPr lang="es-CR" sz="4400" b="0" strike="noStrike" spc="-1">
               <a:latin typeface="Arial"/>
             </a:endParaRPr>
           </a:p>
@@ -2851,11 +3097,12 @@
           </a:prstGeom>
         </p:spPr>
         <p:txBody>
-          <a:bodyPr lIns="0" rIns="0" tIns="0" bIns="0">
+          <a:bodyPr lIns="0" tIns="0" rIns="0" bIns="0">
             <a:normAutofit/>
           </a:bodyPr>
-          <a:p>
-            <a:endParaRPr b="0" lang="es-CR" sz="3200" spc="-1" strike="noStrike">
+          <a:lstStyle/>
+          <a:p>
+            <a:endParaRPr lang="es-CR" sz="3200" b="0" strike="noStrike" spc="-1">
               <a:latin typeface="Arial"/>
             </a:endParaRPr>
           </a:p>
@@ -2881,11 +3128,12 @@
           </a:prstGeom>
         </p:spPr>
         <p:txBody>
-          <a:bodyPr lIns="0" rIns="0" tIns="0" bIns="0">
+          <a:bodyPr lIns="0" tIns="0" rIns="0" bIns="0">
             <a:normAutofit/>
           </a:bodyPr>
-          <a:p>
-            <a:endParaRPr b="0" lang="es-CR" sz="3200" spc="-1" strike="noStrike">
+          <a:lstStyle/>
+          <a:p>
+            <a:endParaRPr lang="es-CR" sz="3200" b="0" strike="noStrike" spc="-1">
               <a:latin typeface="Arial"/>
             </a:endParaRPr>
           </a:p>
@@ -2911,11 +3159,12 @@
           </a:prstGeom>
         </p:spPr>
         <p:txBody>
-          <a:bodyPr lIns="0" rIns="0" tIns="0" bIns="0">
+          <a:bodyPr lIns="0" tIns="0" rIns="0" bIns="0">
             <a:normAutofit/>
           </a:bodyPr>
-          <a:p>
-            <a:endParaRPr b="0" lang="es-CR" sz="3200" spc="-1" strike="noStrike">
+          <a:lstStyle/>
+          <a:p>
+            <a:endParaRPr lang="es-CR" sz="3200" b="0" strike="noStrike" spc="-1">
               <a:latin typeface="Arial"/>
             </a:endParaRPr>
           </a:p>
@@ -2923,11 +3172,14 @@
       </p:sp>
     </p:spTree>
   </p:cSld>
+  <p:clrMapOvr>
+    <a:masterClrMapping/>
+  </p:clrMapOvr>
 </p:sldLayout>
 </file>
 
 <file path=ppt/slideLayouts/slideLayout34.xml><?xml version="1.0" encoding="utf-8"?>
-<p:sldLayout xmlns:a="http://schemas.openxmlformats.org/drawingml/2006/main" xmlns:p="http://schemas.openxmlformats.org/presentationml/2006/main" xmlns:r="http://schemas.openxmlformats.org/officeDocument/2006/relationships" xmlns:p14="http://schemas.microsoft.com/office/powerpoint/2010/main" xmlns:p15="http://schemas.microsoft.com/office/powerpoint/2012/main" xmlns:mc="http://schemas.openxmlformats.org/markup-compatibility/2006" type="objOverTx" preserve="1">
+<p:sldLayout xmlns:a="http://schemas.openxmlformats.org/drawingml/2006/main" xmlns:r="http://schemas.openxmlformats.org/officeDocument/2006/relationships" xmlns:p="http://schemas.openxmlformats.org/presentationml/2006/main" type="objOverTx" preserve="1">
   <p:cSld name="Title, Content over Content">
     <p:spTree>
       <p:nvGrpSpPr>
@@ -2963,12 +3215,13 @@
           </a:prstGeom>
         </p:spPr>
         <p:txBody>
-          <a:bodyPr lIns="0" rIns="0" tIns="0" bIns="0" anchor="ctr">
+          <a:bodyPr lIns="0" tIns="0" rIns="0" bIns="0" anchor="ctr">
             <a:spAutoFit/>
           </a:bodyPr>
+          <a:lstStyle/>
           <a:p>
             <a:pPr algn="ctr"/>
-            <a:endParaRPr b="0" lang="es-CR" sz="4400" spc="-1" strike="noStrike">
+            <a:endParaRPr lang="es-CR" sz="4400" b="0" strike="noStrike" spc="-1">
               <a:latin typeface="Arial"/>
             </a:endParaRPr>
           </a:p>
@@ -2994,11 +3247,12 @@
           </a:prstGeom>
         </p:spPr>
         <p:txBody>
-          <a:bodyPr lIns="0" rIns="0" tIns="0" bIns="0">
+          <a:bodyPr lIns="0" tIns="0" rIns="0" bIns="0">
             <a:normAutofit/>
           </a:bodyPr>
-          <a:p>
-            <a:endParaRPr b="0" lang="es-CR" sz="3200" spc="-1" strike="noStrike">
+          <a:lstStyle/>
+          <a:p>
+            <a:endParaRPr lang="es-CR" sz="3200" b="0" strike="noStrike" spc="-1">
               <a:latin typeface="Arial"/>
             </a:endParaRPr>
           </a:p>
@@ -3024,11 +3278,12 @@
           </a:prstGeom>
         </p:spPr>
         <p:txBody>
-          <a:bodyPr lIns="0" rIns="0" tIns="0" bIns="0">
+          <a:bodyPr lIns="0" tIns="0" rIns="0" bIns="0">
             <a:normAutofit/>
           </a:bodyPr>
-          <a:p>
-            <a:endParaRPr b="0" lang="es-CR" sz="3200" spc="-1" strike="noStrike">
+          <a:lstStyle/>
+          <a:p>
+            <a:endParaRPr lang="es-CR" sz="3200" b="0" strike="noStrike" spc="-1">
               <a:latin typeface="Arial"/>
             </a:endParaRPr>
           </a:p>
@@ -3036,11 +3291,14 @@
       </p:sp>
     </p:spTree>
   </p:cSld>
+  <p:clrMapOvr>
+    <a:masterClrMapping/>
+  </p:clrMapOvr>
 </p:sldLayout>
 </file>
 
 <file path=ppt/slideLayouts/slideLayout35.xml><?xml version="1.0" encoding="utf-8"?>
-<p:sldLayout xmlns:a="http://schemas.openxmlformats.org/drawingml/2006/main" xmlns:p="http://schemas.openxmlformats.org/presentationml/2006/main" xmlns:r="http://schemas.openxmlformats.org/officeDocument/2006/relationships" xmlns:p14="http://schemas.microsoft.com/office/powerpoint/2010/main" xmlns:p15="http://schemas.microsoft.com/office/powerpoint/2012/main" xmlns:mc="http://schemas.openxmlformats.org/markup-compatibility/2006" type="fourObj" preserve="1">
+<p:sldLayout xmlns:a="http://schemas.openxmlformats.org/drawingml/2006/main" xmlns:r="http://schemas.openxmlformats.org/officeDocument/2006/relationships" xmlns:p="http://schemas.openxmlformats.org/presentationml/2006/main" type="fourObj" preserve="1">
   <p:cSld name="Title, 4 Content">
     <p:spTree>
       <p:nvGrpSpPr>
@@ -3076,12 +3334,13 @@
           </a:prstGeom>
         </p:spPr>
         <p:txBody>
-          <a:bodyPr lIns="0" rIns="0" tIns="0" bIns="0" anchor="ctr">
+          <a:bodyPr lIns="0" tIns="0" rIns="0" bIns="0" anchor="ctr">
             <a:spAutoFit/>
           </a:bodyPr>
+          <a:lstStyle/>
           <a:p>
             <a:pPr algn="ctr"/>
-            <a:endParaRPr b="0" lang="es-CR" sz="4400" spc="-1" strike="noStrike">
+            <a:endParaRPr lang="es-CR" sz="4400" b="0" strike="noStrike" spc="-1">
               <a:latin typeface="Arial"/>
             </a:endParaRPr>
           </a:p>
@@ -3107,11 +3366,12 @@
           </a:prstGeom>
         </p:spPr>
         <p:txBody>
-          <a:bodyPr lIns="0" rIns="0" tIns="0" bIns="0">
+          <a:bodyPr lIns="0" tIns="0" rIns="0" bIns="0">
             <a:normAutofit/>
           </a:bodyPr>
-          <a:p>
-            <a:endParaRPr b="0" lang="es-CR" sz="3200" spc="-1" strike="noStrike">
+          <a:lstStyle/>
+          <a:p>
+            <a:endParaRPr lang="es-CR" sz="3200" b="0" strike="noStrike" spc="-1">
               <a:latin typeface="Arial"/>
             </a:endParaRPr>
           </a:p>
@@ -3137,11 +3397,12 @@
           </a:prstGeom>
         </p:spPr>
         <p:txBody>
-          <a:bodyPr lIns="0" rIns="0" tIns="0" bIns="0">
+          <a:bodyPr lIns="0" tIns="0" rIns="0" bIns="0">
             <a:normAutofit/>
           </a:bodyPr>
-          <a:p>
-            <a:endParaRPr b="0" lang="es-CR" sz="3200" spc="-1" strike="noStrike">
+          <a:lstStyle/>
+          <a:p>
+            <a:endParaRPr lang="es-CR" sz="3200" b="0" strike="noStrike" spc="-1">
               <a:latin typeface="Arial"/>
             </a:endParaRPr>
           </a:p>
@@ -3167,11 +3428,12 @@
           </a:prstGeom>
         </p:spPr>
         <p:txBody>
-          <a:bodyPr lIns="0" rIns="0" tIns="0" bIns="0">
+          <a:bodyPr lIns="0" tIns="0" rIns="0" bIns="0">
             <a:normAutofit/>
           </a:bodyPr>
-          <a:p>
-            <a:endParaRPr b="0" lang="es-CR" sz="3200" spc="-1" strike="noStrike">
+          <a:lstStyle/>
+          <a:p>
+            <a:endParaRPr lang="es-CR" sz="3200" b="0" strike="noStrike" spc="-1">
               <a:latin typeface="Arial"/>
             </a:endParaRPr>
           </a:p>
@@ -3197,11 +3459,12 @@
           </a:prstGeom>
         </p:spPr>
         <p:txBody>
-          <a:bodyPr lIns="0" rIns="0" tIns="0" bIns="0">
+          <a:bodyPr lIns="0" tIns="0" rIns="0" bIns="0">
             <a:normAutofit/>
           </a:bodyPr>
-          <a:p>
-            <a:endParaRPr b="0" lang="es-CR" sz="3200" spc="-1" strike="noStrike">
+          <a:lstStyle/>
+          <a:p>
+            <a:endParaRPr lang="es-CR" sz="3200" b="0" strike="noStrike" spc="-1">
               <a:latin typeface="Arial"/>
             </a:endParaRPr>
           </a:p>
@@ -3209,11 +3472,14 @@
       </p:sp>
     </p:spTree>
   </p:cSld>
+  <p:clrMapOvr>
+    <a:masterClrMapping/>
+  </p:clrMapOvr>
 </p:sldLayout>
 </file>
 
 <file path=ppt/slideLayouts/slideLayout36.xml><?xml version="1.0" encoding="utf-8"?>
-<p:sldLayout xmlns:a="http://schemas.openxmlformats.org/drawingml/2006/main" xmlns:p="http://schemas.openxmlformats.org/presentationml/2006/main" xmlns:r="http://schemas.openxmlformats.org/officeDocument/2006/relationships" xmlns:p14="http://schemas.microsoft.com/office/powerpoint/2010/main" xmlns:p15="http://schemas.microsoft.com/office/powerpoint/2012/main" xmlns:mc="http://schemas.openxmlformats.org/markup-compatibility/2006" type="blank" preserve="1">
+<p:sldLayout xmlns:a="http://schemas.openxmlformats.org/drawingml/2006/main" xmlns:r="http://schemas.openxmlformats.org/officeDocument/2006/relationships" xmlns:p="http://schemas.openxmlformats.org/presentationml/2006/main" type="blank" preserve="1">
   <p:cSld name="Title, 6 Content">
     <p:spTree>
       <p:nvGrpSpPr>
@@ -3249,12 +3515,13 @@
           </a:prstGeom>
         </p:spPr>
         <p:txBody>
-          <a:bodyPr lIns="0" rIns="0" tIns="0" bIns="0" anchor="ctr">
+          <a:bodyPr lIns="0" tIns="0" rIns="0" bIns="0" anchor="ctr">
             <a:spAutoFit/>
           </a:bodyPr>
+          <a:lstStyle/>
           <a:p>
             <a:pPr algn="ctr"/>
-            <a:endParaRPr b="0" lang="es-CR" sz="4400" spc="-1" strike="noStrike">
+            <a:endParaRPr lang="es-CR" sz="4400" b="0" strike="noStrike" spc="-1">
               <a:latin typeface="Arial"/>
             </a:endParaRPr>
           </a:p>
@@ -3280,11 +3547,12 @@
           </a:prstGeom>
         </p:spPr>
         <p:txBody>
-          <a:bodyPr lIns="0" rIns="0" tIns="0" bIns="0">
+          <a:bodyPr lIns="0" tIns="0" rIns="0" bIns="0">
             <a:normAutofit/>
           </a:bodyPr>
-          <a:p>
-            <a:endParaRPr b="0" lang="es-CR" sz="3200" spc="-1" strike="noStrike">
+          <a:lstStyle/>
+          <a:p>
+            <a:endParaRPr lang="es-CR" sz="3200" b="0" strike="noStrike" spc="-1">
               <a:latin typeface="Arial"/>
             </a:endParaRPr>
           </a:p>
@@ -3310,11 +3578,12 @@
           </a:prstGeom>
         </p:spPr>
         <p:txBody>
-          <a:bodyPr lIns="0" rIns="0" tIns="0" bIns="0">
+          <a:bodyPr lIns="0" tIns="0" rIns="0" bIns="0">
             <a:normAutofit/>
           </a:bodyPr>
-          <a:p>
-            <a:endParaRPr b="0" lang="es-CR" sz="3200" spc="-1" strike="noStrike">
+          <a:lstStyle/>
+          <a:p>
+            <a:endParaRPr lang="es-CR" sz="3200" b="0" strike="noStrike" spc="-1">
               <a:latin typeface="Arial"/>
             </a:endParaRPr>
           </a:p>
@@ -3340,11 +3609,12 @@
           </a:prstGeom>
         </p:spPr>
         <p:txBody>
-          <a:bodyPr lIns="0" rIns="0" tIns="0" bIns="0">
+          <a:bodyPr lIns="0" tIns="0" rIns="0" bIns="0">
             <a:normAutofit/>
           </a:bodyPr>
-          <a:p>
-            <a:endParaRPr b="0" lang="es-CR" sz="3200" spc="-1" strike="noStrike">
+          <a:lstStyle/>
+          <a:p>
+            <a:endParaRPr lang="es-CR" sz="3200" b="0" strike="noStrike" spc="-1">
               <a:latin typeface="Arial"/>
             </a:endParaRPr>
           </a:p>
@@ -3370,11 +3640,12 @@
           </a:prstGeom>
         </p:spPr>
         <p:txBody>
-          <a:bodyPr lIns="0" rIns="0" tIns="0" bIns="0">
+          <a:bodyPr lIns="0" tIns="0" rIns="0" bIns="0">
             <a:normAutofit/>
           </a:bodyPr>
-          <a:p>
-            <a:endParaRPr b="0" lang="es-CR" sz="3200" spc="-1" strike="noStrike">
+          <a:lstStyle/>
+          <a:p>
+            <a:endParaRPr lang="es-CR" sz="3200" b="0" strike="noStrike" spc="-1">
               <a:latin typeface="Arial"/>
             </a:endParaRPr>
           </a:p>
@@ -3400,11 +3671,12 @@
           </a:prstGeom>
         </p:spPr>
         <p:txBody>
-          <a:bodyPr lIns="0" rIns="0" tIns="0" bIns="0">
+          <a:bodyPr lIns="0" tIns="0" rIns="0" bIns="0">
             <a:normAutofit/>
           </a:bodyPr>
-          <a:p>
-            <a:endParaRPr b="0" lang="es-CR" sz="3200" spc="-1" strike="noStrike">
+          <a:lstStyle/>
+          <a:p>
+            <a:endParaRPr lang="es-CR" sz="3200" b="0" strike="noStrike" spc="-1">
               <a:latin typeface="Arial"/>
             </a:endParaRPr>
           </a:p>
@@ -3430,11 +3702,12 @@
           </a:prstGeom>
         </p:spPr>
         <p:txBody>
-          <a:bodyPr lIns="0" rIns="0" tIns="0" bIns="0">
+          <a:bodyPr lIns="0" tIns="0" rIns="0" bIns="0">
             <a:normAutofit/>
           </a:bodyPr>
-          <a:p>
-            <a:endParaRPr b="0" lang="es-CR" sz="3200" spc="-1" strike="noStrike">
+          <a:lstStyle/>
+          <a:p>
+            <a:endParaRPr lang="es-CR" sz="3200" b="0" strike="noStrike" spc="-1">
               <a:latin typeface="Arial"/>
             </a:endParaRPr>
           </a:p>
@@ -3442,11 +3715,14 @@
       </p:sp>
     </p:spTree>
   </p:cSld>
+  <p:clrMapOvr>
+    <a:masterClrMapping/>
+  </p:clrMapOvr>
 </p:sldLayout>
 </file>
 
 <file path=ppt/slideLayouts/slideLayout4.xml><?xml version="1.0" encoding="utf-8"?>
-<p:sldLayout xmlns:a="http://schemas.openxmlformats.org/drawingml/2006/main" xmlns:p="http://schemas.openxmlformats.org/presentationml/2006/main" xmlns:r="http://schemas.openxmlformats.org/officeDocument/2006/relationships" xmlns:p14="http://schemas.microsoft.com/office/powerpoint/2010/main" xmlns:p15="http://schemas.microsoft.com/office/powerpoint/2012/main" xmlns:mc="http://schemas.openxmlformats.org/markup-compatibility/2006" type="twoObj" preserve="1">
+<p:sldLayout xmlns:a="http://schemas.openxmlformats.org/drawingml/2006/main" xmlns:r="http://schemas.openxmlformats.org/officeDocument/2006/relationships" xmlns:p="http://schemas.openxmlformats.org/presentationml/2006/main" type="twoObj" preserve="1">
   <p:cSld name="Title, 2 Content">
     <p:spTree>
       <p:nvGrpSpPr>
@@ -3482,12 +3758,13 @@
           </a:prstGeom>
         </p:spPr>
         <p:txBody>
-          <a:bodyPr lIns="0" rIns="0" tIns="0" bIns="0" anchor="ctr">
+          <a:bodyPr lIns="0" tIns="0" rIns="0" bIns="0" anchor="ctr">
             <a:spAutoFit/>
           </a:bodyPr>
+          <a:lstStyle/>
           <a:p>
             <a:pPr algn="ctr"/>
-            <a:endParaRPr b="0" lang="es-CR" sz="4400" spc="-1" strike="noStrike">
+            <a:endParaRPr lang="es-CR" sz="4400" b="0" strike="noStrike" spc="-1">
               <a:latin typeface="Arial"/>
             </a:endParaRPr>
           </a:p>
@@ -3513,11 +3790,12 @@
           </a:prstGeom>
         </p:spPr>
         <p:txBody>
-          <a:bodyPr lIns="0" rIns="0" tIns="0" bIns="0">
+          <a:bodyPr lIns="0" tIns="0" rIns="0" bIns="0">
             <a:normAutofit/>
           </a:bodyPr>
-          <a:p>
-            <a:endParaRPr b="0" lang="es-CR" sz="3200" spc="-1" strike="noStrike">
+          <a:lstStyle/>
+          <a:p>
+            <a:endParaRPr lang="es-CR" sz="3200" b="0" strike="noStrike" spc="-1">
               <a:latin typeface="Arial"/>
             </a:endParaRPr>
           </a:p>
@@ -3543,11 +3821,12 @@
           </a:prstGeom>
         </p:spPr>
         <p:txBody>
-          <a:bodyPr lIns="0" rIns="0" tIns="0" bIns="0">
+          <a:bodyPr lIns="0" tIns="0" rIns="0" bIns="0">
             <a:normAutofit/>
           </a:bodyPr>
-          <a:p>
-            <a:endParaRPr b="0" lang="es-CR" sz="3200" spc="-1" strike="noStrike">
+          <a:lstStyle/>
+          <a:p>
+            <a:endParaRPr lang="es-CR" sz="3200" b="0" strike="noStrike" spc="-1">
               <a:latin typeface="Arial"/>
             </a:endParaRPr>
           </a:p>
@@ -3555,11 +3834,14 @@
       </p:sp>
     </p:spTree>
   </p:cSld>
+  <p:clrMapOvr>
+    <a:masterClrMapping/>
+  </p:clrMapOvr>
 </p:sldLayout>
 </file>
 
 <file path=ppt/slideLayouts/slideLayout5.xml><?xml version="1.0" encoding="utf-8"?>
-<p:sldLayout xmlns:a="http://schemas.openxmlformats.org/drawingml/2006/main" xmlns:p="http://schemas.openxmlformats.org/presentationml/2006/main" xmlns:r="http://schemas.openxmlformats.org/officeDocument/2006/relationships" xmlns:p14="http://schemas.microsoft.com/office/powerpoint/2010/main" xmlns:p15="http://schemas.microsoft.com/office/powerpoint/2012/main" xmlns:mc="http://schemas.openxmlformats.org/markup-compatibility/2006" type="titleOnly" preserve="1">
+<p:sldLayout xmlns:a="http://schemas.openxmlformats.org/drawingml/2006/main" xmlns:r="http://schemas.openxmlformats.org/officeDocument/2006/relationships" xmlns:p="http://schemas.openxmlformats.org/presentationml/2006/main" type="titleOnly" preserve="1">
   <p:cSld name="Title Only">
     <p:spTree>
       <p:nvGrpSpPr>
@@ -3595,12 +3877,13 @@
           </a:prstGeom>
         </p:spPr>
         <p:txBody>
-          <a:bodyPr lIns="0" rIns="0" tIns="0" bIns="0" anchor="ctr">
+          <a:bodyPr lIns="0" tIns="0" rIns="0" bIns="0" anchor="ctr">
             <a:spAutoFit/>
           </a:bodyPr>
+          <a:lstStyle/>
           <a:p>
             <a:pPr algn="ctr"/>
-            <a:endParaRPr b="0" lang="es-CR" sz="4400" spc="-1" strike="noStrike">
+            <a:endParaRPr lang="es-CR" sz="4400" b="0" strike="noStrike" spc="-1">
               <a:latin typeface="Arial"/>
             </a:endParaRPr>
           </a:p>
@@ -3608,11 +3891,14 @@
       </p:sp>
     </p:spTree>
   </p:cSld>
+  <p:clrMapOvr>
+    <a:masterClrMapping/>
+  </p:clrMapOvr>
 </p:sldLayout>
 </file>
 
 <file path=ppt/slideLayouts/slideLayout6.xml><?xml version="1.0" encoding="utf-8"?>
-<p:sldLayout xmlns:a="http://schemas.openxmlformats.org/drawingml/2006/main" xmlns:p="http://schemas.openxmlformats.org/presentationml/2006/main" xmlns:r="http://schemas.openxmlformats.org/officeDocument/2006/relationships" xmlns:p14="http://schemas.microsoft.com/office/powerpoint/2010/main" xmlns:p15="http://schemas.microsoft.com/office/powerpoint/2012/main" xmlns:mc="http://schemas.openxmlformats.org/markup-compatibility/2006" type="objOnly" preserve="1">
+<p:sldLayout xmlns:a="http://schemas.openxmlformats.org/drawingml/2006/main" xmlns:r="http://schemas.openxmlformats.org/officeDocument/2006/relationships" xmlns:p="http://schemas.openxmlformats.org/presentationml/2006/main" type="objOnly" preserve="1">
   <p:cSld name="Centered Text">
     <p:spTree>
       <p:nvGrpSpPr>
@@ -3648,12 +3934,13 @@
           </a:prstGeom>
         </p:spPr>
         <p:txBody>
-          <a:bodyPr lIns="0" rIns="0" tIns="0" bIns="0" anchor="ctr">
+          <a:bodyPr lIns="0" tIns="0" rIns="0" bIns="0" anchor="ctr">
             <a:spAutoFit/>
           </a:bodyPr>
+          <a:lstStyle/>
           <a:p>
             <a:pPr algn="ctr"/>
-            <a:endParaRPr b="0" lang="es-CR" sz="3200" spc="-1" strike="noStrike">
+            <a:endParaRPr lang="es-CR" sz="3200" b="0" strike="noStrike" spc="-1">
               <a:latin typeface="Arial"/>
             </a:endParaRPr>
           </a:p>
@@ -3661,11 +3948,14 @@
       </p:sp>
     </p:spTree>
   </p:cSld>
+  <p:clrMapOvr>
+    <a:masterClrMapping/>
+  </p:clrMapOvr>
 </p:sldLayout>
 </file>
 
 <file path=ppt/slideLayouts/slideLayout7.xml><?xml version="1.0" encoding="utf-8"?>
-<p:sldLayout xmlns:a="http://schemas.openxmlformats.org/drawingml/2006/main" xmlns:p="http://schemas.openxmlformats.org/presentationml/2006/main" xmlns:r="http://schemas.openxmlformats.org/officeDocument/2006/relationships" xmlns:p14="http://schemas.microsoft.com/office/powerpoint/2010/main" xmlns:p15="http://schemas.microsoft.com/office/powerpoint/2012/main" xmlns:mc="http://schemas.openxmlformats.org/markup-compatibility/2006" type="twoObjAndObj" preserve="1">
+<p:sldLayout xmlns:a="http://schemas.openxmlformats.org/drawingml/2006/main" xmlns:r="http://schemas.openxmlformats.org/officeDocument/2006/relationships" xmlns:p="http://schemas.openxmlformats.org/presentationml/2006/main" type="twoObjAndObj" preserve="1">
   <p:cSld name="Title, 2 Content and Content">
     <p:spTree>
       <p:nvGrpSpPr>
@@ -3701,12 +3991,13 @@
           </a:prstGeom>
         </p:spPr>
         <p:txBody>
-          <a:bodyPr lIns="0" rIns="0" tIns="0" bIns="0" anchor="ctr">
+          <a:bodyPr lIns="0" tIns="0" rIns="0" bIns="0" anchor="ctr">
             <a:spAutoFit/>
           </a:bodyPr>
+          <a:lstStyle/>
           <a:p>
             <a:pPr algn="ctr"/>
-            <a:endParaRPr b="0" lang="es-CR" sz="4400" spc="-1" strike="noStrike">
+            <a:endParaRPr lang="es-CR" sz="4400" b="0" strike="noStrike" spc="-1">
               <a:latin typeface="Arial"/>
             </a:endParaRPr>
           </a:p>
@@ -3732,11 +4023,12 @@
           </a:prstGeom>
         </p:spPr>
         <p:txBody>
-          <a:bodyPr lIns="0" rIns="0" tIns="0" bIns="0">
+          <a:bodyPr lIns="0" tIns="0" rIns="0" bIns="0">
             <a:normAutofit/>
           </a:bodyPr>
-          <a:p>
-            <a:endParaRPr b="0" lang="es-CR" sz="3200" spc="-1" strike="noStrike">
+          <a:lstStyle/>
+          <a:p>
+            <a:endParaRPr lang="es-CR" sz="3200" b="0" strike="noStrike" spc="-1">
               <a:latin typeface="Arial"/>
             </a:endParaRPr>
           </a:p>
@@ -3762,11 +4054,12 @@
           </a:prstGeom>
         </p:spPr>
         <p:txBody>
-          <a:bodyPr lIns="0" rIns="0" tIns="0" bIns="0">
+          <a:bodyPr lIns="0" tIns="0" rIns="0" bIns="0">
             <a:normAutofit/>
           </a:bodyPr>
-          <a:p>
-            <a:endParaRPr b="0" lang="es-CR" sz="3200" spc="-1" strike="noStrike">
+          <a:lstStyle/>
+          <a:p>
+            <a:endParaRPr lang="es-CR" sz="3200" b="0" strike="noStrike" spc="-1">
               <a:latin typeface="Arial"/>
             </a:endParaRPr>
           </a:p>
@@ -3792,11 +4085,12 @@
           </a:prstGeom>
         </p:spPr>
         <p:txBody>
-          <a:bodyPr lIns="0" rIns="0" tIns="0" bIns="0">
+          <a:bodyPr lIns="0" tIns="0" rIns="0" bIns="0">
             <a:normAutofit/>
           </a:bodyPr>
-          <a:p>
-            <a:endParaRPr b="0" lang="es-CR" sz="3200" spc="-1" strike="noStrike">
+          <a:lstStyle/>
+          <a:p>
+            <a:endParaRPr lang="es-CR" sz="3200" b="0" strike="noStrike" spc="-1">
               <a:latin typeface="Arial"/>
             </a:endParaRPr>
           </a:p>
@@ -3804,11 +4098,14 @@
       </p:sp>
     </p:spTree>
   </p:cSld>
+  <p:clrMapOvr>
+    <a:masterClrMapping/>
+  </p:clrMapOvr>
 </p:sldLayout>
 </file>
 
 <file path=ppt/slideLayouts/slideLayout8.xml><?xml version="1.0" encoding="utf-8"?>
-<p:sldLayout xmlns:a="http://schemas.openxmlformats.org/drawingml/2006/main" xmlns:p="http://schemas.openxmlformats.org/presentationml/2006/main" xmlns:r="http://schemas.openxmlformats.org/officeDocument/2006/relationships" xmlns:p14="http://schemas.microsoft.com/office/powerpoint/2010/main" xmlns:p15="http://schemas.microsoft.com/office/powerpoint/2012/main" xmlns:mc="http://schemas.openxmlformats.org/markup-compatibility/2006" type="objAndTwoObj" preserve="1">
+<p:sldLayout xmlns:a="http://schemas.openxmlformats.org/drawingml/2006/main" xmlns:r="http://schemas.openxmlformats.org/officeDocument/2006/relationships" xmlns:p="http://schemas.openxmlformats.org/presentationml/2006/main" type="objAndTwoObj" preserve="1">
   <p:cSld name="Title Content and 2 Content">
     <p:spTree>
       <p:nvGrpSpPr>
@@ -3844,12 +4141,13 @@
           </a:prstGeom>
         </p:spPr>
         <p:txBody>
-          <a:bodyPr lIns="0" rIns="0" tIns="0" bIns="0" anchor="ctr">
+          <a:bodyPr lIns="0" tIns="0" rIns="0" bIns="0" anchor="ctr">
             <a:spAutoFit/>
           </a:bodyPr>
+          <a:lstStyle/>
           <a:p>
             <a:pPr algn="ctr"/>
-            <a:endParaRPr b="0" lang="es-CR" sz="4400" spc="-1" strike="noStrike">
+            <a:endParaRPr lang="es-CR" sz="4400" b="0" strike="noStrike" spc="-1">
               <a:latin typeface="Arial"/>
             </a:endParaRPr>
           </a:p>
@@ -3875,11 +4173,12 @@
           </a:prstGeom>
         </p:spPr>
         <p:txBody>
-          <a:bodyPr lIns="0" rIns="0" tIns="0" bIns="0">
+          <a:bodyPr lIns="0" tIns="0" rIns="0" bIns="0">
             <a:normAutofit/>
           </a:bodyPr>
-          <a:p>
-            <a:endParaRPr b="0" lang="es-CR" sz="3200" spc="-1" strike="noStrike">
+          <a:lstStyle/>
+          <a:p>
+            <a:endParaRPr lang="es-CR" sz="3200" b="0" strike="noStrike" spc="-1">
               <a:latin typeface="Arial"/>
             </a:endParaRPr>
           </a:p>
@@ -3905,11 +4204,12 @@
           </a:prstGeom>
         </p:spPr>
         <p:txBody>
-          <a:bodyPr lIns="0" rIns="0" tIns="0" bIns="0">
+          <a:bodyPr lIns="0" tIns="0" rIns="0" bIns="0">
             <a:normAutofit/>
           </a:bodyPr>
-          <a:p>
-            <a:endParaRPr b="0" lang="es-CR" sz="3200" spc="-1" strike="noStrike">
+          <a:lstStyle/>
+          <a:p>
+            <a:endParaRPr lang="es-CR" sz="3200" b="0" strike="noStrike" spc="-1">
               <a:latin typeface="Arial"/>
             </a:endParaRPr>
           </a:p>
@@ -3935,11 +4235,12 @@
           </a:prstGeom>
         </p:spPr>
         <p:txBody>
-          <a:bodyPr lIns="0" rIns="0" tIns="0" bIns="0">
+          <a:bodyPr lIns="0" tIns="0" rIns="0" bIns="0">
             <a:normAutofit/>
           </a:bodyPr>
-          <a:p>
-            <a:endParaRPr b="0" lang="es-CR" sz="3200" spc="-1" strike="noStrike">
+          <a:lstStyle/>
+          <a:p>
+            <a:endParaRPr lang="es-CR" sz="3200" b="0" strike="noStrike" spc="-1">
               <a:latin typeface="Arial"/>
             </a:endParaRPr>
           </a:p>
@@ -3947,11 +4248,14 @@
       </p:sp>
     </p:spTree>
   </p:cSld>
+  <p:clrMapOvr>
+    <a:masterClrMapping/>
+  </p:clrMapOvr>
 </p:sldLayout>
 </file>
 
 <file path=ppt/slideLayouts/slideLayout9.xml><?xml version="1.0" encoding="utf-8"?>
-<p:sldLayout xmlns:a="http://schemas.openxmlformats.org/drawingml/2006/main" xmlns:p="http://schemas.openxmlformats.org/presentationml/2006/main" xmlns:r="http://schemas.openxmlformats.org/officeDocument/2006/relationships" xmlns:p14="http://schemas.microsoft.com/office/powerpoint/2010/main" xmlns:p15="http://schemas.microsoft.com/office/powerpoint/2012/main" xmlns:mc="http://schemas.openxmlformats.org/markup-compatibility/2006" type="twoObjOverTx" preserve="1">
+<p:sldLayout xmlns:a="http://schemas.openxmlformats.org/drawingml/2006/main" xmlns:r="http://schemas.openxmlformats.org/officeDocument/2006/relationships" xmlns:p="http://schemas.openxmlformats.org/presentationml/2006/main" type="twoObjOverTx" preserve="1">
   <p:cSld name="Title, 2 Content over Content">
     <p:spTree>
       <p:nvGrpSpPr>
@@ -3987,12 +4291,13 @@
           </a:prstGeom>
         </p:spPr>
         <p:txBody>
-          <a:bodyPr lIns="0" rIns="0" tIns="0" bIns="0" anchor="ctr">
+          <a:bodyPr lIns="0" tIns="0" rIns="0" bIns="0" anchor="ctr">
             <a:spAutoFit/>
           </a:bodyPr>
+          <a:lstStyle/>
           <a:p>
             <a:pPr algn="ctr"/>
-            <a:endParaRPr b="0" lang="es-CR" sz="4400" spc="-1" strike="noStrike">
+            <a:endParaRPr lang="es-CR" sz="4400" b="0" strike="noStrike" spc="-1">
               <a:latin typeface="Arial"/>
             </a:endParaRPr>
           </a:p>
@@ -4018,11 +4323,12 @@
           </a:prstGeom>
         </p:spPr>
         <p:txBody>
-          <a:bodyPr lIns="0" rIns="0" tIns="0" bIns="0">
+          <a:bodyPr lIns="0" tIns="0" rIns="0" bIns="0">
             <a:normAutofit/>
           </a:bodyPr>
-          <a:p>
-            <a:endParaRPr b="0" lang="es-CR" sz="3200" spc="-1" strike="noStrike">
+          <a:lstStyle/>
+          <a:p>
+            <a:endParaRPr lang="es-CR" sz="3200" b="0" strike="noStrike" spc="-1">
               <a:latin typeface="Arial"/>
             </a:endParaRPr>
           </a:p>
@@ -4048,11 +4354,12 @@
           </a:prstGeom>
         </p:spPr>
         <p:txBody>
-          <a:bodyPr lIns="0" rIns="0" tIns="0" bIns="0">
+          <a:bodyPr lIns="0" tIns="0" rIns="0" bIns="0">
             <a:normAutofit/>
           </a:bodyPr>
-          <a:p>
-            <a:endParaRPr b="0" lang="es-CR" sz="3200" spc="-1" strike="noStrike">
+          <a:lstStyle/>
+          <a:p>
+            <a:endParaRPr lang="es-CR" sz="3200" b="0" strike="noStrike" spc="-1">
               <a:latin typeface="Arial"/>
             </a:endParaRPr>
           </a:p>
@@ -4078,11 +4385,12 @@
           </a:prstGeom>
         </p:spPr>
         <p:txBody>
-          <a:bodyPr lIns="0" rIns="0" tIns="0" bIns="0">
+          <a:bodyPr lIns="0" tIns="0" rIns="0" bIns="0">
             <a:normAutofit/>
           </a:bodyPr>
-          <a:p>
-            <a:endParaRPr b="0" lang="es-CR" sz="3200" spc="-1" strike="noStrike">
+          <a:lstStyle/>
+          <a:p>
+            <a:endParaRPr lang="es-CR" sz="3200" b="0" strike="noStrike" spc="-1">
               <a:latin typeface="Arial"/>
             </a:endParaRPr>
           </a:p>
@@ -4090,20 +4398,24 @@
       </p:sp>
     </p:spTree>
   </p:cSld>
+  <p:clrMapOvr>
+    <a:masterClrMapping/>
+  </p:clrMapOvr>
 </p:sldLayout>
 </file>
 
 <file path=ppt/slideMasters/slideMaster1.xml><?xml version="1.0" encoding="utf-8"?>
-<p:sldMaster xmlns:a="http://schemas.openxmlformats.org/drawingml/2006/main" xmlns:p="http://schemas.openxmlformats.org/presentationml/2006/main" xmlns:r="http://schemas.openxmlformats.org/officeDocument/2006/relationships" xmlns:p14="http://schemas.microsoft.com/office/powerpoint/2010/main" xmlns:p15="http://schemas.microsoft.com/office/powerpoint/2012/main" xmlns:mc="http://schemas.openxmlformats.org/markup-compatibility/2006">
+<p:sldMaster xmlns:a="http://schemas.openxmlformats.org/drawingml/2006/main" xmlns:r="http://schemas.openxmlformats.org/officeDocument/2006/relationships" xmlns:p="http://schemas.openxmlformats.org/presentationml/2006/main">
   <p:cSld>
     <p:bg>
       <p:bgPr>
         <a:blipFill rotWithShape="0">
-          <a:blip r:embed="rId2"/>
+          <a:blip r:embed="rId14"/>
           <a:stretch>
             <a:fillRect/>
           </a:stretch>
         </a:blipFill>
+        <a:effectLst/>
       </p:bgPr>
     </p:bg>
     <p:spTree>
@@ -4122,7 +4434,7 @@
       </p:grpSpPr>
       <p:sp>
         <p:nvSpPr>
-          <p:cNvPr id="0" name="PlaceHolder 1"/>
+          <p:cNvPr id="2" name="PlaceHolder 1"/>
           <p:cNvSpPr>
             <a:spLocks noGrp="1"/>
           </p:cNvSpPr>
@@ -4140,25 +4452,23 @@
           </a:prstGeom>
         </p:spPr>
         <p:txBody>
-          <a:bodyPr lIns="0" rIns="0" tIns="0" bIns="0" anchor="ctr">
+          <a:bodyPr lIns="0" tIns="0" rIns="0" bIns="0" anchor="ctr">
             <a:spAutoFit/>
           </a:bodyPr>
+          <a:lstStyle/>
           <a:p>
             <a:r>
-              <a:rPr b="0" lang="es-CR" sz="1800" spc="-1" strike="noStrike">
+              <a:rPr lang="es-CR" sz="1800" b="0" strike="noStrike" spc="-1">
                 <a:latin typeface="Arial"/>
               </a:rPr>
               <a:t>Click to edit the title text format</a:t>
             </a:r>
-            <a:endParaRPr b="0" lang="es-CR" sz="1800" spc="-1" strike="noStrike">
-              <a:latin typeface="Arial"/>
-            </a:endParaRPr>
-          </a:p>
-        </p:txBody>
-      </p:sp>
-      <p:sp>
-        <p:nvSpPr>
-          <p:cNvPr id="1" name="PlaceHolder 2"/>
+          </a:p>
+        </p:txBody>
+      </p:sp>
+      <p:sp>
+        <p:nvSpPr>
+          <p:cNvPr id="3" name="PlaceHolder 2"/>
           <p:cNvSpPr>
             <a:spLocks noGrp="1"/>
           </p:cNvSpPr>
@@ -4176,9 +4486,10 @@
           </a:prstGeom>
         </p:spPr>
         <p:txBody>
-          <a:bodyPr lIns="0" rIns="0" tIns="0" bIns="0">
+          <a:bodyPr lIns="0" tIns="0" rIns="0" bIns="0">
             <a:normAutofit/>
           </a:bodyPr>
+          <a:lstStyle/>
           <a:p>
             <a:pPr marL="432000" indent="-324000">
               <a:spcBef>
@@ -4192,17 +4503,14 @@
               <a:buChar char=""/>
             </a:pPr>
             <a:r>
-              <a:rPr b="0" lang="es-CR" sz="1800" spc="-1" strike="noStrike">
+              <a:rPr lang="es-CR" sz="1800" b="0" strike="noStrike" spc="-1">
                 <a:latin typeface="Arial"/>
               </a:rPr>
               <a:t>Click to edit the outline text format</a:t>
             </a:r>
-            <a:endParaRPr b="0" lang="es-CR" sz="1800" spc="-1" strike="noStrike">
-              <a:latin typeface="Arial"/>
-            </a:endParaRPr>
-          </a:p>
-          <a:p>
-            <a:pPr lvl="1" marL="864000" indent="-324000">
+          </a:p>
+          <a:p>
+            <a:pPr marL="864000" lvl="1" indent="-324000">
               <a:spcBef>
                 <a:spcPts val="1134"/>
               </a:spcBef>
@@ -4214,17 +4522,14 @@
               <a:buChar char=""/>
             </a:pPr>
             <a:r>
-              <a:rPr b="0" lang="es-CR" sz="1800" spc="-1" strike="noStrike">
+              <a:rPr lang="es-CR" sz="1800" b="0" strike="noStrike" spc="-1">
                 <a:latin typeface="Arial"/>
               </a:rPr>
               <a:t>Second Outline Level</a:t>
             </a:r>
-            <a:endParaRPr b="0" lang="es-CR" sz="1800" spc="-1" strike="noStrike">
-              <a:latin typeface="Arial"/>
-            </a:endParaRPr>
-          </a:p>
-          <a:p>
-            <a:pPr lvl="2" marL="1296000" indent="-288000">
+          </a:p>
+          <a:p>
+            <a:pPr marL="1296000" lvl="2" indent="-288000">
               <a:spcBef>
                 <a:spcPts val="850"/>
               </a:spcBef>
@@ -4236,17 +4541,14 @@
               <a:buChar char=""/>
             </a:pPr>
             <a:r>
-              <a:rPr b="0" lang="es-CR" sz="1800" spc="-1" strike="noStrike">
+              <a:rPr lang="es-CR" sz="1800" b="0" strike="noStrike" spc="-1">
                 <a:latin typeface="Arial"/>
               </a:rPr>
               <a:t>Third Outline Level</a:t>
             </a:r>
-            <a:endParaRPr b="0" lang="es-CR" sz="1800" spc="-1" strike="noStrike">
-              <a:latin typeface="Arial"/>
-            </a:endParaRPr>
-          </a:p>
-          <a:p>
-            <a:pPr lvl="3" marL="1728000" indent="-216000">
+          </a:p>
+          <a:p>
+            <a:pPr marL="1728000" lvl="3" indent="-216000">
               <a:spcBef>
                 <a:spcPts val="567"/>
               </a:spcBef>
@@ -4258,17 +4560,14 @@
               <a:buChar char=""/>
             </a:pPr>
             <a:r>
-              <a:rPr b="0" lang="es-CR" sz="1800" spc="-1" strike="noStrike">
+              <a:rPr lang="es-CR" sz="1800" b="0" strike="noStrike" spc="-1">
                 <a:latin typeface="Arial"/>
               </a:rPr>
               <a:t>Fourth Outline Level</a:t>
             </a:r>
-            <a:endParaRPr b="0" lang="es-CR" sz="1800" spc="-1" strike="noStrike">
-              <a:latin typeface="Arial"/>
-            </a:endParaRPr>
-          </a:p>
-          <a:p>
-            <a:pPr lvl="4" marL="2160000" indent="-216000">
+          </a:p>
+          <a:p>
+            <a:pPr marL="2160000" lvl="4" indent="-216000">
               <a:spcBef>
                 <a:spcPts val="283"/>
               </a:spcBef>
@@ -4280,17 +4579,14 @@
               <a:buChar char=""/>
             </a:pPr>
             <a:r>
-              <a:rPr b="0" lang="es-CR" sz="1800" spc="-1" strike="noStrike">
+              <a:rPr lang="es-CR" sz="1800" b="0" strike="noStrike" spc="-1">
                 <a:latin typeface="Arial"/>
               </a:rPr>
               <a:t>Fifth Outline Level</a:t>
             </a:r>
-            <a:endParaRPr b="0" lang="es-CR" sz="1800" spc="-1" strike="noStrike">
-              <a:latin typeface="Arial"/>
-            </a:endParaRPr>
-          </a:p>
-          <a:p>
-            <a:pPr lvl="5" marL="2592000" indent="-216000">
+          </a:p>
+          <a:p>
+            <a:pPr marL="2592000" lvl="5" indent="-216000">
               <a:spcBef>
                 <a:spcPts val="283"/>
               </a:spcBef>
@@ -4302,17 +4598,14 @@
               <a:buChar char=""/>
             </a:pPr>
             <a:r>
-              <a:rPr b="0" lang="es-CR" sz="1800" spc="-1" strike="noStrike">
+              <a:rPr lang="es-CR" sz="1800" b="0" strike="noStrike" spc="-1">
                 <a:latin typeface="Arial"/>
               </a:rPr>
               <a:t>Sixth Outline Level</a:t>
             </a:r>
-            <a:endParaRPr b="0" lang="es-CR" sz="1800" spc="-1" strike="noStrike">
-              <a:latin typeface="Arial"/>
-            </a:endParaRPr>
-          </a:p>
-          <a:p>
-            <a:pPr lvl="6" marL="3024000" indent="-216000">
+          </a:p>
+          <a:p>
+            <a:pPr marL="3024000" lvl="6" indent="-216000">
               <a:spcBef>
                 <a:spcPts val="283"/>
               </a:spcBef>
@@ -4324,48 +4617,326 @@
               <a:buChar char=""/>
             </a:pPr>
             <a:r>
-              <a:rPr b="0" lang="es-CR" sz="1800" spc="-1" strike="noStrike">
+              <a:rPr lang="es-CR" sz="1800" b="0" strike="noStrike" spc="-1">
                 <a:latin typeface="Arial"/>
               </a:rPr>
               <a:t>Seventh Outline Level</a:t>
             </a:r>
-            <a:endParaRPr b="0" lang="es-CR" sz="1800" spc="-1" strike="noStrike">
-              <a:latin typeface="Arial"/>
-            </a:endParaRPr>
           </a:p>
         </p:txBody>
       </p:sp>
     </p:spTree>
   </p:cSld>
-  <p:clrMap bg1="lt1" bg2="lt2" tx1="dk1" tx2="dk2" accent1="accent1" accent2="accent2" accent3="accent3" accent4="accent4" accent5="accent5" accent6="accent6" hlink="hlink" folHlink="folHlink"/>
+  <p:clrMap bg1="lt1" tx1="dk1" bg2="lt2" tx2="dk2" accent1="accent1" accent2="accent2" accent3="accent3" accent4="accent4" accent5="accent5" accent6="accent6" hlink="hlink" folHlink="folHlink"/>
   <p:sldLayoutIdLst>
-    <p:sldLayoutId id="2147483649" r:id="rId3"/>
-    <p:sldLayoutId id="2147483650" r:id="rId4"/>
-    <p:sldLayoutId id="2147483651" r:id="rId5"/>
-    <p:sldLayoutId id="2147483652" r:id="rId6"/>
-    <p:sldLayoutId id="2147483653" r:id="rId7"/>
-    <p:sldLayoutId id="2147483654" r:id="rId8"/>
-    <p:sldLayoutId id="2147483655" r:id="rId9"/>
-    <p:sldLayoutId id="2147483656" r:id="rId10"/>
-    <p:sldLayoutId id="2147483657" r:id="rId11"/>
-    <p:sldLayoutId id="2147483658" r:id="rId12"/>
-    <p:sldLayoutId id="2147483659" r:id="rId13"/>
-    <p:sldLayoutId id="2147483660" r:id="rId14"/>
+    <p:sldLayoutId id="2147483649" r:id="rId1"/>
+    <p:sldLayoutId id="2147483650" r:id="rId2"/>
+    <p:sldLayoutId id="2147483651" r:id="rId3"/>
+    <p:sldLayoutId id="2147483652" r:id="rId4"/>
+    <p:sldLayoutId id="2147483653" r:id="rId5"/>
+    <p:sldLayoutId id="2147483654" r:id="rId6"/>
+    <p:sldLayoutId id="2147483655" r:id="rId7"/>
+    <p:sldLayoutId id="2147483656" r:id="rId8"/>
+    <p:sldLayoutId id="2147483657" r:id="rId9"/>
+    <p:sldLayoutId id="2147483658" r:id="rId10"/>
+    <p:sldLayoutId id="2147483659" r:id="rId11"/>
+    <p:sldLayoutId id="2147483660" r:id="rId12"/>
   </p:sldLayoutIdLst>
+  <p:txStyles>
+    <p:titleStyle>
+      <a:lvl1pPr algn="l" defTabSz="914400" rtl="0" eaLnBrk="1" latinLnBrk="0" hangingPunct="1">
+        <a:lnSpc>
+          <a:spcPct val="90000"/>
+        </a:lnSpc>
+        <a:spcBef>
+          <a:spcPct val="0"/>
+        </a:spcBef>
+        <a:buNone/>
+        <a:defRPr sz="4400" kern="1200">
+          <a:solidFill>
+            <a:schemeClr val="tx1"/>
+          </a:solidFill>
+          <a:latin typeface="+mj-lt"/>
+          <a:ea typeface="+mj-ea"/>
+          <a:cs typeface="+mj-cs"/>
+        </a:defRPr>
+      </a:lvl1pPr>
+    </p:titleStyle>
+    <p:bodyStyle>
+      <a:lvl1pPr marL="228600" indent="-228600" algn="l" defTabSz="914400" rtl="0" eaLnBrk="1" latinLnBrk="0" hangingPunct="1">
+        <a:lnSpc>
+          <a:spcPct val="90000"/>
+        </a:lnSpc>
+        <a:spcBef>
+          <a:spcPts val="1000"/>
+        </a:spcBef>
+        <a:buFont typeface="Arial" panose="020B0604020202020204" pitchFamily="34" charset="0"/>
+        <a:buChar char="•"/>
+        <a:defRPr sz="2800" kern="1200">
+          <a:solidFill>
+            <a:schemeClr val="tx1"/>
+          </a:solidFill>
+          <a:latin typeface="+mn-lt"/>
+          <a:ea typeface="+mn-ea"/>
+          <a:cs typeface="+mn-cs"/>
+        </a:defRPr>
+      </a:lvl1pPr>
+      <a:lvl2pPr marL="685800" indent="-228600" algn="l" defTabSz="914400" rtl="0" eaLnBrk="1" latinLnBrk="0" hangingPunct="1">
+        <a:lnSpc>
+          <a:spcPct val="90000"/>
+        </a:lnSpc>
+        <a:spcBef>
+          <a:spcPts val="500"/>
+        </a:spcBef>
+        <a:buFont typeface="Arial" panose="020B0604020202020204" pitchFamily="34" charset="0"/>
+        <a:buChar char="•"/>
+        <a:defRPr sz="2400" kern="1200">
+          <a:solidFill>
+            <a:schemeClr val="tx1"/>
+          </a:solidFill>
+          <a:latin typeface="+mn-lt"/>
+          <a:ea typeface="+mn-ea"/>
+          <a:cs typeface="+mn-cs"/>
+        </a:defRPr>
+      </a:lvl2pPr>
+      <a:lvl3pPr marL="1143000" indent="-228600" algn="l" defTabSz="914400" rtl="0" eaLnBrk="1" latinLnBrk="0" hangingPunct="1">
+        <a:lnSpc>
+          <a:spcPct val="90000"/>
+        </a:lnSpc>
+        <a:spcBef>
+          <a:spcPts val="500"/>
+        </a:spcBef>
+        <a:buFont typeface="Arial" panose="020B0604020202020204" pitchFamily="34" charset="0"/>
+        <a:buChar char="•"/>
+        <a:defRPr sz="2000" kern="1200">
+          <a:solidFill>
+            <a:schemeClr val="tx1"/>
+          </a:solidFill>
+          <a:latin typeface="+mn-lt"/>
+          <a:ea typeface="+mn-ea"/>
+          <a:cs typeface="+mn-cs"/>
+        </a:defRPr>
+      </a:lvl3pPr>
+      <a:lvl4pPr marL="1600200" indent="-228600" algn="l" defTabSz="914400" rtl="0" eaLnBrk="1" latinLnBrk="0" hangingPunct="1">
+        <a:lnSpc>
+          <a:spcPct val="90000"/>
+        </a:lnSpc>
+        <a:spcBef>
+          <a:spcPts val="500"/>
+        </a:spcBef>
+        <a:buFont typeface="Arial" panose="020B0604020202020204" pitchFamily="34" charset="0"/>
+        <a:buChar char="•"/>
+        <a:defRPr sz="1800" kern="1200">
+          <a:solidFill>
+            <a:schemeClr val="tx1"/>
+          </a:solidFill>
+          <a:latin typeface="+mn-lt"/>
+          <a:ea typeface="+mn-ea"/>
+          <a:cs typeface="+mn-cs"/>
+        </a:defRPr>
+      </a:lvl4pPr>
+      <a:lvl5pPr marL="2057400" indent="-228600" algn="l" defTabSz="914400" rtl="0" eaLnBrk="1" latinLnBrk="0" hangingPunct="1">
+        <a:lnSpc>
+          <a:spcPct val="90000"/>
+        </a:lnSpc>
+        <a:spcBef>
+          <a:spcPts val="500"/>
+        </a:spcBef>
+        <a:buFont typeface="Arial" panose="020B0604020202020204" pitchFamily="34" charset="0"/>
+        <a:buChar char="•"/>
+        <a:defRPr sz="1800" kern="1200">
+          <a:solidFill>
+            <a:schemeClr val="tx1"/>
+          </a:solidFill>
+          <a:latin typeface="+mn-lt"/>
+          <a:ea typeface="+mn-ea"/>
+          <a:cs typeface="+mn-cs"/>
+        </a:defRPr>
+      </a:lvl5pPr>
+      <a:lvl6pPr marL="2514600" indent="-228600" algn="l" defTabSz="914400" rtl="0" eaLnBrk="1" latinLnBrk="0" hangingPunct="1">
+        <a:lnSpc>
+          <a:spcPct val="90000"/>
+        </a:lnSpc>
+        <a:spcBef>
+          <a:spcPts val="500"/>
+        </a:spcBef>
+        <a:buFont typeface="Arial" panose="020B0604020202020204" pitchFamily="34" charset="0"/>
+        <a:buChar char="•"/>
+        <a:defRPr sz="1800" kern="1200">
+          <a:solidFill>
+            <a:schemeClr val="tx1"/>
+          </a:solidFill>
+          <a:latin typeface="+mn-lt"/>
+          <a:ea typeface="+mn-ea"/>
+          <a:cs typeface="+mn-cs"/>
+        </a:defRPr>
+      </a:lvl6pPr>
+      <a:lvl7pPr marL="2971800" indent="-228600" algn="l" defTabSz="914400" rtl="0" eaLnBrk="1" latinLnBrk="0" hangingPunct="1">
+        <a:lnSpc>
+          <a:spcPct val="90000"/>
+        </a:lnSpc>
+        <a:spcBef>
+          <a:spcPts val="500"/>
+        </a:spcBef>
+        <a:buFont typeface="Arial" panose="020B0604020202020204" pitchFamily="34" charset="0"/>
+        <a:buChar char="•"/>
+        <a:defRPr sz="1800" kern="1200">
+          <a:solidFill>
+            <a:schemeClr val="tx1"/>
+          </a:solidFill>
+          <a:latin typeface="+mn-lt"/>
+          <a:ea typeface="+mn-ea"/>
+          <a:cs typeface="+mn-cs"/>
+        </a:defRPr>
+      </a:lvl7pPr>
+      <a:lvl8pPr marL="3429000" indent="-228600" algn="l" defTabSz="914400" rtl="0" eaLnBrk="1" latinLnBrk="0" hangingPunct="1">
+        <a:lnSpc>
+          <a:spcPct val="90000"/>
+        </a:lnSpc>
+        <a:spcBef>
+          <a:spcPts val="500"/>
+        </a:spcBef>
+        <a:buFont typeface="Arial" panose="020B0604020202020204" pitchFamily="34" charset="0"/>
+        <a:buChar char="•"/>
+        <a:defRPr sz="1800" kern="1200">
+          <a:solidFill>
+            <a:schemeClr val="tx1"/>
+          </a:solidFill>
+          <a:latin typeface="+mn-lt"/>
+          <a:ea typeface="+mn-ea"/>
+          <a:cs typeface="+mn-cs"/>
+        </a:defRPr>
+      </a:lvl8pPr>
+      <a:lvl9pPr marL="3886200" indent="-228600" algn="l" defTabSz="914400" rtl="0" eaLnBrk="1" latinLnBrk="0" hangingPunct="1">
+        <a:lnSpc>
+          <a:spcPct val="90000"/>
+        </a:lnSpc>
+        <a:spcBef>
+          <a:spcPts val="500"/>
+        </a:spcBef>
+        <a:buFont typeface="Arial" panose="020B0604020202020204" pitchFamily="34" charset="0"/>
+        <a:buChar char="•"/>
+        <a:defRPr sz="1800" kern="1200">
+          <a:solidFill>
+            <a:schemeClr val="tx1"/>
+          </a:solidFill>
+          <a:latin typeface="+mn-lt"/>
+          <a:ea typeface="+mn-ea"/>
+          <a:cs typeface="+mn-cs"/>
+        </a:defRPr>
+      </a:lvl9pPr>
+    </p:bodyStyle>
+    <p:otherStyle>
+      <a:defPPr>
+        <a:defRPr lang="es-ES"/>
+      </a:defPPr>
+      <a:lvl1pPr marL="0" algn="l" defTabSz="914400" rtl="0" eaLnBrk="1" latinLnBrk="0" hangingPunct="1">
+        <a:defRPr sz="1800" kern="1200">
+          <a:solidFill>
+            <a:schemeClr val="tx1"/>
+          </a:solidFill>
+          <a:latin typeface="+mn-lt"/>
+          <a:ea typeface="+mn-ea"/>
+          <a:cs typeface="+mn-cs"/>
+        </a:defRPr>
+      </a:lvl1pPr>
+      <a:lvl2pPr marL="457200" algn="l" defTabSz="914400" rtl="0" eaLnBrk="1" latinLnBrk="0" hangingPunct="1">
+        <a:defRPr sz="1800" kern="1200">
+          <a:solidFill>
+            <a:schemeClr val="tx1"/>
+          </a:solidFill>
+          <a:latin typeface="+mn-lt"/>
+          <a:ea typeface="+mn-ea"/>
+          <a:cs typeface="+mn-cs"/>
+        </a:defRPr>
+      </a:lvl2pPr>
+      <a:lvl3pPr marL="914400" algn="l" defTabSz="914400" rtl="0" eaLnBrk="1" latinLnBrk="0" hangingPunct="1">
+        <a:defRPr sz="1800" kern="1200">
+          <a:solidFill>
+            <a:schemeClr val="tx1"/>
+          </a:solidFill>
+          <a:latin typeface="+mn-lt"/>
+          <a:ea typeface="+mn-ea"/>
+          <a:cs typeface="+mn-cs"/>
+        </a:defRPr>
+      </a:lvl3pPr>
+      <a:lvl4pPr marL="1371600" algn="l" defTabSz="914400" rtl="0" eaLnBrk="1" latinLnBrk="0" hangingPunct="1">
+        <a:defRPr sz="1800" kern="1200">
+          <a:solidFill>
+            <a:schemeClr val="tx1"/>
+          </a:solidFill>
+          <a:latin typeface="+mn-lt"/>
+          <a:ea typeface="+mn-ea"/>
+          <a:cs typeface="+mn-cs"/>
+        </a:defRPr>
+      </a:lvl4pPr>
+      <a:lvl5pPr marL="1828800" algn="l" defTabSz="914400" rtl="0" eaLnBrk="1" latinLnBrk="0" hangingPunct="1">
+        <a:defRPr sz="1800" kern="1200">
+          <a:solidFill>
+            <a:schemeClr val="tx1"/>
+          </a:solidFill>
+          <a:latin typeface="+mn-lt"/>
+          <a:ea typeface="+mn-ea"/>
+          <a:cs typeface="+mn-cs"/>
+        </a:defRPr>
+      </a:lvl5pPr>
+      <a:lvl6pPr marL="2286000" algn="l" defTabSz="914400" rtl="0" eaLnBrk="1" latinLnBrk="0" hangingPunct="1">
+        <a:defRPr sz="1800" kern="1200">
+          <a:solidFill>
+            <a:schemeClr val="tx1"/>
+          </a:solidFill>
+          <a:latin typeface="+mn-lt"/>
+          <a:ea typeface="+mn-ea"/>
+          <a:cs typeface="+mn-cs"/>
+        </a:defRPr>
+      </a:lvl6pPr>
+      <a:lvl7pPr marL="2743200" algn="l" defTabSz="914400" rtl="0" eaLnBrk="1" latinLnBrk="0" hangingPunct="1">
+        <a:defRPr sz="1800" kern="1200">
+          <a:solidFill>
+            <a:schemeClr val="tx1"/>
+          </a:solidFill>
+          <a:latin typeface="+mn-lt"/>
+          <a:ea typeface="+mn-ea"/>
+          <a:cs typeface="+mn-cs"/>
+        </a:defRPr>
+      </a:lvl7pPr>
+      <a:lvl8pPr marL="3200400" algn="l" defTabSz="914400" rtl="0" eaLnBrk="1" latinLnBrk="0" hangingPunct="1">
+        <a:defRPr sz="1800" kern="1200">
+          <a:solidFill>
+            <a:schemeClr val="tx1"/>
+          </a:solidFill>
+          <a:latin typeface="+mn-lt"/>
+          <a:ea typeface="+mn-ea"/>
+          <a:cs typeface="+mn-cs"/>
+        </a:defRPr>
+      </a:lvl8pPr>
+      <a:lvl9pPr marL="3657600" algn="l" defTabSz="914400" rtl="0" eaLnBrk="1" latinLnBrk="0" hangingPunct="1">
+        <a:defRPr sz="1800" kern="1200">
+          <a:solidFill>
+            <a:schemeClr val="tx1"/>
+          </a:solidFill>
+          <a:latin typeface="+mn-lt"/>
+          <a:ea typeface="+mn-ea"/>
+          <a:cs typeface="+mn-cs"/>
+        </a:defRPr>
+      </a:lvl9pPr>
+    </p:otherStyle>
+  </p:txStyles>
 </p:sldMaster>
 </file>
 
 <file path=ppt/slideMasters/slideMaster2.xml><?xml version="1.0" encoding="utf-8"?>
-<p:sldMaster xmlns:a="http://schemas.openxmlformats.org/drawingml/2006/main" xmlns:p="http://schemas.openxmlformats.org/presentationml/2006/main" xmlns:r="http://schemas.openxmlformats.org/officeDocument/2006/relationships" xmlns:p14="http://schemas.microsoft.com/office/powerpoint/2010/main" xmlns:p15="http://schemas.microsoft.com/office/powerpoint/2012/main" xmlns:mc="http://schemas.openxmlformats.org/markup-compatibility/2006">
+<p:sldMaster xmlns:a="http://schemas.openxmlformats.org/drawingml/2006/main" xmlns:r="http://schemas.openxmlformats.org/officeDocument/2006/relationships" xmlns:p="http://schemas.openxmlformats.org/presentationml/2006/main">
   <p:cSld>
     <p:bg>
       <p:bgPr>
         <a:blipFill rotWithShape="0">
-          <a:blip r:embed="rId2"/>
+          <a:blip r:embed="rId14"/>
           <a:stretch>
             <a:fillRect/>
           </a:stretch>
         </a:blipFill>
+        <a:effectLst/>
       </p:bgPr>
     </p:bg>
     <p:spTree>
@@ -4402,20 +4973,18 @@
           </a:prstGeom>
         </p:spPr>
         <p:txBody>
-          <a:bodyPr lIns="0" rIns="0" tIns="0" bIns="0" anchor="ctr">
+          <a:bodyPr lIns="0" tIns="0" rIns="0" bIns="0" anchor="ctr">
             <a:noAutofit/>
           </a:bodyPr>
+          <a:lstStyle/>
           <a:p>
             <a:pPr algn="ctr"/>
             <a:r>
-              <a:rPr b="0" lang="es-CR" sz="4400" spc="-1" strike="noStrike">
+              <a:rPr lang="es-CR" sz="4400" b="0" strike="noStrike" spc="-1">
                 <a:latin typeface="Arial"/>
               </a:rPr>
               <a:t>Click to edit the title text format</a:t>
             </a:r>
-            <a:endParaRPr b="0" lang="es-CR" sz="4400" spc="-1" strike="noStrike">
-              <a:latin typeface="Arial"/>
-            </a:endParaRPr>
           </a:p>
         </p:txBody>
       </p:sp>
@@ -4439,9 +5008,10 @@
           </a:prstGeom>
         </p:spPr>
         <p:txBody>
-          <a:bodyPr lIns="0" rIns="0" tIns="0" bIns="0">
+          <a:bodyPr lIns="0" tIns="0" rIns="0" bIns="0">
             <a:normAutofit/>
           </a:bodyPr>
+          <a:lstStyle/>
           <a:p>
             <a:pPr marL="432000" indent="-324000">
               <a:spcBef>
@@ -4455,17 +5025,14 @@
               <a:buChar char=""/>
             </a:pPr>
             <a:r>
-              <a:rPr b="0" lang="es-CR" sz="3200" spc="-1" strike="noStrike">
+              <a:rPr lang="es-CR" sz="3200" b="0" strike="noStrike" spc="-1">
                 <a:latin typeface="Arial"/>
               </a:rPr>
               <a:t>Click to edit the outline text format</a:t>
             </a:r>
-            <a:endParaRPr b="0" lang="es-CR" sz="3200" spc="-1" strike="noStrike">
-              <a:latin typeface="Arial"/>
-            </a:endParaRPr>
-          </a:p>
-          <a:p>
-            <a:pPr lvl="1" marL="864000" indent="-324000">
+          </a:p>
+          <a:p>
+            <a:pPr marL="864000" lvl="1" indent="-324000">
               <a:spcBef>
                 <a:spcPts val="1134"/>
               </a:spcBef>
@@ -4477,17 +5044,14 @@
               <a:buChar char=""/>
             </a:pPr>
             <a:r>
-              <a:rPr b="0" lang="es-CR" sz="2800" spc="-1" strike="noStrike">
+              <a:rPr lang="es-CR" sz="2800" b="0" strike="noStrike" spc="-1">
                 <a:latin typeface="Arial"/>
               </a:rPr>
               <a:t>Second Outline Level</a:t>
             </a:r>
-            <a:endParaRPr b="0" lang="es-CR" sz="2800" spc="-1" strike="noStrike">
-              <a:latin typeface="Arial"/>
-            </a:endParaRPr>
-          </a:p>
-          <a:p>
-            <a:pPr lvl="2" marL="1296000" indent="-288000">
+          </a:p>
+          <a:p>
+            <a:pPr marL="1296000" lvl="2" indent="-288000">
               <a:spcBef>
                 <a:spcPts val="850"/>
               </a:spcBef>
@@ -4499,17 +5063,14 @@
               <a:buChar char=""/>
             </a:pPr>
             <a:r>
-              <a:rPr b="0" lang="es-CR" sz="2400" spc="-1" strike="noStrike">
+              <a:rPr lang="es-CR" sz="2400" b="0" strike="noStrike" spc="-1">
                 <a:latin typeface="Arial"/>
               </a:rPr>
               <a:t>Third Outline Level</a:t>
             </a:r>
-            <a:endParaRPr b="0" lang="es-CR" sz="2400" spc="-1" strike="noStrike">
-              <a:latin typeface="Arial"/>
-            </a:endParaRPr>
-          </a:p>
-          <a:p>
-            <a:pPr lvl="3" marL="1728000" indent="-216000">
+          </a:p>
+          <a:p>
+            <a:pPr marL="1728000" lvl="3" indent="-216000">
               <a:spcBef>
                 <a:spcPts val="567"/>
               </a:spcBef>
@@ -4521,17 +5082,14 @@
               <a:buChar char=""/>
             </a:pPr>
             <a:r>
-              <a:rPr b="0" lang="es-CR" sz="2000" spc="-1" strike="noStrike">
+              <a:rPr lang="es-CR" sz="2000" b="0" strike="noStrike" spc="-1">
                 <a:latin typeface="Arial"/>
               </a:rPr>
               <a:t>Fourth Outline Level</a:t>
             </a:r>
-            <a:endParaRPr b="0" lang="es-CR" sz="2000" spc="-1" strike="noStrike">
-              <a:latin typeface="Arial"/>
-            </a:endParaRPr>
-          </a:p>
-          <a:p>
-            <a:pPr lvl="4" marL="2160000" indent="-216000">
+          </a:p>
+          <a:p>
+            <a:pPr marL="2160000" lvl="4" indent="-216000">
               <a:spcBef>
                 <a:spcPts val="283"/>
               </a:spcBef>
@@ -4543,17 +5101,14 @@
               <a:buChar char=""/>
             </a:pPr>
             <a:r>
-              <a:rPr b="0" lang="es-CR" sz="2000" spc="-1" strike="noStrike">
+              <a:rPr lang="es-CR" sz="2000" b="0" strike="noStrike" spc="-1">
                 <a:latin typeface="Arial"/>
               </a:rPr>
               <a:t>Fifth Outline Level</a:t>
             </a:r>
-            <a:endParaRPr b="0" lang="es-CR" sz="2000" spc="-1" strike="noStrike">
-              <a:latin typeface="Arial"/>
-            </a:endParaRPr>
-          </a:p>
-          <a:p>
-            <a:pPr lvl="5" marL="2592000" indent="-216000">
+          </a:p>
+          <a:p>
+            <a:pPr marL="2592000" lvl="5" indent="-216000">
               <a:spcBef>
                 <a:spcPts val="283"/>
               </a:spcBef>
@@ -4565,17 +5120,14 @@
               <a:buChar char=""/>
             </a:pPr>
             <a:r>
-              <a:rPr b="0" lang="es-CR" sz="2000" spc="-1" strike="noStrike">
+              <a:rPr lang="es-CR" sz="2000" b="0" strike="noStrike" spc="-1">
                 <a:latin typeface="Arial"/>
               </a:rPr>
               <a:t>Sixth Outline Level</a:t>
             </a:r>
-            <a:endParaRPr b="0" lang="es-CR" sz="2000" spc="-1" strike="noStrike">
-              <a:latin typeface="Arial"/>
-            </a:endParaRPr>
-          </a:p>
-          <a:p>
-            <a:pPr lvl="6" marL="3024000" indent="-216000">
+          </a:p>
+          <a:p>
+            <a:pPr marL="3024000" lvl="6" indent="-216000">
               <a:spcBef>
                 <a:spcPts val="283"/>
               </a:spcBef>
@@ -4587,48 +5139,326 @@
               <a:buChar char=""/>
             </a:pPr>
             <a:r>
-              <a:rPr b="0" lang="es-CR" sz="2000" spc="-1" strike="noStrike">
+              <a:rPr lang="es-CR" sz="2000" b="0" strike="noStrike" spc="-1">
                 <a:latin typeface="Arial"/>
               </a:rPr>
               <a:t>Seventh Outline Level</a:t>
             </a:r>
-            <a:endParaRPr b="0" lang="es-CR" sz="2000" spc="-1" strike="noStrike">
-              <a:latin typeface="Arial"/>
-            </a:endParaRPr>
           </a:p>
         </p:txBody>
       </p:sp>
     </p:spTree>
   </p:cSld>
-  <p:clrMap bg1="lt1" bg2="lt2" tx1="dk1" tx2="dk2" accent1="accent1" accent2="accent2" accent3="accent3" accent4="accent4" accent5="accent5" accent6="accent6" hlink="hlink" folHlink="folHlink"/>
+  <p:clrMap bg1="lt1" tx1="dk1" bg2="lt2" tx2="dk2" accent1="accent1" accent2="accent2" accent3="accent3" accent4="accent4" accent5="accent5" accent6="accent6" hlink="hlink" folHlink="folHlink"/>
   <p:sldLayoutIdLst>
-    <p:sldLayoutId id="2147483662" r:id="rId3"/>
-    <p:sldLayoutId id="2147483663" r:id="rId4"/>
-    <p:sldLayoutId id="2147483664" r:id="rId5"/>
-    <p:sldLayoutId id="2147483665" r:id="rId6"/>
-    <p:sldLayoutId id="2147483666" r:id="rId7"/>
-    <p:sldLayoutId id="2147483667" r:id="rId8"/>
-    <p:sldLayoutId id="2147483668" r:id="rId9"/>
-    <p:sldLayoutId id="2147483669" r:id="rId10"/>
-    <p:sldLayoutId id="2147483670" r:id="rId11"/>
-    <p:sldLayoutId id="2147483671" r:id="rId12"/>
-    <p:sldLayoutId id="2147483672" r:id="rId13"/>
-    <p:sldLayoutId id="2147483673" r:id="rId14"/>
+    <p:sldLayoutId id="2147483662" r:id="rId1"/>
+    <p:sldLayoutId id="2147483663" r:id="rId2"/>
+    <p:sldLayoutId id="2147483664" r:id="rId3"/>
+    <p:sldLayoutId id="2147483665" r:id="rId4"/>
+    <p:sldLayoutId id="2147483666" r:id="rId5"/>
+    <p:sldLayoutId id="2147483667" r:id="rId6"/>
+    <p:sldLayoutId id="2147483668" r:id="rId7"/>
+    <p:sldLayoutId id="2147483669" r:id="rId8"/>
+    <p:sldLayoutId id="2147483670" r:id="rId9"/>
+    <p:sldLayoutId id="2147483671" r:id="rId10"/>
+    <p:sldLayoutId id="2147483672" r:id="rId11"/>
+    <p:sldLayoutId id="2147483673" r:id="rId12"/>
   </p:sldLayoutIdLst>
+  <p:txStyles>
+    <p:titleStyle>
+      <a:lvl1pPr algn="l" defTabSz="914400" rtl="0" eaLnBrk="1" latinLnBrk="0" hangingPunct="1">
+        <a:lnSpc>
+          <a:spcPct val="90000"/>
+        </a:lnSpc>
+        <a:spcBef>
+          <a:spcPct val="0"/>
+        </a:spcBef>
+        <a:buNone/>
+        <a:defRPr sz="4400" kern="1200">
+          <a:solidFill>
+            <a:schemeClr val="tx1"/>
+          </a:solidFill>
+          <a:latin typeface="+mj-lt"/>
+          <a:ea typeface="+mj-ea"/>
+          <a:cs typeface="+mj-cs"/>
+        </a:defRPr>
+      </a:lvl1pPr>
+    </p:titleStyle>
+    <p:bodyStyle>
+      <a:lvl1pPr marL="228600" indent="-228600" algn="l" defTabSz="914400" rtl="0" eaLnBrk="1" latinLnBrk="0" hangingPunct="1">
+        <a:lnSpc>
+          <a:spcPct val="90000"/>
+        </a:lnSpc>
+        <a:spcBef>
+          <a:spcPts val="1000"/>
+        </a:spcBef>
+        <a:buFont typeface="Arial" panose="020B0604020202020204" pitchFamily="34" charset="0"/>
+        <a:buChar char="•"/>
+        <a:defRPr sz="2800" kern="1200">
+          <a:solidFill>
+            <a:schemeClr val="tx1"/>
+          </a:solidFill>
+          <a:latin typeface="+mn-lt"/>
+          <a:ea typeface="+mn-ea"/>
+          <a:cs typeface="+mn-cs"/>
+        </a:defRPr>
+      </a:lvl1pPr>
+      <a:lvl2pPr marL="685800" indent="-228600" algn="l" defTabSz="914400" rtl="0" eaLnBrk="1" latinLnBrk="0" hangingPunct="1">
+        <a:lnSpc>
+          <a:spcPct val="90000"/>
+        </a:lnSpc>
+        <a:spcBef>
+          <a:spcPts val="500"/>
+        </a:spcBef>
+        <a:buFont typeface="Arial" panose="020B0604020202020204" pitchFamily="34" charset="0"/>
+        <a:buChar char="•"/>
+        <a:defRPr sz="2400" kern="1200">
+          <a:solidFill>
+            <a:schemeClr val="tx1"/>
+          </a:solidFill>
+          <a:latin typeface="+mn-lt"/>
+          <a:ea typeface="+mn-ea"/>
+          <a:cs typeface="+mn-cs"/>
+        </a:defRPr>
+      </a:lvl2pPr>
+      <a:lvl3pPr marL="1143000" indent="-228600" algn="l" defTabSz="914400" rtl="0" eaLnBrk="1" latinLnBrk="0" hangingPunct="1">
+        <a:lnSpc>
+          <a:spcPct val="90000"/>
+        </a:lnSpc>
+        <a:spcBef>
+          <a:spcPts val="500"/>
+        </a:spcBef>
+        <a:buFont typeface="Arial" panose="020B0604020202020204" pitchFamily="34" charset="0"/>
+        <a:buChar char="•"/>
+        <a:defRPr sz="2000" kern="1200">
+          <a:solidFill>
+            <a:schemeClr val="tx1"/>
+          </a:solidFill>
+          <a:latin typeface="+mn-lt"/>
+          <a:ea typeface="+mn-ea"/>
+          <a:cs typeface="+mn-cs"/>
+        </a:defRPr>
+      </a:lvl3pPr>
+      <a:lvl4pPr marL="1600200" indent="-228600" algn="l" defTabSz="914400" rtl="0" eaLnBrk="1" latinLnBrk="0" hangingPunct="1">
+        <a:lnSpc>
+          <a:spcPct val="90000"/>
+        </a:lnSpc>
+        <a:spcBef>
+          <a:spcPts val="500"/>
+        </a:spcBef>
+        <a:buFont typeface="Arial" panose="020B0604020202020204" pitchFamily="34" charset="0"/>
+        <a:buChar char="•"/>
+        <a:defRPr sz="1800" kern="1200">
+          <a:solidFill>
+            <a:schemeClr val="tx1"/>
+          </a:solidFill>
+          <a:latin typeface="+mn-lt"/>
+          <a:ea typeface="+mn-ea"/>
+          <a:cs typeface="+mn-cs"/>
+        </a:defRPr>
+      </a:lvl4pPr>
+      <a:lvl5pPr marL="2057400" indent="-228600" algn="l" defTabSz="914400" rtl="0" eaLnBrk="1" latinLnBrk="0" hangingPunct="1">
+        <a:lnSpc>
+          <a:spcPct val="90000"/>
+        </a:lnSpc>
+        <a:spcBef>
+          <a:spcPts val="500"/>
+        </a:spcBef>
+        <a:buFont typeface="Arial" panose="020B0604020202020204" pitchFamily="34" charset="0"/>
+        <a:buChar char="•"/>
+        <a:defRPr sz="1800" kern="1200">
+          <a:solidFill>
+            <a:schemeClr val="tx1"/>
+          </a:solidFill>
+          <a:latin typeface="+mn-lt"/>
+          <a:ea typeface="+mn-ea"/>
+          <a:cs typeface="+mn-cs"/>
+        </a:defRPr>
+      </a:lvl5pPr>
+      <a:lvl6pPr marL="2514600" indent="-228600" algn="l" defTabSz="914400" rtl="0" eaLnBrk="1" latinLnBrk="0" hangingPunct="1">
+        <a:lnSpc>
+          <a:spcPct val="90000"/>
+        </a:lnSpc>
+        <a:spcBef>
+          <a:spcPts val="500"/>
+        </a:spcBef>
+        <a:buFont typeface="Arial" panose="020B0604020202020204" pitchFamily="34" charset="0"/>
+        <a:buChar char="•"/>
+        <a:defRPr sz="1800" kern="1200">
+          <a:solidFill>
+            <a:schemeClr val="tx1"/>
+          </a:solidFill>
+          <a:latin typeface="+mn-lt"/>
+          <a:ea typeface="+mn-ea"/>
+          <a:cs typeface="+mn-cs"/>
+        </a:defRPr>
+      </a:lvl6pPr>
+      <a:lvl7pPr marL="2971800" indent="-228600" algn="l" defTabSz="914400" rtl="0" eaLnBrk="1" latinLnBrk="0" hangingPunct="1">
+        <a:lnSpc>
+          <a:spcPct val="90000"/>
+        </a:lnSpc>
+        <a:spcBef>
+          <a:spcPts val="500"/>
+        </a:spcBef>
+        <a:buFont typeface="Arial" panose="020B0604020202020204" pitchFamily="34" charset="0"/>
+        <a:buChar char="•"/>
+        <a:defRPr sz="1800" kern="1200">
+          <a:solidFill>
+            <a:schemeClr val="tx1"/>
+          </a:solidFill>
+          <a:latin typeface="+mn-lt"/>
+          <a:ea typeface="+mn-ea"/>
+          <a:cs typeface="+mn-cs"/>
+        </a:defRPr>
+      </a:lvl7pPr>
+      <a:lvl8pPr marL="3429000" indent="-228600" algn="l" defTabSz="914400" rtl="0" eaLnBrk="1" latinLnBrk="0" hangingPunct="1">
+        <a:lnSpc>
+          <a:spcPct val="90000"/>
+        </a:lnSpc>
+        <a:spcBef>
+          <a:spcPts val="500"/>
+        </a:spcBef>
+        <a:buFont typeface="Arial" panose="020B0604020202020204" pitchFamily="34" charset="0"/>
+        <a:buChar char="•"/>
+        <a:defRPr sz="1800" kern="1200">
+          <a:solidFill>
+            <a:schemeClr val="tx1"/>
+          </a:solidFill>
+          <a:latin typeface="+mn-lt"/>
+          <a:ea typeface="+mn-ea"/>
+          <a:cs typeface="+mn-cs"/>
+        </a:defRPr>
+      </a:lvl8pPr>
+      <a:lvl9pPr marL="3886200" indent="-228600" algn="l" defTabSz="914400" rtl="0" eaLnBrk="1" latinLnBrk="0" hangingPunct="1">
+        <a:lnSpc>
+          <a:spcPct val="90000"/>
+        </a:lnSpc>
+        <a:spcBef>
+          <a:spcPts val="500"/>
+        </a:spcBef>
+        <a:buFont typeface="Arial" panose="020B0604020202020204" pitchFamily="34" charset="0"/>
+        <a:buChar char="•"/>
+        <a:defRPr sz="1800" kern="1200">
+          <a:solidFill>
+            <a:schemeClr val="tx1"/>
+          </a:solidFill>
+          <a:latin typeface="+mn-lt"/>
+          <a:ea typeface="+mn-ea"/>
+          <a:cs typeface="+mn-cs"/>
+        </a:defRPr>
+      </a:lvl9pPr>
+    </p:bodyStyle>
+    <p:otherStyle>
+      <a:defPPr>
+        <a:defRPr lang="es-ES"/>
+      </a:defPPr>
+      <a:lvl1pPr marL="0" algn="l" defTabSz="914400" rtl="0" eaLnBrk="1" latinLnBrk="0" hangingPunct="1">
+        <a:defRPr sz="1800" kern="1200">
+          <a:solidFill>
+            <a:schemeClr val="tx1"/>
+          </a:solidFill>
+          <a:latin typeface="+mn-lt"/>
+          <a:ea typeface="+mn-ea"/>
+          <a:cs typeface="+mn-cs"/>
+        </a:defRPr>
+      </a:lvl1pPr>
+      <a:lvl2pPr marL="457200" algn="l" defTabSz="914400" rtl="0" eaLnBrk="1" latinLnBrk="0" hangingPunct="1">
+        <a:defRPr sz="1800" kern="1200">
+          <a:solidFill>
+            <a:schemeClr val="tx1"/>
+          </a:solidFill>
+          <a:latin typeface="+mn-lt"/>
+          <a:ea typeface="+mn-ea"/>
+          <a:cs typeface="+mn-cs"/>
+        </a:defRPr>
+      </a:lvl2pPr>
+      <a:lvl3pPr marL="914400" algn="l" defTabSz="914400" rtl="0" eaLnBrk="1" latinLnBrk="0" hangingPunct="1">
+        <a:defRPr sz="1800" kern="1200">
+          <a:solidFill>
+            <a:schemeClr val="tx1"/>
+          </a:solidFill>
+          <a:latin typeface="+mn-lt"/>
+          <a:ea typeface="+mn-ea"/>
+          <a:cs typeface="+mn-cs"/>
+        </a:defRPr>
+      </a:lvl3pPr>
+      <a:lvl4pPr marL="1371600" algn="l" defTabSz="914400" rtl="0" eaLnBrk="1" latinLnBrk="0" hangingPunct="1">
+        <a:defRPr sz="1800" kern="1200">
+          <a:solidFill>
+            <a:schemeClr val="tx1"/>
+          </a:solidFill>
+          <a:latin typeface="+mn-lt"/>
+          <a:ea typeface="+mn-ea"/>
+          <a:cs typeface="+mn-cs"/>
+        </a:defRPr>
+      </a:lvl4pPr>
+      <a:lvl5pPr marL="1828800" algn="l" defTabSz="914400" rtl="0" eaLnBrk="1" latinLnBrk="0" hangingPunct="1">
+        <a:defRPr sz="1800" kern="1200">
+          <a:solidFill>
+            <a:schemeClr val="tx1"/>
+          </a:solidFill>
+          <a:latin typeface="+mn-lt"/>
+          <a:ea typeface="+mn-ea"/>
+          <a:cs typeface="+mn-cs"/>
+        </a:defRPr>
+      </a:lvl5pPr>
+      <a:lvl6pPr marL="2286000" algn="l" defTabSz="914400" rtl="0" eaLnBrk="1" latinLnBrk="0" hangingPunct="1">
+        <a:defRPr sz="1800" kern="1200">
+          <a:solidFill>
+            <a:schemeClr val="tx1"/>
+          </a:solidFill>
+          <a:latin typeface="+mn-lt"/>
+          <a:ea typeface="+mn-ea"/>
+          <a:cs typeface="+mn-cs"/>
+        </a:defRPr>
+      </a:lvl6pPr>
+      <a:lvl7pPr marL="2743200" algn="l" defTabSz="914400" rtl="0" eaLnBrk="1" latinLnBrk="0" hangingPunct="1">
+        <a:defRPr sz="1800" kern="1200">
+          <a:solidFill>
+            <a:schemeClr val="tx1"/>
+          </a:solidFill>
+          <a:latin typeface="+mn-lt"/>
+          <a:ea typeface="+mn-ea"/>
+          <a:cs typeface="+mn-cs"/>
+        </a:defRPr>
+      </a:lvl7pPr>
+      <a:lvl8pPr marL="3200400" algn="l" defTabSz="914400" rtl="0" eaLnBrk="1" latinLnBrk="0" hangingPunct="1">
+        <a:defRPr sz="1800" kern="1200">
+          <a:solidFill>
+            <a:schemeClr val="tx1"/>
+          </a:solidFill>
+          <a:latin typeface="+mn-lt"/>
+          <a:ea typeface="+mn-ea"/>
+          <a:cs typeface="+mn-cs"/>
+        </a:defRPr>
+      </a:lvl8pPr>
+      <a:lvl9pPr marL="3657600" algn="l" defTabSz="914400" rtl="0" eaLnBrk="1" latinLnBrk="0" hangingPunct="1">
+        <a:defRPr sz="1800" kern="1200">
+          <a:solidFill>
+            <a:schemeClr val="tx1"/>
+          </a:solidFill>
+          <a:latin typeface="+mn-lt"/>
+          <a:ea typeface="+mn-ea"/>
+          <a:cs typeface="+mn-cs"/>
+        </a:defRPr>
+      </a:lvl9pPr>
+    </p:otherStyle>
+  </p:txStyles>
 </p:sldMaster>
 </file>
 
 <file path=ppt/slideMasters/slideMaster3.xml><?xml version="1.0" encoding="utf-8"?>
-<p:sldMaster xmlns:a="http://schemas.openxmlformats.org/drawingml/2006/main" xmlns:p="http://schemas.openxmlformats.org/presentationml/2006/main" xmlns:r="http://schemas.openxmlformats.org/officeDocument/2006/relationships" xmlns:p14="http://schemas.microsoft.com/office/powerpoint/2010/main" xmlns:p15="http://schemas.microsoft.com/office/powerpoint/2012/main" xmlns:mc="http://schemas.openxmlformats.org/markup-compatibility/2006">
+<p:sldMaster xmlns:a="http://schemas.openxmlformats.org/drawingml/2006/main" xmlns:r="http://schemas.openxmlformats.org/officeDocument/2006/relationships" xmlns:p="http://schemas.openxmlformats.org/presentationml/2006/main">
   <p:cSld>
     <p:bg>
       <p:bgPr>
         <a:blipFill rotWithShape="0">
-          <a:blip r:embed="rId2"/>
+          <a:blip r:embed="rId14"/>
           <a:stretch>
             <a:fillRect/>
           </a:stretch>
         </a:blipFill>
+        <a:effectLst/>
       </p:bgPr>
     </p:bg>
     <p:spTree>
@@ -4665,20 +5495,18 @@
           </a:prstGeom>
         </p:spPr>
         <p:txBody>
-          <a:bodyPr lIns="0" rIns="0" tIns="0" bIns="0" anchor="ctr">
+          <a:bodyPr lIns="0" tIns="0" rIns="0" bIns="0" anchor="ctr">
             <a:noAutofit/>
           </a:bodyPr>
+          <a:lstStyle/>
           <a:p>
             <a:pPr algn="ctr"/>
             <a:r>
-              <a:rPr b="0" lang="es-CR" sz="4400" spc="-1" strike="noStrike">
+              <a:rPr lang="es-CR" sz="4400" b="0" strike="noStrike" spc="-1">
                 <a:latin typeface="Arial"/>
               </a:rPr>
               <a:t>Click to edit the title text format</a:t>
             </a:r>
-            <a:endParaRPr b="0" lang="es-CR" sz="4400" spc="-1" strike="noStrike">
-              <a:latin typeface="Arial"/>
-            </a:endParaRPr>
           </a:p>
         </p:txBody>
       </p:sp>
@@ -4702,9 +5530,10 @@
           </a:prstGeom>
         </p:spPr>
         <p:txBody>
-          <a:bodyPr lIns="0" rIns="0" tIns="0" bIns="0">
+          <a:bodyPr lIns="0" tIns="0" rIns="0" bIns="0">
             <a:normAutofit/>
           </a:bodyPr>
+          <a:lstStyle/>
           <a:p>
             <a:pPr marL="432000" indent="-324000">
               <a:spcBef>
@@ -4718,17 +5547,14 @@
               <a:buChar char=""/>
             </a:pPr>
             <a:r>
-              <a:rPr b="0" lang="es-CR" sz="3200" spc="-1" strike="noStrike">
+              <a:rPr lang="es-CR" sz="3200" b="0" strike="noStrike" spc="-1">
                 <a:latin typeface="Arial"/>
               </a:rPr>
               <a:t>Click to edit the outline text format</a:t>
             </a:r>
-            <a:endParaRPr b="0" lang="es-CR" sz="3200" spc="-1" strike="noStrike">
-              <a:latin typeface="Arial"/>
-            </a:endParaRPr>
-          </a:p>
-          <a:p>
-            <a:pPr lvl="1" marL="864000" indent="-324000">
+          </a:p>
+          <a:p>
+            <a:pPr marL="864000" lvl="1" indent="-324000">
               <a:spcBef>
                 <a:spcPts val="1134"/>
               </a:spcBef>
@@ -4740,17 +5566,14 @@
               <a:buChar char=""/>
             </a:pPr>
             <a:r>
-              <a:rPr b="0" lang="es-CR" sz="2800" spc="-1" strike="noStrike">
+              <a:rPr lang="es-CR" sz="2800" b="0" strike="noStrike" spc="-1">
                 <a:latin typeface="Arial"/>
               </a:rPr>
               <a:t>Second Outline Level</a:t>
             </a:r>
-            <a:endParaRPr b="0" lang="es-CR" sz="2800" spc="-1" strike="noStrike">
-              <a:latin typeface="Arial"/>
-            </a:endParaRPr>
-          </a:p>
-          <a:p>
-            <a:pPr lvl="2" marL="1296000" indent="-288000">
+          </a:p>
+          <a:p>
+            <a:pPr marL="1296000" lvl="2" indent="-288000">
               <a:spcBef>
                 <a:spcPts val="850"/>
               </a:spcBef>
@@ -4762,17 +5585,14 @@
               <a:buChar char=""/>
             </a:pPr>
             <a:r>
-              <a:rPr b="0" lang="es-CR" sz="2400" spc="-1" strike="noStrike">
+              <a:rPr lang="es-CR" sz="2400" b="0" strike="noStrike" spc="-1">
                 <a:latin typeface="Arial"/>
               </a:rPr>
               <a:t>Third Outline Level</a:t>
             </a:r>
-            <a:endParaRPr b="0" lang="es-CR" sz="2400" spc="-1" strike="noStrike">
-              <a:latin typeface="Arial"/>
-            </a:endParaRPr>
-          </a:p>
-          <a:p>
-            <a:pPr lvl="3" marL="1728000" indent="-216000">
+          </a:p>
+          <a:p>
+            <a:pPr marL="1728000" lvl="3" indent="-216000">
               <a:spcBef>
                 <a:spcPts val="567"/>
               </a:spcBef>
@@ -4784,17 +5604,14 @@
               <a:buChar char=""/>
             </a:pPr>
             <a:r>
-              <a:rPr b="0" lang="es-CR" sz="2000" spc="-1" strike="noStrike">
+              <a:rPr lang="es-CR" sz="2000" b="0" strike="noStrike" spc="-1">
                 <a:latin typeface="Arial"/>
               </a:rPr>
               <a:t>Fourth Outline Level</a:t>
             </a:r>
-            <a:endParaRPr b="0" lang="es-CR" sz="2000" spc="-1" strike="noStrike">
-              <a:latin typeface="Arial"/>
-            </a:endParaRPr>
-          </a:p>
-          <a:p>
-            <a:pPr lvl="4" marL="2160000" indent="-216000">
+          </a:p>
+          <a:p>
+            <a:pPr marL="2160000" lvl="4" indent="-216000">
               <a:spcBef>
                 <a:spcPts val="283"/>
               </a:spcBef>
@@ -4806,17 +5623,14 @@
               <a:buChar char=""/>
             </a:pPr>
             <a:r>
-              <a:rPr b="0" lang="es-CR" sz="2000" spc="-1" strike="noStrike">
+              <a:rPr lang="es-CR" sz="2000" b="0" strike="noStrike" spc="-1">
                 <a:latin typeface="Arial"/>
               </a:rPr>
               <a:t>Fifth Outline Level</a:t>
             </a:r>
-            <a:endParaRPr b="0" lang="es-CR" sz="2000" spc="-1" strike="noStrike">
-              <a:latin typeface="Arial"/>
-            </a:endParaRPr>
-          </a:p>
-          <a:p>
-            <a:pPr lvl="5" marL="2592000" indent="-216000">
+          </a:p>
+          <a:p>
+            <a:pPr marL="2592000" lvl="5" indent="-216000">
               <a:spcBef>
                 <a:spcPts val="283"/>
               </a:spcBef>
@@ -4828,17 +5642,14 @@
               <a:buChar char=""/>
             </a:pPr>
             <a:r>
-              <a:rPr b="0" lang="es-CR" sz="2000" spc="-1" strike="noStrike">
+              <a:rPr lang="es-CR" sz="2000" b="0" strike="noStrike" spc="-1">
                 <a:latin typeface="Arial"/>
               </a:rPr>
               <a:t>Sixth Outline Level</a:t>
             </a:r>
-            <a:endParaRPr b="0" lang="es-CR" sz="2000" spc="-1" strike="noStrike">
-              <a:latin typeface="Arial"/>
-            </a:endParaRPr>
-          </a:p>
-          <a:p>
-            <a:pPr lvl="6" marL="3024000" indent="-216000">
+          </a:p>
+          <a:p>
+            <a:pPr marL="3024000" lvl="6" indent="-216000">
               <a:spcBef>
                 <a:spcPts val="283"/>
               </a:spcBef>
@@ -4850,39 +5661,316 @@
               <a:buChar char=""/>
             </a:pPr>
             <a:r>
-              <a:rPr b="0" lang="es-CR" sz="2000" spc="-1" strike="noStrike">
+              <a:rPr lang="es-CR" sz="2000" b="0" strike="noStrike" spc="-1">
                 <a:latin typeface="Arial"/>
               </a:rPr>
               <a:t>Seventh Outline Level</a:t>
             </a:r>
-            <a:endParaRPr b="0" lang="es-CR" sz="2000" spc="-1" strike="noStrike">
-              <a:latin typeface="Arial"/>
-            </a:endParaRPr>
           </a:p>
         </p:txBody>
       </p:sp>
     </p:spTree>
   </p:cSld>
-  <p:clrMap bg1="lt1" bg2="lt2" tx1="dk1" tx2="dk2" accent1="accent1" accent2="accent2" accent3="accent3" accent4="accent4" accent5="accent5" accent6="accent6" hlink="hlink" folHlink="folHlink"/>
+  <p:clrMap bg1="lt1" tx1="dk1" bg2="lt2" tx2="dk2" accent1="accent1" accent2="accent2" accent3="accent3" accent4="accent4" accent5="accent5" accent6="accent6" hlink="hlink" folHlink="folHlink"/>
   <p:sldLayoutIdLst>
-    <p:sldLayoutId id="2147483675" r:id="rId3"/>
-    <p:sldLayoutId id="2147483676" r:id="rId4"/>
-    <p:sldLayoutId id="2147483677" r:id="rId5"/>
-    <p:sldLayoutId id="2147483678" r:id="rId6"/>
-    <p:sldLayoutId id="2147483679" r:id="rId7"/>
-    <p:sldLayoutId id="2147483680" r:id="rId8"/>
-    <p:sldLayoutId id="2147483681" r:id="rId9"/>
-    <p:sldLayoutId id="2147483682" r:id="rId10"/>
-    <p:sldLayoutId id="2147483683" r:id="rId11"/>
-    <p:sldLayoutId id="2147483684" r:id="rId12"/>
-    <p:sldLayoutId id="2147483685" r:id="rId13"/>
-    <p:sldLayoutId id="2147483686" r:id="rId14"/>
+    <p:sldLayoutId id="2147483675" r:id="rId1"/>
+    <p:sldLayoutId id="2147483676" r:id="rId2"/>
+    <p:sldLayoutId id="2147483677" r:id="rId3"/>
+    <p:sldLayoutId id="2147483678" r:id="rId4"/>
+    <p:sldLayoutId id="2147483679" r:id="rId5"/>
+    <p:sldLayoutId id="2147483680" r:id="rId6"/>
+    <p:sldLayoutId id="2147483681" r:id="rId7"/>
+    <p:sldLayoutId id="2147483682" r:id="rId8"/>
+    <p:sldLayoutId id="2147483683" r:id="rId9"/>
+    <p:sldLayoutId id="2147483684" r:id="rId10"/>
+    <p:sldLayoutId id="2147483685" r:id="rId11"/>
+    <p:sldLayoutId id="2147483686" r:id="rId12"/>
   </p:sldLayoutIdLst>
+  <p:txStyles>
+    <p:titleStyle>
+      <a:lvl1pPr algn="l" defTabSz="914400" rtl="0" eaLnBrk="1" latinLnBrk="0" hangingPunct="1">
+        <a:lnSpc>
+          <a:spcPct val="90000"/>
+        </a:lnSpc>
+        <a:spcBef>
+          <a:spcPct val="0"/>
+        </a:spcBef>
+        <a:buNone/>
+        <a:defRPr sz="4400" kern="1200">
+          <a:solidFill>
+            <a:schemeClr val="tx1"/>
+          </a:solidFill>
+          <a:latin typeface="+mj-lt"/>
+          <a:ea typeface="+mj-ea"/>
+          <a:cs typeface="+mj-cs"/>
+        </a:defRPr>
+      </a:lvl1pPr>
+    </p:titleStyle>
+    <p:bodyStyle>
+      <a:lvl1pPr marL="228600" indent="-228600" algn="l" defTabSz="914400" rtl="0" eaLnBrk="1" latinLnBrk="0" hangingPunct="1">
+        <a:lnSpc>
+          <a:spcPct val="90000"/>
+        </a:lnSpc>
+        <a:spcBef>
+          <a:spcPts val="1000"/>
+        </a:spcBef>
+        <a:buFont typeface="Arial" panose="020B0604020202020204" pitchFamily="34" charset="0"/>
+        <a:buChar char="•"/>
+        <a:defRPr sz="2800" kern="1200">
+          <a:solidFill>
+            <a:schemeClr val="tx1"/>
+          </a:solidFill>
+          <a:latin typeface="+mn-lt"/>
+          <a:ea typeface="+mn-ea"/>
+          <a:cs typeface="+mn-cs"/>
+        </a:defRPr>
+      </a:lvl1pPr>
+      <a:lvl2pPr marL="685800" indent="-228600" algn="l" defTabSz="914400" rtl="0" eaLnBrk="1" latinLnBrk="0" hangingPunct="1">
+        <a:lnSpc>
+          <a:spcPct val="90000"/>
+        </a:lnSpc>
+        <a:spcBef>
+          <a:spcPts val="500"/>
+        </a:spcBef>
+        <a:buFont typeface="Arial" panose="020B0604020202020204" pitchFamily="34" charset="0"/>
+        <a:buChar char="•"/>
+        <a:defRPr sz="2400" kern="1200">
+          <a:solidFill>
+            <a:schemeClr val="tx1"/>
+          </a:solidFill>
+          <a:latin typeface="+mn-lt"/>
+          <a:ea typeface="+mn-ea"/>
+          <a:cs typeface="+mn-cs"/>
+        </a:defRPr>
+      </a:lvl2pPr>
+      <a:lvl3pPr marL="1143000" indent="-228600" algn="l" defTabSz="914400" rtl="0" eaLnBrk="1" latinLnBrk="0" hangingPunct="1">
+        <a:lnSpc>
+          <a:spcPct val="90000"/>
+        </a:lnSpc>
+        <a:spcBef>
+          <a:spcPts val="500"/>
+        </a:spcBef>
+        <a:buFont typeface="Arial" panose="020B0604020202020204" pitchFamily="34" charset="0"/>
+        <a:buChar char="•"/>
+        <a:defRPr sz="2000" kern="1200">
+          <a:solidFill>
+            <a:schemeClr val="tx1"/>
+          </a:solidFill>
+          <a:latin typeface="+mn-lt"/>
+          <a:ea typeface="+mn-ea"/>
+          <a:cs typeface="+mn-cs"/>
+        </a:defRPr>
+      </a:lvl3pPr>
+      <a:lvl4pPr marL="1600200" indent="-228600" algn="l" defTabSz="914400" rtl="0" eaLnBrk="1" latinLnBrk="0" hangingPunct="1">
+        <a:lnSpc>
+          <a:spcPct val="90000"/>
+        </a:lnSpc>
+        <a:spcBef>
+          <a:spcPts val="500"/>
+        </a:spcBef>
+        <a:buFont typeface="Arial" panose="020B0604020202020204" pitchFamily="34" charset="0"/>
+        <a:buChar char="•"/>
+        <a:defRPr sz="1800" kern="1200">
+          <a:solidFill>
+            <a:schemeClr val="tx1"/>
+          </a:solidFill>
+          <a:latin typeface="+mn-lt"/>
+          <a:ea typeface="+mn-ea"/>
+          <a:cs typeface="+mn-cs"/>
+        </a:defRPr>
+      </a:lvl4pPr>
+      <a:lvl5pPr marL="2057400" indent="-228600" algn="l" defTabSz="914400" rtl="0" eaLnBrk="1" latinLnBrk="0" hangingPunct="1">
+        <a:lnSpc>
+          <a:spcPct val="90000"/>
+        </a:lnSpc>
+        <a:spcBef>
+          <a:spcPts val="500"/>
+        </a:spcBef>
+        <a:buFont typeface="Arial" panose="020B0604020202020204" pitchFamily="34" charset="0"/>
+        <a:buChar char="•"/>
+        <a:defRPr sz="1800" kern="1200">
+          <a:solidFill>
+            <a:schemeClr val="tx1"/>
+          </a:solidFill>
+          <a:latin typeface="+mn-lt"/>
+          <a:ea typeface="+mn-ea"/>
+          <a:cs typeface="+mn-cs"/>
+        </a:defRPr>
+      </a:lvl5pPr>
+      <a:lvl6pPr marL="2514600" indent="-228600" algn="l" defTabSz="914400" rtl="0" eaLnBrk="1" latinLnBrk="0" hangingPunct="1">
+        <a:lnSpc>
+          <a:spcPct val="90000"/>
+        </a:lnSpc>
+        <a:spcBef>
+          <a:spcPts val="500"/>
+        </a:spcBef>
+        <a:buFont typeface="Arial" panose="020B0604020202020204" pitchFamily="34" charset="0"/>
+        <a:buChar char="•"/>
+        <a:defRPr sz="1800" kern="1200">
+          <a:solidFill>
+            <a:schemeClr val="tx1"/>
+          </a:solidFill>
+          <a:latin typeface="+mn-lt"/>
+          <a:ea typeface="+mn-ea"/>
+          <a:cs typeface="+mn-cs"/>
+        </a:defRPr>
+      </a:lvl6pPr>
+      <a:lvl7pPr marL="2971800" indent="-228600" algn="l" defTabSz="914400" rtl="0" eaLnBrk="1" latinLnBrk="0" hangingPunct="1">
+        <a:lnSpc>
+          <a:spcPct val="90000"/>
+        </a:lnSpc>
+        <a:spcBef>
+          <a:spcPts val="500"/>
+        </a:spcBef>
+        <a:buFont typeface="Arial" panose="020B0604020202020204" pitchFamily="34" charset="0"/>
+        <a:buChar char="•"/>
+        <a:defRPr sz="1800" kern="1200">
+          <a:solidFill>
+            <a:schemeClr val="tx1"/>
+          </a:solidFill>
+          <a:latin typeface="+mn-lt"/>
+          <a:ea typeface="+mn-ea"/>
+          <a:cs typeface="+mn-cs"/>
+        </a:defRPr>
+      </a:lvl7pPr>
+      <a:lvl8pPr marL="3429000" indent="-228600" algn="l" defTabSz="914400" rtl="0" eaLnBrk="1" latinLnBrk="0" hangingPunct="1">
+        <a:lnSpc>
+          <a:spcPct val="90000"/>
+        </a:lnSpc>
+        <a:spcBef>
+          <a:spcPts val="500"/>
+        </a:spcBef>
+        <a:buFont typeface="Arial" panose="020B0604020202020204" pitchFamily="34" charset="0"/>
+        <a:buChar char="•"/>
+        <a:defRPr sz="1800" kern="1200">
+          <a:solidFill>
+            <a:schemeClr val="tx1"/>
+          </a:solidFill>
+          <a:latin typeface="+mn-lt"/>
+          <a:ea typeface="+mn-ea"/>
+          <a:cs typeface="+mn-cs"/>
+        </a:defRPr>
+      </a:lvl8pPr>
+      <a:lvl9pPr marL="3886200" indent="-228600" algn="l" defTabSz="914400" rtl="0" eaLnBrk="1" latinLnBrk="0" hangingPunct="1">
+        <a:lnSpc>
+          <a:spcPct val="90000"/>
+        </a:lnSpc>
+        <a:spcBef>
+          <a:spcPts val="500"/>
+        </a:spcBef>
+        <a:buFont typeface="Arial" panose="020B0604020202020204" pitchFamily="34" charset="0"/>
+        <a:buChar char="•"/>
+        <a:defRPr sz="1800" kern="1200">
+          <a:solidFill>
+            <a:schemeClr val="tx1"/>
+          </a:solidFill>
+          <a:latin typeface="+mn-lt"/>
+          <a:ea typeface="+mn-ea"/>
+          <a:cs typeface="+mn-cs"/>
+        </a:defRPr>
+      </a:lvl9pPr>
+    </p:bodyStyle>
+    <p:otherStyle>
+      <a:defPPr>
+        <a:defRPr lang="es-ES"/>
+      </a:defPPr>
+      <a:lvl1pPr marL="0" algn="l" defTabSz="914400" rtl="0" eaLnBrk="1" latinLnBrk="0" hangingPunct="1">
+        <a:defRPr sz="1800" kern="1200">
+          <a:solidFill>
+            <a:schemeClr val="tx1"/>
+          </a:solidFill>
+          <a:latin typeface="+mn-lt"/>
+          <a:ea typeface="+mn-ea"/>
+          <a:cs typeface="+mn-cs"/>
+        </a:defRPr>
+      </a:lvl1pPr>
+      <a:lvl2pPr marL="457200" algn="l" defTabSz="914400" rtl="0" eaLnBrk="1" latinLnBrk="0" hangingPunct="1">
+        <a:defRPr sz="1800" kern="1200">
+          <a:solidFill>
+            <a:schemeClr val="tx1"/>
+          </a:solidFill>
+          <a:latin typeface="+mn-lt"/>
+          <a:ea typeface="+mn-ea"/>
+          <a:cs typeface="+mn-cs"/>
+        </a:defRPr>
+      </a:lvl2pPr>
+      <a:lvl3pPr marL="914400" algn="l" defTabSz="914400" rtl="0" eaLnBrk="1" latinLnBrk="0" hangingPunct="1">
+        <a:defRPr sz="1800" kern="1200">
+          <a:solidFill>
+            <a:schemeClr val="tx1"/>
+          </a:solidFill>
+          <a:latin typeface="+mn-lt"/>
+          <a:ea typeface="+mn-ea"/>
+          <a:cs typeface="+mn-cs"/>
+        </a:defRPr>
+      </a:lvl3pPr>
+      <a:lvl4pPr marL="1371600" algn="l" defTabSz="914400" rtl="0" eaLnBrk="1" latinLnBrk="0" hangingPunct="1">
+        <a:defRPr sz="1800" kern="1200">
+          <a:solidFill>
+            <a:schemeClr val="tx1"/>
+          </a:solidFill>
+          <a:latin typeface="+mn-lt"/>
+          <a:ea typeface="+mn-ea"/>
+          <a:cs typeface="+mn-cs"/>
+        </a:defRPr>
+      </a:lvl4pPr>
+      <a:lvl5pPr marL="1828800" algn="l" defTabSz="914400" rtl="0" eaLnBrk="1" latinLnBrk="0" hangingPunct="1">
+        <a:defRPr sz="1800" kern="1200">
+          <a:solidFill>
+            <a:schemeClr val="tx1"/>
+          </a:solidFill>
+          <a:latin typeface="+mn-lt"/>
+          <a:ea typeface="+mn-ea"/>
+          <a:cs typeface="+mn-cs"/>
+        </a:defRPr>
+      </a:lvl5pPr>
+      <a:lvl6pPr marL="2286000" algn="l" defTabSz="914400" rtl="0" eaLnBrk="1" latinLnBrk="0" hangingPunct="1">
+        <a:defRPr sz="1800" kern="1200">
+          <a:solidFill>
+            <a:schemeClr val="tx1"/>
+          </a:solidFill>
+          <a:latin typeface="+mn-lt"/>
+          <a:ea typeface="+mn-ea"/>
+          <a:cs typeface="+mn-cs"/>
+        </a:defRPr>
+      </a:lvl6pPr>
+      <a:lvl7pPr marL="2743200" algn="l" defTabSz="914400" rtl="0" eaLnBrk="1" latinLnBrk="0" hangingPunct="1">
+        <a:defRPr sz="1800" kern="1200">
+          <a:solidFill>
+            <a:schemeClr val="tx1"/>
+          </a:solidFill>
+          <a:latin typeface="+mn-lt"/>
+          <a:ea typeface="+mn-ea"/>
+          <a:cs typeface="+mn-cs"/>
+        </a:defRPr>
+      </a:lvl7pPr>
+      <a:lvl8pPr marL="3200400" algn="l" defTabSz="914400" rtl="0" eaLnBrk="1" latinLnBrk="0" hangingPunct="1">
+        <a:defRPr sz="1800" kern="1200">
+          <a:solidFill>
+            <a:schemeClr val="tx1"/>
+          </a:solidFill>
+          <a:latin typeface="+mn-lt"/>
+          <a:ea typeface="+mn-ea"/>
+          <a:cs typeface="+mn-cs"/>
+        </a:defRPr>
+      </a:lvl8pPr>
+      <a:lvl9pPr marL="3657600" algn="l" defTabSz="914400" rtl="0" eaLnBrk="1" latinLnBrk="0" hangingPunct="1">
+        <a:defRPr sz="1800" kern="1200">
+          <a:solidFill>
+            <a:schemeClr val="tx1"/>
+          </a:solidFill>
+          <a:latin typeface="+mn-lt"/>
+          <a:ea typeface="+mn-ea"/>
+          <a:cs typeface="+mn-cs"/>
+        </a:defRPr>
+      </a:lvl9pPr>
+    </p:otherStyle>
+  </p:txStyles>
 </p:sldMaster>
 </file>
 
 <file path=ppt/slides/slide1.xml><?xml version="1.0" encoding="utf-8"?>
-<p:sld xmlns:a="http://schemas.openxmlformats.org/drawingml/2006/main" xmlns:p="http://schemas.openxmlformats.org/presentationml/2006/main" xmlns:r="http://schemas.openxmlformats.org/officeDocument/2006/relationships" xmlns:p14="http://schemas.microsoft.com/office/powerpoint/2010/main" xmlns:p15="http://schemas.microsoft.com/office/powerpoint/2012/main" xmlns:mc="http://schemas.openxmlformats.org/markup-compatibility/2006">
+<p:sld xmlns:a="http://schemas.openxmlformats.org/drawingml/2006/main" xmlns:r="http://schemas.openxmlformats.org/officeDocument/2006/relationships" xmlns:p="http://schemas.openxmlformats.org/presentationml/2006/main">
   <p:cSld>
     <p:spTree>
       <p:nvGrpSpPr>
@@ -4918,15 +6006,22 @@
           </a:ln>
         </p:spPr>
         <p:style>
-          <a:lnRef idx="0"/>
-          <a:fillRef idx="0"/>
-          <a:effectRef idx="0"/>
+          <a:lnRef idx="0">
+            <a:scrgbClr r="0" g="0" b="0"/>
+          </a:lnRef>
+          <a:fillRef idx="0">
+            <a:scrgbClr r="0" g="0" b="0"/>
+          </a:fillRef>
+          <a:effectRef idx="0">
+            <a:scrgbClr r="0" g="0" b="0"/>
+          </a:effectRef>
           <a:fontRef idx="minor"/>
         </p:style>
         <p:txBody>
-          <a:bodyPr lIns="0" rIns="0" tIns="0" bIns="0" anchor="ctr">
+          <a:bodyPr lIns="0" tIns="0" rIns="0" bIns="0" anchor="ctr">
             <a:spAutoFit/>
           </a:bodyPr>
+          <a:lstStyle/>
           <a:p>
             <a:pPr algn="ctr">
               <a:lnSpc>
@@ -4934,9 +6029,9 @@
               </a:lnSpc>
             </a:pPr>
             <a:r>
-              <a:rPr b="0" lang="es-CR" sz="5860" spc="-1" strike="noStrike">
+              <a:rPr lang="es-CR" sz="5860" b="0" strike="noStrike" spc="-1">
                 <a:solidFill>
-                  <a:srgbClr val="ffffff"/>
+                  <a:srgbClr val="FFFFFF"/>
                 </a:solidFill>
                 <a:latin typeface="Arial"/>
                 <a:ea typeface="DejaVu Sans"/>
@@ -4945,16 +6040,16 @@
             </a:r>
             <a:br/>
             <a:r>
-              <a:rPr b="0" lang="es-CR" sz="5860" spc="-1" strike="noStrike">
+              <a:rPr lang="es-CR" sz="5860" b="0" strike="noStrike" spc="-1">
                 <a:solidFill>
-                  <a:srgbClr val="ffffff"/>
+                  <a:srgbClr val="FFFFFF"/>
                 </a:solidFill>
                 <a:latin typeface="Arial"/>
                 <a:ea typeface="DejaVu Sans"/>
               </a:rPr>
               <a:t>desde React</a:t>
             </a:r>
-            <a:endParaRPr b="0" lang="es-CR" sz="5860" spc="-1" strike="noStrike">
+            <a:endParaRPr lang="es-CR" sz="5860" b="0" strike="noStrike" spc="-1">
               <a:latin typeface="Arial"/>
             </a:endParaRPr>
           </a:p>
@@ -4980,15 +6075,22 @@
           </a:ln>
         </p:spPr>
         <p:style>
-          <a:lnRef idx="0"/>
-          <a:fillRef idx="0"/>
-          <a:effectRef idx="0"/>
+          <a:lnRef idx="0">
+            <a:scrgbClr r="0" g="0" b="0"/>
+          </a:lnRef>
+          <a:fillRef idx="0">
+            <a:scrgbClr r="0" g="0" b="0"/>
+          </a:fillRef>
+          <a:effectRef idx="0">
+            <a:scrgbClr r="0" g="0" b="0"/>
+          </a:effectRef>
           <a:fontRef idx="minor"/>
         </p:style>
         <p:txBody>
-          <a:bodyPr lIns="0" rIns="0" tIns="0" bIns="0" anchor="ctr">
+          <a:bodyPr lIns="0" tIns="0" rIns="0" bIns="0" anchor="ctr">
             <a:spAutoFit/>
           </a:bodyPr>
+          <a:lstStyle/>
           <a:p>
             <a:pPr algn="ctr">
               <a:lnSpc>
@@ -4996,16 +6098,16 @@
               </a:lnSpc>
             </a:pPr>
             <a:r>
-              <a:rPr b="0" lang="es-CR" sz="2400" spc="-1" strike="noStrike">
+              <a:rPr lang="es-CR" sz="2400" b="0" strike="noStrike" spc="-1">
                 <a:solidFill>
-                  <a:srgbClr val="ffffff"/>
+                  <a:srgbClr val="FFFFFF"/>
                 </a:solidFill>
                 <a:latin typeface="Arial"/>
                 <a:ea typeface="DejaVu Sans"/>
               </a:rPr>
               <a:t>Lic. Santiago Rodríguez Paniagua. (2020)</a:t>
             </a:r>
-            <a:endParaRPr b="0" lang="es-CR" sz="2400" spc="-1" strike="noStrike">
+            <a:endParaRPr lang="es-CR" sz="2400" b="0" strike="noStrike" spc="-1">
               <a:latin typeface="Arial"/>
             </a:endParaRPr>
           </a:p>
@@ -5013,14 +6115,9 @@
       </p:sp>
     </p:spTree>
   </p:cSld>
-  <mc:AlternateContent>
-    <mc:Choice Requires="p14">
-      <p:transition spd="slow" p14:dur="2000"/>
-    </mc:Choice>
-    <mc:Fallback>
-      <p:transition spd="slow"/>
-    </mc:Fallback>
-  </mc:AlternateContent>
+  <p:clrMapOvr>
+    <a:masterClrMapping/>
+  </p:clrMapOvr>
   <p:timing>
     <p:tnLst>
       <p:par>
@@ -5029,14 +6126,14 @@
             <p:seq>
               <p:cTn id="2" dur="indefinite" nodeType="mainSeq"/>
               <p:prevCondLst>
-                <p:cond delay="0" evt="onPrev">
+                <p:cond evt="onPrev" delay="0">
                   <p:tgtEl>
                     <p:sldTgt/>
                   </p:tgtEl>
                 </p:cond>
               </p:prevCondLst>
               <p:nextCondLst>
-                <p:cond delay="0" evt="onNext">
+                <p:cond evt="onNext" delay="0">
                   <p:tgtEl>
                     <p:sldTgt/>
                   </p:tgtEl>
@@ -5052,7 +6149,7 @@
 </file>
 
 <file path=ppt/slides/slide10.xml><?xml version="1.0" encoding="utf-8"?>
-<p:sld xmlns:a="http://schemas.openxmlformats.org/drawingml/2006/main" xmlns:p="http://schemas.openxmlformats.org/presentationml/2006/main" xmlns:r="http://schemas.openxmlformats.org/officeDocument/2006/relationships" xmlns:p14="http://schemas.microsoft.com/office/powerpoint/2010/main" xmlns:p15="http://schemas.microsoft.com/office/powerpoint/2012/main" xmlns:mc="http://schemas.openxmlformats.org/markup-compatibility/2006">
+<p:sld xmlns:a="http://schemas.openxmlformats.org/drawingml/2006/main" xmlns:r="http://schemas.openxmlformats.org/officeDocument/2006/relationships" xmlns:p="http://schemas.openxmlformats.org/presentationml/2006/main">
   <p:cSld>
     <p:spTree>
       <p:nvGrpSpPr>
@@ -5088,15 +6185,22 @@
           </a:ln>
         </p:spPr>
         <p:style>
-          <a:lnRef idx="0"/>
-          <a:fillRef idx="0"/>
-          <a:effectRef idx="0"/>
+          <a:lnRef idx="0">
+            <a:scrgbClr r="0" g="0" b="0"/>
+          </a:lnRef>
+          <a:fillRef idx="0">
+            <a:scrgbClr r="0" g="0" b="0"/>
+          </a:fillRef>
+          <a:effectRef idx="0">
+            <a:scrgbClr r="0" g="0" b="0"/>
+          </a:effectRef>
           <a:fontRef idx="minor"/>
         </p:style>
         <p:txBody>
-          <a:bodyPr lIns="0" rIns="0" tIns="0" bIns="0" anchor="ctr">
+          <a:bodyPr lIns="0" tIns="0" rIns="0" bIns="0" anchor="ctr">
             <a:spAutoFit/>
           </a:bodyPr>
+          <a:lstStyle/>
           <a:p>
             <a:pPr algn="ctr">
               <a:lnSpc>
@@ -5104,7 +6208,7 @@
               </a:lnSpc>
             </a:pPr>
             <a:r>
-              <a:rPr b="0" lang="es-CR" sz="4400" spc="-1" strike="noStrike">
+              <a:rPr lang="es-CR" sz="4400" b="0" strike="noStrike" spc="-1">
                 <a:solidFill>
                   <a:srgbClr val="000000"/>
                 </a:solidFill>
@@ -5113,7 +6217,7 @@
               </a:rPr>
               <a:t>Llamar Apis con Fetch #3</a:t>
             </a:r>
-            <a:endParaRPr b="0" lang="es-CR" sz="4400" spc="-1" strike="noStrike">
+            <a:endParaRPr lang="es-CR" sz="4400" b="0" strike="noStrike" spc="-1">
               <a:latin typeface="Arial"/>
             </a:endParaRPr>
           </a:p>
@@ -5139,20 +6243,26 @@
           </a:ln>
         </p:spPr>
         <p:style>
-          <a:lnRef idx="0"/>
-          <a:fillRef idx="0"/>
-          <a:effectRef idx="0"/>
+          <a:lnRef idx="0">
+            <a:scrgbClr r="0" g="0" b="0"/>
+          </a:lnRef>
+          <a:fillRef idx="0">
+            <a:scrgbClr r="0" g="0" b="0"/>
+          </a:fillRef>
+          <a:effectRef idx="0">
+            <a:scrgbClr r="0" g="0" b="0"/>
+          </a:effectRef>
           <a:fontRef idx="minor"/>
         </p:style>
       </p:sp>
       <p:pic>
         <p:nvPicPr>
-          <p:cNvPr id="137" name="" descr=""/>
+          <p:cNvPr id="137" name="Imagen 136"/>
           <p:cNvPicPr/>
           <p:nvPr/>
         </p:nvPicPr>
         <p:blipFill>
-          <a:blip r:embed="rId1"/>
+          <a:blip r:embed="rId2"/>
           <a:srcRect l="2226" t="3428" r="1786" b="2186"/>
           <a:stretch/>
         </p:blipFill>
@@ -5184,6 +6294,7 @@
             <a:avLst/>
             <a:gdLst/>
             <a:ahLst/>
+            <a:cxnLst/>
             <a:rect l="l" t="t" r="r" b="b"/>
             <a:pathLst>
               <a:path w="1601" h="1601">
@@ -5215,18 +6326,24 @@
             </a:pathLst>
           </a:custGeom>
           <a:solidFill>
-            <a:srgbClr val="ff0000"/>
+            <a:srgbClr val="FF0000"/>
           </a:solidFill>
           <a:ln>
             <a:solidFill>
-              <a:srgbClr val="3465a4"/>
+              <a:srgbClr val="3465A4"/>
             </a:solidFill>
           </a:ln>
         </p:spPr>
         <p:style>
-          <a:lnRef idx="0"/>
-          <a:fillRef idx="0"/>
-          <a:effectRef idx="0"/>
+          <a:lnRef idx="0">
+            <a:scrgbClr r="0" g="0" b="0"/>
+          </a:lnRef>
+          <a:fillRef idx="0">
+            <a:scrgbClr r="0" g="0" b="0"/>
+          </a:fillRef>
+          <a:effectRef idx="0">
+            <a:scrgbClr r="0" g="0" b="0"/>
+          </a:effectRef>
           <a:fontRef idx="minor"/>
         </p:style>
       </p:sp>
@@ -5245,6 +6362,7 @@
             <a:avLst/>
             <a:gdLst/>
             <a:ahLst/>
+            <a:cxnLst/>
             <a:rect l="l" t="t" r="r" b="b"/>
             <a:pathLst>
               <a:path w="1602" h="1601">
@@ -5276,18 +6394,24 @@
             </a:pathLst>
           </a:custGeom>
           <a:solidFill>
-            <a:srgbClr val="ff0000"/>
+            <a:srgbClr val="FF0000"/>
           </a:solidFill>
           <a:ln>
             <a:solidFill>
-              <a:srgbClr val="3465a4"/>
+              <a:srgbClr val="3465A4"/>
             </a:solidFill>
           </a:ln>
         </p:spPr>
         <p:style>
-          <a:lnRef idx="0"/>
-          <a:fillRef idx="0"/>
-          <a:effectRef idx="0"/>
+          <a:lnRef idx="0">
+            <a:scrgbClr r="0" g="0" b="0"/>
+          </a:lnRef>
+          <a:fillRef idx="0">
+            <a:scrgbClr r="0" g="0" b="0"/>
+          </a:fillRef>
+          <a:effectRef idx="0">
+            <a:scrgbClr r="0" g="0" b="0"/>
+          </a:effectRef>
           <a:fontRef idx="minor"/>
         </p:style>
       </p:sp>
@@ -5306,6 +6430,7 @@
             <a:avLst/>
             <a:gdLst/>
             <a:ahLst/>
+            <a:cxnLst/>
             <a:rect l="l" t="t" r="r" b="b"/>
             <a:pathLst>
               <a:path w="1602" h="1601">
@@ -5337,47 +6462,48 @@
             </a:pathLst>
           </a:custGeom>
           <a:solidFill>
-            <a:srgbClr val="ff0000"/>
+            <a:srgbClr val="FF0000"/>
           </a:solidFill>
           <a:ln>
             <a:solidFill>
-              <a:srgbClr val="3465a4"/>
+              <a:srgbClr val="3465A4"/>
             </a:solidFill>
           </a:ln>
         </p:spPr>
         <p:style>
-          <a:lnRef idx="0"/>
-          <a:fillRef idx="0"/>
-          <a:effectRef idx="0"/>
+          <a:lnRef idx="0">
+            <a:scrgbClr r="0" g="0" b="0"/>
+          </a:lnRef>
+          <a:fillRef idx="0">
+            <a:scrgbClr r="0" g="0" b="0"/>
+          </a:fillRef>
+          <a:effectRef idx="0">
+            <a:scrgbClr r="0" g="0" b="0"/>
+          </a:effectRef>
           <a:fontRef idx="minor"/>
         </p:style>
       </p:sp>
     </p:spTree>
   </p:cSld>
-  <mc:AlternateContent>
-    <mc:Choice Requires="p14">
-      <p:transition spd="slow" p14:dur="2000"/>
-    </mc:Choice>
-    <mc:Fallback>
-      <p:transition spd="slow"/>
-    </mc:Fallback>
-  </mc:AlternateContent>
+  <p:clrMapOvr>
+    <a:masterClrMapping/>
+  </p:clrMapOvr>
   <p:timing>
     <p:tnLst>
       <p:par>
-        <p:cTn id="19" dur="indefinite" restart="never" nodeType="tmRoot">
+        <p:cTn id="1" dur="indefinite" restart="never" nodeType="tmRoot">
           <p:childTnLst>
             <p:seq>
-              <p:cTn id="20" dur="indefinite" nodeType="mainSeq"/>
+              <p:cTn id="2" dur="indefinite" nodeType="mainSeq"/>
               <p:prevCondLst>
-                <p:cond delay="0" evt="onPrev">
+                <p:cond evt="onPrev" delay="0">
                   <p:tgtEl>
                     <p:sldTgt/>
                   </p:tgtEl>
                 </p:cond>
               </p:prevCondLst>
               <p:nextCondLst>
-                <p:cond delay="0" evt="onNext">
+                <p:cond evt="onNext" delay="0">
                   <p:tgtEl>
                     <p:sldTgt/>
                   </p:tgtEl>
@@ -5393,7 +6519,7 @@
 </file>
 
 <file path=ppt/slides/slide11.xml><?xml version="1.0" encoding="utf-8"?>
-<p:sld xmlns:a="http://schemas.openxmlformats.org/drawingml/2006/main" xmlns:p="http://schemas.openxmlformats.org/presentationml/2006/main" xmlns:r="http://schemas.openxmlformats.org/officeDocument/2006/relationships" xmlns:p14="http://schemas.microsoft.com/office/powerpoint/2010/main" xmlns:p15="http://schemas.microsoft.com/office/powerpoint/2012/main" xmlns:mc="http://schemas.openxmlformats.org/markup-compatibility/2006">
+<p:sld xmlns:a="http://schemas.openxmlformats.org/drawingml/2006/main" xmlns:r="http://schemas.openxmlformats.org/officeDocument/2006/relationships" xmlns:p="http://schemas.openxmlformats.org/presentationml/2006/main">
   <p:cSld>
     <p:spTree>
       <p:nvGrpSpPr>
@@ -5429,15 +6555,22 @@
           </a:ln>
         </p:spPr>
         <p:style>
-          <a:lnRef idx="0"/>
-          <a:fillRef idx="0"/>
-          <a:effectRef idx="0"/>
+          <a:lnRef idx="0">
+            <a:scrgbClr r="0" g="0" b="0"/>
+          </a:lnRef>
+          <a:fillRef idx="0">
+            <a:scrgbClr r="0" g="0" b="0"/>
+          </a:fillRef>
+          <a:effectRef idx="0">
+            <a:scrgbClr r="0" g="0" b="0"/>
+          </a:effectRef>
           <a:fontRef idx="minor"/>
         </p:style>
         <p:txBody>
-          <a:bodyPr lIns="0" rIns="0" tIns="0" bIns="0" anchor="ctr">
+          <a:bodyPr lIns="0" tIns="0" rIns="0" bIns="0" anchor="ctr">
             <a:spAutoFit/>
           </a:bodyPr>
+          <a:lstStyle/>
           <a:p>
             <a:pPr algn="ctr">
               <a:lnSpc>
@@ -5445,7 +6578,7 @@
               </a:lnSpc>
             </a:pPr>
             <a:r>
-              <a:rPr b="0" lang="es-CR" sz="4400" spc="-1" strike="noStrike">
+              <a:rPr lang="es-CR" sz="4400" b="0" strike="noStrike" spc="-1">
                 <a:solidFill>
                   <a:srgbClr val="000000"/>
                 </a:solidFill>
@@ -5454,7 +6587,7 @@
               </a:rPr>
               <a:t>Llamar Apis con Jquery #4</a:t>
             </a:r>
-            <a:endParaRPr b="0" lang="es-CR" sz="4400" spc="-1" strike="noStrike">
+            <a:endParaRPr lang="es-CR" sz="4400" b="0" strike="noStrike" spc="-1">
               <a:latin typeface="Arial"/>
             </a:endParaRPr>
           </a:p>
@@ -5480,15 +6613,22 @@
           </a:ln>
         </p:spPr>
         <p:style>
-          <a:lnRef idx="0"/>
-          <a:fillRef idx="0"/>
-          <a:effectRef idx="0"/>
+          <a:lnRef idx="0">
+            <a:scrgbClr r="0" g="0" b="0"/>
+          </a:lnRef>
+          <a:fillRef idx="0">
+            <a:scrgbClr r="0" g="0" b="0"/>
+          </a:fillRef>
+          <a:effectRef idx="0">
+            <a:scrgbClr r="0" g="0" b="0"/>
+          </a:effectRef>
           <a:fontRef idx="minor"/>
         </p:style>
         <p:txBody>
-          <a:bodyPr lIns="0" rIns="0" tIns="0" bIns="0">
+          <a:bodyPr lIns="0" tIns="0" rIns="0" bIns="0">
             <a:normAutofit/>
           </a:bodyPr>
+          <a:lstStyle/>
           <a:p>
             <a:pPr>
               <a:lnSpc>
@@ -5498,7 +6638,7 @@
                 <a:spcPts val="1417"/>
               </a:spcBef>
             </a:pPr>
-            <a:endParaRPr b="0" lang="es-CR" sz="1800" spc="-1" strike="noStrike">
+            <a:endParaRPr lang="es-CR" sz="1800" b="0" strike="noStrike" spc="-1">
               <a:latin typeface="Arial"/>
             </a:endParaRPr>
           </a:p>
@@ -5518,7 +6658,7 @@
               <a:buChar char=""/>
             </a:pPr>
             <a:r>
-              <a:rPr b="1" lang="es-CR" sz="3200" spc="-1" strike="noStrike">
+              <a:rPr lang="es-CR" sz="3200" b="1" strike="noStrike" spc="-1">
                 <a:solidFill>
                   <a:srgbClr val="000000"/>
                 </a:solidFill>
@@ -5528,7 +6668,7 @@
               <a:t>Explicación: </a:t>
             </a:r>
             <a:r>
-              <a:rPr b="0" lang="es-CR" sz="3200" spc="-1" strike="noStrike">
+              <a:rPr lang="es-CR" sz="3200" b="0" strike="noStrike" spc="-1">
                 <a:solidFill>
                   <a:srgbClr val="000000"/>
                 </a:solidFill>
@@ -5538,7 +6678,7 @@
               <a:t>El State: </a:t>
             </a:r>
             <a:r>
-              <a:rPr b="1" lang="es-CR" sz="3200" spc="-1" strike="noStrike">
+              <a:rPr lang="es-CR" sz="3200" b="1" strike="noStrike" spc="-1">
                 <a:solidFill>
                   <a:srgbClr val="000000"/>
                 </a:solidFill>
@@ -5548,7 +6688,7 @@
               <a:t>Paises</a:t>
             </a:r>
             <a:r>
-              <a:rPr b="0" lang="es-CR" sz="3200" spc="-1" strike="noStrike">
+              <a:rPr lang="es-CR" sz="3200" b="0" strike="noStrike" spc="-1">
                 <a:solidFill>
                   <a:srgbClr val="000000"/>
                 </a:solidFill>
@@ -5558,7 +6698,7 @@
               <a:t> (que es un arreglo) fue cargado con todo el </a:t>
             </a:r>
             <a:r>
-              <a:rPr b="1" lang="es-CR" sz="3200" spc="-1" strike="noStrike">
+              <a:rPr lang="es-CR" sz="3200" b="1" strike="noStrike" spc="-1">
                 <a:solidFill>
                   <a:srgbClr val="000000"/>
                 </a:solidFill>
@@ -5568,7 +6708,7 @@
               <a:t>JSON</a:t>
             </a:r>
             <a:r>
-              <a:rPr b="0" lang="es-CR" sz="3200" spc="-1" strike="noStrike">
+              <a:rPr lang="es-CR" sz="3200" b="0" strike="noStrike" spc="-1">
                 <a:solidFill>
                   <a:srgbClr val="000000"/>
                 </a:solidFill>
@@ -5578,7 +6718,7 @@
               <a:t> proveniente de la llamada del Web Api. </a:t>
             </a:r>
             <a:r>
-              <a:rPr b="1" lang="es-CR" sz="3200" spc="-1" strike="noStrike">
+              <a:rPr lang="es-CR" sz="3200" b="1" strike="noStrike" spc="-1">
                 <a:solidFill>
                   <a:srgbClr val="000000"/>
                 </a:solidFill>
@@ -5588,7 +6728,7 @@
               <a:t>name</a:t>
             </a:r>
             <a:r>
-              <a:rPr b="0" lang="es-CR" sz="3200" spc="-1" strike="noStrike">
+              <a:rPr lang="es-CR" sz="3200" b="0" strike="noStrike" spc="-1">
                 <a:solidFill>
                   <a:srgbClr val="000000"/>
                 </a:solidFill>
@@ -5598,7 +6738,7 @@
               <a:t> y </a:t>
             </a:r>
             <a:r>
-              <a:rPr b="1" lang="es-CR" sz="3200" spc="-1" strike="noStrike">
+              <a:rPr lang="es-CR" sz="3200" b="1" strike="noStrike" spc="-1">
                 <a:solidFill>
                   <a:srgbClr val="000000"/>
                 </a:solidFill>
@@ -5608,7 +6748,7 @@
               <a:t>capital</a:t>
             </a:r>
             <a:r>
-              <a:rPr b="0" lang="es-CR" sz="3200" spc="-1" strike="noStrike">
+              <a:rPr lang="es-CR" sz="3200" b="0" strike="noStrike" spc="-1">
                 <a:solidFill>
                   <a:srgbClr val="000000"/>
                 </a:solidFill>
@@ -5618,7 +6758,7 @@
               <a:t> son llaves existentes en el </a:t>
             </a:r>
             <a:r>
-              <a:rPr b="1" lang="es-CR" sz="3200" spc="-1" strike="noStrike">
+              <a:rPr lang="es-CR" sz="3200" b="1" strike="noStrike" spc="-1">
                 <a:solidFill>
                   <a:srgbClr val="000000"/>
                 </a:solidFill>
@@ -5628,7 +6768,7 @@
               <a:t>JSON</a:t>
             </a:r>
             <a:r>
-              <a:rPr b="0" lang="es-CR" sz="3200" spc="-1" strike="noStrike">
+              <a:rPr lang="es-CR" sz="3200" b="0" strike="noStrike" spc="-1">
                 <a:solidFill>
                   <a:srgbClr val="000000"/>
                 </a:solidFill>
@@ -5637,7 +6777,7 @@
               </a:rPr>
               <a:t>.</a:t>
             </a:r>
-            <a:endParaRPr b="0" lang="es-CR" sz="3200" spc="-1" strike="noStrike">
+            <a:endParaRPr lang="es-CR" sz="3200" b="0" strike="noStrike" spc="-1">
               <a:latin typeface="Arial"/>
             </a:endParaRPr>
           </a:p>
@@ -5645,30 +6785,25 @@
       </p:sp>
     </p:spTree>
   </p:cSld>
-  <mc:AlternateContent>
-    <mc:Choice Requires="p14">
-      <p:transition spd="slow" p14:dur="2000"/>
-    </mc:Choice>
-    <mc:Fallback>
-      <p:transition spd="slow"/>
-    </mc:Fallback>
-  </mc:AlternateContent>
+  <p:clrMapOvr>
+    <a:masterClrMapping/>
+  </p:clrMapOvr>
   <p:timing>
     <p:tnLst>
       <p:par>
-        <p:cTn id="21" dur="indefinite" restart="never" nodeType="tmRoot">
+        <p:cTn id="1" dur="indefinite" restart="never" nodeType="tmRoot">
           <p:childTnLst>
             <p:seq>
-              <p:cTn id="22" dur="indefinite" nodeType="mainSeq"/>
+              <p:cTn id="2" dur="indefinite" nodeType="mainSeq"/>
               <p:prevCondLst>
-                <p:cond delay="0" evt="onPrev">
+                <p:cond evt="onPrev" delay="0">
                   <p:tgtEl>
                     <p:sldTgt/>
                   </p:tgtEl>
                 </p:cond>
               </p:prevCondLst>
               <p:nextCondLst>
-                <p:cond delay="0" evt="onNext">
+                <p:cond evt="onNext" delay="0">
                   <p:tgtEl>
                     <p:sldTgt/>
                   </p:tgtEl>
@@ -5684,7 +6819,7 @@
 </file>
 
 <file path=ppt/slides/slide12.xml><?xml version="1.0" encoding="utf-8"?>
-<p:sld xmlns:a="http://schemas.openxmlformats.org/drawingml/2006/main" xmlns:p="http://schemas.openxmlformats.org/presentationml/2006/main" xmlns:r="http://schemas.openxmlformats.org/officeDocument/2006/relationships" xmlns:p14="http://schemas.microsoft.com/office/powerpoint/2010/main" xmlns:p15="http://schemas.microsoft.com/office/powerpoint/2012/main" xmlns:mc="http://schemas.openxmlformats.org/markup-compatibility/2006">
+<p:sld xmlns:a="http://schemas.openxmlformats.org/drawingml/2006/main" xmlns:r="http://schemas.openxmlformats.org/officeDocument/2006/relationships" xmlns:p="http://schemas.openxmlformats.org/presentationml/2006/main">
   <p:cSld>
     <p:spTree>
       <p:nvGrpSpPr>
@@ -5708,7 +6843,7 @@
         </p:nvSpPr>
         <p:spPr>
           <a:xfrm>
-            <a:off x="432000" y="2478240"/>
+            <a:off x="360312" y="2183772"/>
             <a:ext cx="9360000" cy="610200"/>
           </a:xfrm>
           <a:prstGeom prst="rect">
@@ -5720,15 +6855,22 @@
           </a:ln>
         </p:spPr>
         <p:style>
-          <a:lnRef idx="0"/>
-          <a:fillRef idx="0"/>
-          <a:effectRef idx="0"/>
+          <a:lnRef idx="0">
+            <a:scrgbClr r="0" g="0" b="0"/>
+          </a:lnRef>
+          <a:fillRef idx="0">
+            <a:scrgbClr r="0" g="0" b="0"/>
+          </a:fillRef>
+          <a:effectRef idx="0">
+            <a:scrgbClr r="0" g="0" b="0"/>
+          </a:effectRef>
           <a:fontRef idx="minor"/>
         </p:style>
         <p:txBody>
-          <a:bodyPr lIns="0" rIns="0" tIns="0" bIns="0" anchor="ctr">
+          <a:bodyPr lIns="0" tIns="0" rIns="0" bIns="0" anchor="ctr">
             <a:spAutoFit/>
           </a:bodyPr>
+          <a:lstStyle/>
           <a:p>
             <a:pPr algn="ctr">
               <a:lnSpc>
@@ -5736,13 +6878,13 @@
               </a:lnSpc>
             </a:pPr>
             <a:r>
-              <a:rPr b="0" lang="es-CR" sz="4000" spc="-1" strike="noStrike">
+              <a:rPr lang="es-CR" sz="4000" b="0" strike="noStrike" spc="-1" dirty="0">
                 <a:latin typeface="Arial"/>
                 <a:ea typeface="DejaVu Sans"/>
               </a:rPr>
               <a:t>Muchas gracias </a:t>
             </a:r>
-            <a:endParaRPr b="0" lang="es-CR" sz="4000" spc="-1" strike="noStrike">
+            <a:endParaRPr lang="es-CR" sz="4000" b="0" strike="noStrike" spc="-1" dirty="0">
               <a:latin typeface="Arial"/>
             </a:endParaRPr>
           </a:p>
@@ -5756,8 +6898,8 @@
         </p:nvSpPr>
         <p:spPr>
           <a:xfrm>
-            <a:off x="936000" y="3677040"/>
-            <a:ext cx="8710920" cy="426960"/>
+            <a:off x="2416399" y="4334816"/>
+            <a:ext cx="5247824" cy="430887"/>
           </a:xfrm>
           <a:prstGeom prst="rect">
             <a:avLst/>
@@ -5768,15 +6910,22 @@
           </a:ln>
         </p:spPr>
         <p:style>
-          <a:lnRef idx="0"/>
-          <a:fillRef idx="0"/>
-          <a:effectRef idx="0"/>
+          <a:lnRef idx="0">
+            <a:scrgbClr r="0" g="0" b="0"/>
+          </a:lnRef>
+          <a:fillRef idx="0">
+            <a:scrgbClr r="0" g="0" b="0"/>
+          </a:fillRef>
+          <a:effectRef idx="0">
+            <a:scrgbClr r="0" g="0" b="0"/>
+          </a:effectRef>
           <a:fontRef idx="minor"/>
         </p:style>
         <p:txBody>
-          <a:bodyPr lIns="0" rIns="0" tIns="0" bIns="0" anchor="ctr">
+          <a:bodyPr wrap="square" lIns="0" tIns="0" rIns="0" bIns="0" anchor="ctr">
             <a:spAutoFit/>
           </a:bodyPr>
+          <a:lstStyle/>
           <a:p>
             <a:pPr>
               <a:lnSpc>
@@ -5784,15 +6933,9 @@
               </a:lnSpc>
             </a:pPr>
             <a:r>
-              <a:rPr b="0" lang="es-CR" sz="2800" spc="-1" strike="noStrike">
-                <a:latin typeface="Arial"/>
-                <a:ea typeface="DejaVu Sans"/>
-              </a:rPr>
-              <a:t>Para mas acerca de React, siganos en:</a:t>
+              <a:rPr lang="es-CR" sz="2800" spc="-1" dirty="0"/>
+              <a:t>Vea el curso básico completo en:</a:t>
             </a:r>
-            <a:endParaRPr b="0" lang="es-CR" sz="2800" spc="-1" strike="noStrike">
-              <a:latin typeface="Arial"/>
-            </a:endParaRPr>
           </a:p>
         </p:txBody>
       </p:sp>
@@ -5804,8 +6947,8 @@
         </p:nvSpPr>
         <p:spPr>
           <a:xfrm>
-            <a:off x="966600" y="4248000"/>
-            <a:ext cx="6089400" cy="1047240"/>
+            <a:off x="2346459" y="5010291"/>
+            <a:ext cx="5387705" cy="460211"/>
           </a:xfrm>
           <a:prstGeom prst="rect">
             <a:avLst/>
@@ -5816,9 +6959,10 @@
           </a:ln>
         </p:spPr>
         <p:txBody>
-          <a:bodyPr lIns="90000" rIns="90000" tIns="45000" bIns="45000">
+          <a:bodyPr wrap="square" lIns="90000" tIns="45000" rIns="90000" bIns="45000">
             <a:spAutoFit/>
           </a:bodyPr>
+          <a:lstStyle/>
           <a:p>
             <a:pPr marL="216000" indent="-216000">
               <a:spcBef>
@@ -5835,32 +6979,13 @@
               <a:buChar char=""/>
             </a:pPr>
             <a:r>
-              <a:rPr b="0" lang="es-CR" sz="2400" spc="-1" strike="noStrike">
+              <a:rPr lang="es-CR" sz="2400" b="0" strike="noStrike" spc="-1" dirty="0">
                 <a:latin typeface="Arial"/>
-                <a:hlinkClick r:id="rId1"/>
+                <a:hlinkClick r:id="rId2"/>
               </a:rPr>
               <a:t>https://profesantiago.github.io/React</a:t>
             </a:r>
-            <a:endParaRPr b="0" lang="es-CR" sz="2400" spc="-1" strike="noStrike">
-              <a:latin typeface="Arial"/>
-            </a:endParaRPr>
-          </a:p>
-          <a:p>
-            <a:pPr marL="216000" indent="-216000">
-              <a:spcBef>
-                <a:spcPts val="1191"/>
-              </a:spcBef>
-              <a:spcAft>
-                <a:spcPts val="992"/>
-              </a:spcAft>
-              <a:buClr>
-                <a:srgbClr val="000000"/>
-              </a:buClr>
-              <a:buSzPct val="45000"/>
-              <a:buFont typeface="Wingdings" charset="2"/>
-              <a:buChar char=""/>
-            </a:pPr>
-            <a:endParaRPr b="0" lang="es-CR" sz="2400" spc="-1" strike="noStrike">
+            <a:endParaRPr lang="es-CR" sz="2400" b="0" strike="noStrike" spc="-1" dirty="0">
               <a:latin typeface="Arial"/>
             </a:endParaRPr>
           </a:p>
@@ -5868,30 +6993,25 @@
       </p:sp>
     </p:spTree>
   </p:cSld>
-  <mc:AlternateContent>
-    <mc:Choice Requires="p14">
-      <p:transition spd="slow" p14:dur="2000"/>
-    </mc:Choice>
-    <mc:Fallback>
-      <p:transition spd="slow"/>
-    </mc:Fallback>
-  </mc:AlternateContent>
+  <p:clrMapOvr>
+    <a:masterClrMapping/>
+  </p:clrMapOvr>
   <p:timing>
     <p:tnLst>
       <p:par>
-        <p:cTn id="23" dur="indefinite" restart="never" nodeType="tmRoot">
+        <p:cTn id="1" dur="indefinite" restart="never" nodeType="tmRoot">
           <p:childTnLst>
             <p:seq>
-              <p:cTn id="24" dur="indefinite" nodeType="mainSeq"/>
+              <p:cTn id="2" dur="indefinite" nodeType="mainSeq"/>
               <p:prevCondLst>
-                <p:cond delay="0" evt="onPrev">
+                <p:cond evt="onPrev" delay="0">
                   <p:tgtEl>
                     <p:sldTgt/>
                   </p:tgtEl>
                 </p:cond>
               </p:prevCondLst>
               <p:nextCondLst>
-                <p:cond delay="0" evt="onNext">
+                <p:cond evt="onNext" delay="0">
                   <p:tgtEl>
                     <p:sldTgt/>
                   </p:tgtEl>
@@ -5907,7 +7027,7 @@
 </file>
 
 <file path=ppt/slides/slide2.xml><?xml version="1.0" encoding="utf-8"?>
-<p:sld xmlns:a="http://schemas.openxmlformats.org/drawingml/2006/main" xmlns:p="http://schemas.openxmlformats.org/presentationml/2006/main" xmlns:r="http://schemas.openxmlformats.org/officeDocument/2006/relationships" xmlns:p14="http://schemas.microsoft.com/office/powerpoint/2010/main" xmlns:p15="http://schemas.microsoft.com/office/powerpoint/2012/main" xmlns:mc="http://schemas.openxmlformats.org/markup-compatibility/2006">
+<p:sld xmlns:a="http://schemas.openxmlformats.org/drawingml/2006/main" xmlns:r="http://schemas.openxmlformats.org/officeDocument/2006/relationships" xmlns:p="http://schemas.openxmlformats.org/presentationml/2006/main">
   <p:cSld>
     <p:spTree>
       <p:nvGrpSpPr>
@@ -5943,15 +7063,22 @@
           </a:ln>
         </p:spPr>
         <p:style>
-          <a:lnRef idx="0"/>
-          <a:fillRef idx="0"/>
-          <a:effectRef idx="0"/>
+          <a:lnRef idx="0">
+            <a:scrgbClr r="0" g="0" b="0"/>
+          </a:lnRef>
+          <a:fillRef idx="0">
+            <a:scrgbClr r="0" g="0" b="0"/>
+          </a:fillRef>
+          <a:effectRef idx="0">
+            <a:scrgbClr r="0" g="0" b="0"/>
+          </a:effectRef>
           <a:fontRef idx="minor"/>
         </p:style>
         <p:txBody>
-          <a:bodyPr lIns="0" rIns="0" tIns="0" bIns="0" anchor="ctr">
+          <a:bodyPr lIns="0" tIns="0" rIns="0" bIns="0" anchor="ctr">
             <a:spAutoFit/>
           </a:bodyPr>
+          <a:lstStyle/>
           <a:p>
             <a:pPr algn="ctr">
               <a:lnSpc>
@@ -5959,20 +7086,13 @@
               </a:lnSpc>
             </a:pPr>
             <a:r>
-              <a:rPr b="0" lang="es-CR" sz="4400" spc="-1" strike="noStrike">
+              <a:rPr lang="es-CR" sz="4400" b="0" strike="noStrike" spc="-1">
                 <a:latin typeface="Arial"/>
                 <a:ea typeface="DejaVu Sans"/>
               </a:rPr>
-              <a:t>Llamadar APIs </a:t>
+              <a:t>Llamadar APIs Utilizando </a:t>
             </a:r>
-            <a:r>
-              <a:rPr b="0" lang="es-CR" sz="4400" spc="-1" strike="noStrike">
-                <a:latin typeface="Arial"/>
-                <a:ea typeface="DejaVu Sans"/>
-              </a:rPr>
-              <a:t>Utilizando </a:t>
-            </a:r>
-            <a:endParaRPr b="0" lang="es-CR" sz="4400" spc="-1" strike="noStrike">
+            <a:endParaRPr lang="es-CR" sz="4400" b="0" strike="noStrike" spc="-1">
               <a:latin typeface="Arial"/>
             </a:endParaRPr>
           </a:p>
@@ -5983,20 +7103,13 @@
               </a:lnSpc>
             </a:pPr>
             <a:r>
-              <a:rPr b="0" lang="es-CR" sz="4400" spc="-1" strike="noStrike">
+              <a:rPr lang="es-CR" sz="4400" b="0" strike="noStrike" spc="-1">
                 <a:latin typeface="Arial"/>
                 <a:ea typeface="DejaVu Sans"/>
               </a:rPr>
-              <a:t>$.a</a:t>
+              <a:t>$.ajax y $.getJSON</a:t>
             </a:r>
-            <a:r>
-              <a:rPr b="0" lang="es-CR" sz="4400" spc="-1" strike="noStrike">
-                <a:latin typeface="Arial"/>
-                <a:ea typeface="DejaVu Sans"/>
-              </a:rPr>
-              <a:t>jax y $.getJSON</a:t>
-            </a:r>
-            <a:endParaRPr b="0" lang="es-CR" sz="4400" spc="-1" strike="noStrike">
+            <a:endParaRPr lang="es-CR" sz="4400" b="0" strike="noStrike" spc="-1">
               <a:latin typeface="Arial"/>
             </a:endParaRPr>
           </a:p>
@@ -6007,13 +7120,13 @@
               </a:lnSpc>
             </a:pPr>
             <a:r>
-              <a:rPr b="0" lang="es-CR" sz="4400" spc="-1" strike="noStrike">
+              <a:rPr lang="es-CR" sz="4400" b="0" strike="noStrike" spc="-1">
                 <a:latin typeface="Arial"/>
                 <a:ea typeface="DejaVu Sans"/>
               </a:rPr>
               <a:t>De JQuery</a:t>
             </a:r>
-            <a:endParaRPr b="0" lang="es-CR" sz="4400" spc="-1" strike="noStrike">
+            <a:endParaRPr lang="es-CR" sz="4400" b="0" strike="noStrike" spc="-1">
               <a:latin typeface="Arial"/>
             </a:endParaRPr>
           </a:p>
@@ -6021,30 +7134,25 @@
       </p:sp>
     </p:spTree>
   </p:cSld>
-  <mc:AlternateContent>
-    <mc:Choice Requires="p14">
-      <p:transition spd="slow" p14:dur="2000"/>
-    </mc:Choice>
-    <mc:Fallback>
-      <p:transition spd="slow"/>
-    </mc:Fallback>
-  </mc:AlternateContent>
+  <p:clrMapOvr>
+    <a:masterClrMapping/>
+  </p:clrMapOvr>
   <p:timing>
     <p:tnLst>
       <p:par>
-        <p:cTn id="3" dur="indefinite" restart="never" nodeType="tmRoot">
+        <p:cTn id="1" dur="indefinite" restart="never" nodeType="tmRoot">
           <p:childTnLst>
             <p:seq>
-              <p:cTn id="4" dur="indefinite" nodeType="mainSeq"/>
+              <p:cTn id="2" dur="indefinite" nodeType="mainSeq"/>
               <p:prevCondLst>
-                <p:cond delay="0" evt="onPrev">
+                <p:cond evt="onPrev" delay="0">
                   <p:tgtEl>
                     <p:sldTgt/>
                   </p:tgtEl>
                 </p:cond>
               </p:prevCondLst>
               <p:nextCondLst>
-                <p:cond delay="0" evt="onNext">
+                <p:cond evt="onNext" delay="0">
                   <p:tgtEl>
                     <p:sldTgt/>
                   </p:tgtEl>
@@ -6060,7 +7168,7 @@
 </file>
 
 <file path=ppt/slides/slide3.xml><?xml version="1.0" encoding="utf-8"?>
-<p:sld xmlns:a="http://schemas.openxmlformats.org/drawingml/2006/main" xmlns:p="http://schemas.openxmlformats.org/presentationml/2006/main" xmlns:r="http://schemas.openxmlformats.org/officeDocument/2006/relationships" xmlns:p14="http://schemas.microsoft.com/office/powerpoint/2010/main" xmlns:p15="http://schemas.microsoft.com/office/powerpoint/2012/main" xmlns:mc="http://schemas.openxmlformats.org/markup-compatibility/2006">
+<p:sld xmlns:a="http://schemas.openxmlformats.org/drawingml/2006/main" xmlns:r="http://schemas.openxmlformats.org/officeDocument/2006/relationships" xmlns:p="http://schemas.openxmlformats.org/presentationml/2006/main">
   <p:cSld>
     <p:spTree>
       <p:nvGrpSpPr>
@@ -6096,15 +7204,22 @@
           </a:ln>
         </p:spPr>
         <p:style>
-          <a:lnRef idx="0"/>
-          <a:fillRef idx="0"/>
-          <a:effectRef idx="0"/>
+          <a:lnRef idx="0">
+            <a:scrgbClr r="0" g="0" b="0"/>
+          </a:lnRef>
+          <a:fillRef idx="0">
+            <a:scrgbClr r="0" g="0" b="0"/>
+          </a:fillRef>
+          <a:effectRef idx="0">
+            <a:scrgbClr r="0" g="0" b="0"/>
+          </a:effectRef>
           <a:fontRef idx="minor"/>
         </p:style>
         <p:txBody>
-          <a:bodyPr lIns="0" rIns="0" tIns="0" bIns="0" anchor="ctr">
+          <a:bodyPr lIns="0" tIns="0" rIns="0" bIns="0" anchor="ctr">
             <a:spAutoFit/>
           </a:bodyPr>
+          <a:lstStyle/>
           <a:p>
             <a:pPr algn="ctr">
               <a:lnSpc>
@@ -6112,7 +7227,7 @@
               </a:lnSpc>
             </a:pPr>
             <a:r>
-              <a:rPr b="0" lang="es-CR" sz="4400" spc="-1" strike="noStrike">
+              <a:rPr lang="es-CR" sz="4400" b="0" strike="noStrike" spc="-1">
                 <a:solidFill>
                   <a:srgbClr val="000000"/>
                 </a:solidFill>
@@ -6121,7 +7236,7 @@
               </a:rPr>
               <a:t>Llamar Apis con Jquery #1</a:t>
             </a:r>
-            <a:endParaRPr b="0" lang="es-CR" sz="4400" spc="-1" strike="noStrike">
+            <a:endParaRPr lang="es-CR" sz="4400" b="0" strike="noStrike" spc="-1">
               <a:latin typeface="Arial"/>
             </a:endParaRPr>
           </a:p>
@@ -6129,12 +7244,12 @@
       </p:sp>
       <p:pic>
         <p:nvPicPr>
-          <p:cNvPr id="118" name="" descr=""/>
+          <p:cNvPr id="118" name="Imagen 117"/>
           <p:cNvPicPr/>
           <p:nvPr/>
         </p:nvPicPr>
         <p:blipFill>
-          <a:blip r:embed="rId1"/>
+          <a:blip r:embed="rId2"/>
           <a:stretch/>
         </p:blipFill>
         <p:spPr>
@@ -6167,44 +7282,45 @@
           <a:noFill/>
           <a:ln w="57240">
             <a:solidFill>
-              <a:srgbClr val="ffff00"/>
+              <a:srgbClr val="FFFF00"/>
             </a:solidFill>
             <a:round/>
           </a:ln>
         </p:spPr>
         <p:style>
-          <a:lnRef idx="0"/>
-          <a:fillRef idx="0"/>
-          <a:effectRef idx="0"/>
+          <a:lnRef idx="0">
+            <a:scrgbClr r="0" g="0" b="0"/>
+          </a:lnRef>
+          <a:fillRef idx="0">
+            <a:scrgbClr r="0" g="0" b="0"/>
+          </a:fillRef>
+          <a:effectRef idx="0">
+            <a:scrgbClr r="0" g="0" b="0"/>
+          </a:effectRef>
           <a:fontRef idx="minor"/>
         </p:style>
       </p:sp>
     </p:spTree>
   </p:cSld>
-  <mc:AlternateContent>
-    <mc:Choice Requires="p14">
-      <p:transition spd="slow" p14:dur="2000"/>
-    </mc:Choice>
-    <mc:Fallback>
-      <p:transition spd="slow"/>
-    </mc:Fallback>
-  </mc:AlternateContent>
+  <p:clrMapOvr>
+    <a:masterClrMapping/>
+  </p:clrMapOvr>
   <p:timing>
     <p:tnLst>
       <p:par>
-        <p:cTn id="5" dur="indefinite" restart="never" nodeType="tmRoot">
+        <p:cTn id="1" dur="indefinite" restart="never" nodeType="tmRoot">
           <p:childTnLst>
             <p:seq>
-              <p:cTn id="6" dur="indefinite" nodeType="mainSeq"/>
+              <p:cTn id="2" dur="indefinite" nodeType="mainSeq"/>
               <p:prevCondLst>
-                <p:cond delay="0" evt="onPrev">
+                <p:cond evt="onPrev" delay="0">
                   <p:tgtEl>
                     <p:sldTgt/>
                   </p:tgtEl>
                 </p:cond>
               </p:prevCondLst>
               <p:nextCondLst>
-                <p:cond delay="0" evt="onNext">
+                <p:cond evt="onNext" delay="0">
                   <p:tgtEl>
                     <p:sldTgt/>
                   </p:tgtEl>
@@ -6220,7 +7336,7 @@
 </file>
 
 <file path=ppt/slides/slide4.xml><?xml version="1.0" encoding="utf-8"?>
-<p:sld xmlns:a="http://schemas.openxmlformats.org/drawingml/2006/main" xmlns:p="http://schemas.openxmlformats.org/presentationml/2006/main" xmlns:r="http://schemas.openxmlformats.org/officeDocument/2006/relationships" xmlns:p14="http://schemas.microsoft.com/office/powerpoint/2010/main" xmlns:p15="http://schemas.microsoft.com/office/powerpoint/2012/main" xmlns:mc="http://schemas.openxmlformats.org/markup-compatibility/2006">
+<p:sld xmlns:a="http://schemas.openxmlformats.org/drawingml/2006/main" xmlns:r="http://schemas.openxmlformats.org/officeDocument/2006/relationships" xmlns:p="http://schemas.openxmlformats.org/presentationml/2006/main">
   <p:cSld>
     <p:spTree>
       <p:nvGrpSpPr>
@@ -6256,15 +7372,22 @@
           </a:ln>
         </p:spPr>
         <p:style>
-          <a:lnRef idx="0"/>
-          <a:fillRef idx="0"/>
-          <a:effectRef idx="0"/>
+          <a:lnRef idx="0">
+            <a:scrgbClr r="0" g="0" b="0"/>
+          </a:lnRef>
+          <a:fillRef idx="0">
+            <a:scrgbClr r="0" g="0" b="0"/>
+          </a:fillRef>
+          <a:effectRef idx="0">
+            <a:scrgbClr r="0" g="0" b="0"/>
+          </a:effectRef>
           <a:fontRef idx="minor"/>
         </p:style>
         <p:txBody>
-          <a:bodyPr lIns="0" rIns="0" tIns="0" bIns="0" anchor="ctr">
+          <a:bodyPr lIns="0" tIns="0" rIns="0" bIns="0" anchor="ctr">
             <a:spAutoFit/>
           </a:bodyPr>
+          <a:lstStyle/>
           <a:p>
             <a:pPr algn="ctr">
               <a:lnSpc>
@@ -6272,7 +7395,7 @@
               </a:lnSpc>
             </a:pPr>
             <a:r>
-              <a:rPr b="0" lang="es-CR" sz="4400" spc="-1" strike="noStrike">
+              <a:rPr lang="es-CR" sz="4400" b="0" strike="noStrike" spc="-1">
                 <a:solidFill>
                   <a:srgbClr val="000000"/>
                 </a:solidFill>
@@ -6281,7 +7404,7 @@
               </a:rPr>
               <a:t>Llamar Apis con Jquery #2</a:t>
             </a:r>
-            <a:endParaRPr b="0" lang="es-CR" sz="4400" spc="-1" strike="noStrike">
+            <a:endParaRPr lang="es-CR" sz="4400" b="0" strike="noStrike" spc="-1">
               <a:latin typeface="Arial"/>
             </a:endParaRPr>
           </a:p>
@@ -6307,15 +7430,22 @@
           </a:ln>
         </p:spPr>
         <p:style>
-          <a:lnRef idx="0"/>
-          <a:fillRef idx="0"/>
-          <a:effectRef idx="0"/>
+          <a:lnRef idx="0">
+            <a:scrgbClr r="0" g="0" b="0"/>
+          </a:lnRef>
+          <a:fillRef idx="0">
+            <a:scrgbClr r="0" g="0" b="0"/>
+          </a:fillRef>
+          <a:effectRef idx="0">
+            <a:scrgbClr r="0" g="0" b="0"/>
+          </a:effectRef>
           <a:fontRef idx="minor"/>
         </p:style>
         <p:txBody>
-          <a:bodyPr lIns="0" rIns="0" tIns="0" bIns="0">
+          <a:bodyPr lIns="0" tIns="0" rIns="0" bIns="0">
             <a:normAutofit fontScale="97000"/>
           </a:bodyPr>
+          <a:lstStyle/>
           <a:p>
             <a:pPr marL="432000" indent="-323280">
               <a:lnSpc>
@@ -6332,7 +7462,7 @@
               <a:buChar char=""/>
             </a:pPr>
             <a:r>
-              <a:rPr b="1" lang="es-CR" sz="3200" spc="-1" strike="noStrike">
+              <a:rPr lang="es-CR" sz="3200" b="1" strike="noStrike" spc="-1">
                 <a:solidFill>
                   <a:srgbClr val="000000"/>
                 </a:solidFill>
@@ -6342,7 +7472,7 @@
               <a:t>Explicación: </a:t>
             </a:r>
             <a:r>
-              <a:rPr b="0" lang="es-CR" sz="3200" spc="-1" strike="noStrike">
+              <a:rPr lang="es-CR" sz="3200" b="0" strike="noStrike" spc="-1">
                 <a:solidFill>
                   <a:srgbClr val="000000"/>
                 </a:solidFill>
@@ -6352,7 +7482,7 @@
               <a:t>El método </a:t>
             </a:r>
             <a:r>
-              <a:rPr b="1" lang="es-CR" sz="3200" spc="-1" strike="noStrike">
+              <a:rPr lang="es-CR" sz="3200" b="1" strike="noStrike" spc="-1">
                 <a:solidFill>
                   <a:srgbClr val="000000"/>
                 </a:solidFill>
@@ -6362,7 +7492,7 @@
               <a:t>componentDidMount()</a:t>
             </a:r>
             <a:r>
-              <a:rPr b="0" lang="es-CR" sz="3200" spc="-1" strike="noStrike">
+              <a:rPr lang="es-CR" sz="3200" b="0" strike="noStrike" spc="-1">
                 <a:solidFill>
                   <a:srgbClr val="000000"/>
                 </a:solidFill>
@@ -6371,7 +7501,7 @@
               </a:rPr>
               <a:t> se ejecuta después que la salida del componente ha sido renderizada en el DOM.</a:t>
             </a:r>
-            <a:endParaRPr b="0" lang="es-CR" sz="3200" spc="-1" strike="noStrike">
+            <a:endParaRPr lang="es-CR" sz="3200" b="0" strike="noStrike" spc="-1">
               <a:latin typeface="Arial"/>
             </a:endParaRPr>
           </a:p>
@@ -6384,7 +7514,7 @@
                 <a:spcPts val="1417"/>
               </a:spcBef>
             </a:pPr>
-            <a:endParaRPr b="0" lang="es-CR" sz="3200" spc="-1" strike="noStrike">
+            <a:endParaRPr lang="es-CR" sz="3200" b="0" strike="noStrike" spc="-1">
               <a:latin typeface="Arial"/>
             </a:endParaRPr>
           </a:p>
@@ -6404,7 +7534,7 @@
               <a:buChar char=""/>
             </a:pPr>
             <a:r>
-              <a:rPr b="0" lang="es-CR" sz="3200" spc="-1" strike="noStrike">
+              <a:rPr lang="es-CR" sz="3200" b="0" strike="noStrike" spc="-1">
                 <a:solidFill>
                   <a:srgbClr val="000000"/>
                 </a:solidFill>
@@ -6414,7 +7544,7 @@
               <a:t>En otras palabras la llamada del </a:t>
             </a:r>
             <a:r>
-              <a:rPr b="1" lang="es-CR" sz="3200" spc="-1" strike="noStrike">
+              <a:rPr lang="es-CR" sz="3200" b="1" strike="noStrike" spc="-1">
                 <a:solidFill>
                   <a:srgbClr val="000000"/>
                 </a:solidFill>
@@ -6424,7 +7554,7 @@
               <a:t>$.getJason</a:t>
             </a:r>
             <a:r>
-              <a:rPr b="0" lang="es-CR" sz="3200" spc="-1" strike="noStrike">
+              <a:rPr lang="es-CR" sz="3200" b="0" strike="noStrike" spc="-1">
                 <a:solidFill>
                   <a:srgbClr val="000000"/>
                 </a:solidFill>
@@ -6434,7 +7564,7 @@
               <a:t> de </a:t>
             </a:r>
             <a:r>
-              <a:rPr b="1" lang="es-CR" sz="3200" spc="-1" strike="noStrike">
+              <a:rPr lang="es-CR" sz="3200" b="1" strike="noStrike" spc="-1">
                 <a:solidFill>
                   <a:srgbClr val="000000"/>
                 </a:solidFill>
@@ -6444,7 +7574,7 @@
               <a:t>JQuery</a:t>
             </a:r>
             <a:r>
-              <a:rPr b="0" lang="es-CR" sz="3200" spc="-1" strike="noStrike">
+              <a:rPr lang="es-CR" sz="3200" b="0" strike="noStrike" spc="-1">
                 <a:solidFill>
                   <a:srgbClr val="000000"/>
                 </a:solidFill>
@@ -6454,7 +7584,7 @@
               <a:t> que está en la función </a:t>
             </a:r>
             <a:r>
-              <a:rPr b="1" lang="es-CR" sz="3200" spc="-1" strike="noStrike">
+              <a:rPr lang="es-CR" sz="3200" b="1" strike="noStrike" spc="-1">
                 <a:solidFill>
                   <a:srgbClr val="000000"/>
                 </a:solidFill>
@@ -6464,7 +7594,7 @@
               <a:t>Carga_Ajax()</a:t>
             </a:r>
             <a:r>
-              <a:rPr b="0" lang="es-CR" sz="3200" spc="-1" strike="noStrike">
+              <a:rPr lang="es-CR" sz="3200" b="0" strike="noStrike" spc="-1">
                 <a:solidFill>
                   <a:srgbClr val="000000"/>
                 </a:solidFill>
@@ -6473,7 +7603,7 @@
               </a:rPr>
               <a:t> se ejecuta inmediatamente después de que se renderiza la pantalla.</a:t>
             </a:r>
-            <a:endParaRPr b="0" lang="es-CR" sz="3200" spc="-1" strike="noStrike">
+            <a:endParaRPr lang="es-CR" sz="3200" b="0" strike="noStrike" spc="-1">
               <a:latin typeface="Arial"/>
             </a:endParaRPr>
           </a:p>
@@ -6481,30 +7611,25 @@
       </p:sp>
     </p:spTree>
   </p:cSld>
-  <mc:AlternateContent>
-    <mc:Choice Requires="p14">
-      <p:transition spd="slow" p14:dur="2000"/>
-    </mc:Choice>
-    <mc:Fallback>
-      <p:transition spd="slow"/>
-    </mc:Fallback>
-  </mc:AlternateContent>
+  <p:clrMapOvr>
+    <a:masterClrMapping/>
+  </p:clrMapOvr>
   <p:timing>
     <p:tnLst>
       <p:par>
-        <p:cTn id="7" dur="indefinite" restart="never" nodeType="tmRoot">
+        <p:cTn id="1" dur="indefinite" restart="never" nodeType="tmRoot">
           <p:childTnLst>
             <p:seq>
-              <p:cTn id="8" dur="indefinite" nodeType="mainSeq"/>
+              <p:cTn id="2" dur="indefinite" nodeType="mainSeq"/>
               <p:prevCondLst>
-                <p:cond delay="0" evt="onPrev">
+                <p:cond evt="onPrev" delay="0">
                   <p:tgtEl>
                     <p:sldTgt/>
                   </p:tgtEl>
                 </p:cond>
               </p:prevCondLst>
               <p:nextCondLst>
-                <p:cond delay="0" evt="onNext">
+                <p:cond evt="onNext" delay="0">
                   <p:tgtEl>
                     <p:sldTgt/>
                   </p:tgtEl>
@@ -6520,7 +7645,7 @@
 </file>
 
 <file path=ppt/slides/slide5.xml><?xml version="1.0" encoding="utf-8"?>
-<p:sld xmlns:a="http://schemas.openxmlformats.org/drawingml/2006/main" xmlns:p="http://schemas.openxmlformats.org/presentationml/2006/main" xmlns:r="http://schemas.openxmlformats.org/officeDocument/2006/relationships" xmlns:p14="http://schemas.microsoft.com/office/powerpoint/2010/main" xmlns:p15="http://schemas.microsoft.com/office/powerpoint/2012/main" xmlns:mc="http://schemas.openxmlformats.org/markup-compatibility/2006">
+<p:sld xmlns:a="http://schemas.openxmlformats.org/drawingml/2006/main" xmlns:r="http://schemas.openxmlformats.org/officeDocument/2006/relationships" xmlns:p="http://schemas.openxmlformats.org/presentationml/2006/main">
   <p:cSld>
     <p:spTree>
       <p:nvGrpSpPr>
@@ -6556,15 +7681,22 @@
           </a:ln>
         </p:spPr>
         <p:style>
-          <a:lnRef idx="0"/>
-          <a:fillRef idx="0"/>
-          <a:effectRef idx="0"/>
+          <a:lnRef idx="0">
+            <a:scrgbClr r="0" g="0" b="0"/>
+          </a:lnRef>
+          <a:fillRef idx="0">
+            <a:scrgbClr r="0" g="0" b="0"/>
+          </a:fillRef>
+          <a:effectRef idx="0">
+            <a:scrgbClr r="0" g="0" b="0"/>
+          </a:effectRef>
           <a:fontRef idx="minor"/>
         </p:style>
         <p:txBody>
-          <a:bodyPr lIns="0" rIns="0" tIns="0" bIns="0" anchor="ctr">
+          <a:bodyPr lIns="0" tIns="0" rIns="0" bIns="0" anchor="ctr">
             <a:spAutoFit/>
           </a:bodyPr>
+          <a:lstStyle/>
           <a:p>
             <a:pPr algn="ctr">
               <a:lnSpc>
@@ -6572,7 +7704,7 @@
               </a:lnSpc>
             </a:pPr>
             <a:r>
-              <a:rPr b="0" lang="es-CR" sz="4400" spc="-1" strike="noStrike">
+              <a:rPr lang="es-CR" sz="4400" b="0" strike="noStrike" spc="-1">
                 <a:solidFill>
                   <a:srgbClr val="000000"/>
                 </a:solidFill>
@@ -6581,7 +7713,7 @@
               </a:rPr>
               <a:t>Llamar Apis con Jquery #3</a:t>
             </a:r>
-            <a:endParaRPr b="0" lang="es-CR" sz="4400" spc="-1" strike="noStrike">
+            <a:endParaRPr lang="es-CR" sz="4400" b="0" strike="noStrike" spc="-1">
               <a:latin typeface="Arial"/>
             </a:endParaRPr>
           </a:p>
@@ -6589,12 +7721,12 @@
       </p:sp>
       <p:pic>
         <p:nvPicPr>
-          <p:cNvPr id="123" name="" descr=""/>
+          <p:cNvPr id="123" name="Imagen 122"/>
           <p:cNvPicPr/>
           <p:nvPr/>
         </p:nvPicPr>
         <p:blipFill>
-          <a:blip r:embed="rId1"/>
+          <a:blip r:embed="rId2"/>
           <a:stretch/>
         </p:blipFill>
         <p:spPr>
@@ -6625,6 +7757,7 @@
             <a:avLst/>
             <a:gdLst/>
             <a:ahLst/>
+            <a:cxnLst/>
             <a:rect l="l" t="t" r="r" b="b"/>
             <a:pathLst>
               <a:path w="1601" h="1601">
@@ -6656,18 +7789,24 @@
             </a:pathLst>
           </a:custGeom>
           <a:solidFill>
-            <a:srgbClr val="ff0000"/>
+            <a:srgbClr val="FF0000"/>
           </a:solidFill>
           <a:ln>
             <a:solidFill>
-              <a:srgbClr val="3465a4"/>
+              <a:srgbClr val="3465A4"/>
             </a:solidFill>
           </a:ln>
         </p:spPr>
         <p:style>
-          <a:lnRef idx="0"/>
-          <a:fillRef idx="0"/>
-          <a:effectRef idx="0"/>
+          <a:lnRef idx="0">
+            <a:scrgbClr r="0" g="0" b="0"/>
+          </a:lnRef>
+          <a:fillRef idx="0">
+            <a:scrgbClr r="0" g="0" b="0"/>
+          </a:fillRef>
+          <a:effectRef idx="0">
+            <a:scrgbClr r="0" g="0" b="0"/>
+          </a:effectRef>
           <a:fontRef idx="minor"/>
         </p:style>
       </p:sp>
@@ -6686,6 +7825,7 @@
             <a:avLst/>
             <a:gdLst/>
             <a:ahLst/>
+            <a:cxnLst/>
             <a:rect l="l" t="t" r="r" b="b"/>
             <a:pathLst>
               <a:path w="1602" h="1601">
@@ -6717,18 +7857,24 @@
             </a:pathLst>
           </a:custGeom>
           <a:solidFill>
-            <a:srgbClr val="ff0000"/>
+            <a:srgbClr val="FF0000"/>
           </a:solidFill>
           <a:ln>
             <a:solidFill>
-              <a:srgbClr val="3465a4"/>
+              <a:srgbClr val="3465A4"/>
             </a:solidFill>
           </a:ln>
         </p:spPr>
         <p:style>
-          <a:lnRef idx="0"/>
-          <a:fillRef idx="0"/>
-          <a:effectRef idx="0"/>
+          <a:lnRef idx="0">
+            <a:scrgbClr r="0" g="0" b="0"/>
+          </a:lnRef>
+          <a:fillRef idx="0">
+            <a:scrgbClr r="0" g="0" b="0"/>
+          </a:fillRef>
+          <a:effectRef idx="0">
+            <a:scrgbClr r="0" g="0" b="0"/>
+          </a:effectRef>
           <a:fontRef idx="minor"/>
         </p:style>
       </p:sp>
@@ -6747,6 +7893,7 @@
             <a:avLst/>
             <a:gdLst/>
             <a:ahLst/>
+            <a:cxnLst/>
             <a:rect l="l" t="t" r="r" b="b"/>
             <a:pathLst>
               <a:path w="1602" h="1601">
@@ -6778,47 +7925,48 @@
             </a:pathLst>
           </a:custGeom>
           <a:solidFill>
-            <a:srgbClr val="ff0000"/>
+            <a:srgbClr val="FF0000"/>
           </a:solidFill>
           <a:ln>
             <a:solidFill>
-              <a:srgbClr val="3465a4"/>
+              <a:srgbClr val="3465A4"/>
             </a:solidFill>
           </a:ln>
         </p:spPr>
         <p:style>
-          <a:lnRef idx="0"/>
-          <a:fillRef idx="0"/>
-          <a:effectRef idx="0"/>
+          <a:lnRef idx="0">
+            <a:scrgbClr r="0" g="0" b="0"/>
+          </a:lnRef>
+          <a:fillRef idx="0">
+            <a:scrgbClr r="0" g="0" b="0"/>
+          </a:fillRef>
+          <a:effectRef idx="0">
+            <a:scrgbClr r="0" g="0" b="0"/>
+          </a:effectRef>
           <a:fontRef idx="minor"/>
         </p:style>
       </p:sp>
     </p:spTree>
   </p:cSld>
-  <mc:AlternateContent>
-    <mc:Choice Requires="p14">
-      <p:transition spd="slow" p14:dur="2000"/>
-    </mc:Choice>
-    <mc:Fallback>
-      <p:transition spd="slow"/>
-    </mc:Fallback>
-  </mc:AlternateContent>
+  <p:clrMapOvr>
+    <a:masterClrMapping/>
+  </p:clrMapOvr>
   <p:timing>
     <p:tnLst>
       <p:par>
-        <p:cTn id="9" dur="indefinite" restart="never" nodeType="tmRoot">
+        <p:cTn id="1" dur="indefinite" restart="never" nodeType="tmRoot">
           <p:childTnLst>
             <p:seq>
-              <p:cTn id="10" dur="indefinite" nodeType="mainSeq"/>
+              <p:cTn id="2" dur="indefinite" nodeType="mainSeq"/>
               <p:prevCondLst>
-                <p:cond delay="0" evt="onPrev">
+                <p:cond evt="onPrev" delay="0">
                   <p:tgtEl>
                     <p:sldTgt/>
                   </p:tgtEl>
                 </p:cond>
               </p:prevCondLst>
               <p:nextCondLst>
-                <p:cond delay="0" evt="onNext">
+                <p:cond evt="onNext" delay="0">
                   <p:tgtEl>
                     <p:sldTgt/>
                   </p:tgtEl>
@@ -6834,7 +7982,7 @@
 </file>
 
 <file path=ppt/slides/slide6.xml><?xml version="1.0" encoding="utf-8"?>
-<p:sld xmlns:a="http://schemas.openxmlformats.org/drawingml/2006/main" xmlns:p="http://schemas.openxmlformats.org/presentationml/2006/main" xmlns:r="http://schemas.openxmlformats.org/officeDocument/2006/relationships" xmlns:p14="http://schemas.microsoft.com/office/powerpoint/2010/main" xmlns:p15="http://schemas.microsoft.com/office/powerpoint/2012/main" xmlns:mc="http://schemas.openxmlformats.org/markup-compatibility/2006">
+<p:sld xmlns:a="http://schemas.openxmlformats.org/drawingml/2006/main" xmlns:r="http://schemas.openxmlformats.org/officeDocument/2006/relationships" xmlns:p="http://schemas.openxmlformats.org/presentationml/2006/main">
   <p:cSld>
     <p:spTree>
       <p:nvGrpSpPr>
@@ -6870,15 +8018,22 @@
           </a:ln>
         </p:spPr>
         <p:style>
-          <a:lnRef idx="0"/>
-          <a:fillRef idx="0"/>
-          <a:effectRef idx="0"/>
+          <a:lnRef idx="0">
+            <a:scrgbClr r="0" g="0" b="0"/>
+          </a:lnRef>
+          <a:fillRef idx="0">
+            <a:scrgbClr r="0" g="0" b="0"/>
+          </a:fillRef>
+          <a:effectRef idx="0">
+            <a:scrgbClr r="0" g="0" b="0"/>
+          </a:effectRef>
           <a:fontRef idx="minor"/>
         </p:style>
         <p:txBody>
-          <a:bodyPr lIns="0" rIns="0" tIns="0" bIns="0" anchor="ctr">
+          <a:bodyPr lIns="0" tIns="0" rIns="0" bIns="0" anchor="ctr">
             <a:spAutoFit/>
           </a:bodyPr>
+          <a:lstStyle/>
           <a:p>
             <a:pPr algn="ctr">
               <a:lnSpc>
@@ -6886,7 +8041,7 @@
               </a:lnSpc>
             </a:pPr>
             <a:r>
-              <a:rPr b="0" lang="es-CR" sz="4400" spc="-1" strike="noStrike">
+              <a:rPr lang="es-CR" sz="4400" b="0" strike="noStrike" spc="-1">
                 <a:solidFill>
                   <a:srgbClr val="000000"/>
                 </a:solidFill>
@@ -6895,7 +8050,7 @@
               </a:rPr>
               <a:t>Llamar Apis con Jquery #4</a:t>
             </a:r>
-            <a:endParaRPr b="0" lang="es-CR" sz="4400" spc="-1" strike="noStrike">
+            <a:endParaRPr lang="es-CR" sz="4400" b="0" strike="noStrike" spc="-1">
               <a:latin typeface="Arial"/>
             </a:endParaRPr>
           </a:p>
@@ -6921,15 +8076,22 @@
           </a:ln>
         </p:spPr>
         <p:style>
-          <a:lnRef idx="0"/>
-          <a:fillRef idx="0"/>
-          <a:effectRef idx="0"/>
+          <a:lnRef idx="0">
+            <a:scrgbClr r="0" g="0" b="0"/>
+          </a:lnRef>
+          <a:fillRef idx="0">
+            <a:scrgbClr r="0" g="0" b="0"/>
+          </a:fillRef>
+          <a:effectRef idx="0">
+            <a:scrgbClr r="0" g="0" b="0"/>
+          </a:effectRef>
           <a:fontRef idx="minor"/>
         </p:style>
         <p:txBody>
-          <a:bodyPr lIns="0" rIns="0" tIns="0" bIns="0">
+          <a:bodyPr lIns="0" tIns="0" rIns="0" bIns="0">
             <a:normAutofit/>
           </a:bodyPr>
+          <a:lstStyle/>
           <a:p>
             <a:pPr>
               <a:lnSpc>
@@ -6939,7 +8101,7 @@
                 <a:spcPts val="1417"/>
               </a:spcBef>
             </a:pPr>
-            <a:endParaRPr b="0" lang="es-CR" sz="1800" spc="-1" strike="noStrike">
+            <a:endParaRPr lang="es-CR" sz="1800" b="0" strike="noStrike" spc="-1">
               <a:latin typeface="Arial"/>
             </a:endParaRPr>
           </a:p>
@@ -6959,7 +8121,7 @@
               <a:buChar char=""/>
             </a:pPr>
             <a:r>
-              <a:rPr b="1" lang="es-CR" sz="3200" spc="-1" strike="noStrike">
+              <a:rPr lang="es-CR" sz="3200" b="1" strike="noStrike" spc="-1">
                 <a:solidFill>
                   <a:srgbClr val="000000"/>
                 </a:solidFill>
@@ -6969,7 +8131,7 @@
               <a:t>Explicación: </a:t>
             </a:r>
             <a:r>
-              <a:rPr b="0" lang="es-CR" sz="3200" spc="-1" strike="noStrike">
+              <a:rPr lang="es-CR" sz="3200" b="0" strike="noStrike" spc="-1">
                 <a:solidFill>
                   <a:srgbClr val="000000"/>
                 </a:solidFill>
@@ -6979,7 +8141,7 @@
               <a:t>El State: </a:t>
             </a:r>
             <a:r>
-              <a:rPr b="1" lang="es-CR" sz="3200" spc="-1" strike="noStrike">
+              <a:rPr lang="es-CR" sz="3200" b="1" strike="noStrike" spc="-1">
                 <a:solidFill>
                   <a:srgbClr val="000000"/>
                 </a:solidFill>
@@ -6989,7 +8151,7 @@
               <a:t>Libros</a:t>
             </a:r>
             <a:r>
-              <a:rPr b="0" lang="es-CR" sz="3200" spc="-1" strike="noStrike">
+              <a:rPr lang="es-CR" sz="3200" b="0" strike="noStrike" spc="-1">
                 <a:solidFill>
                   <a:srgbClr val="000000"/>
                 </a:solidFill>
@@ -6999,7 +8161,7 @@
               <a:t> (que es un arreglo) fue cargado con todo el JSON proveniente de la llamada del Web Api. </a:t>
             </a:r>
             <a:r>
-              <a:rPr b="1" lang="es-CR" sz="3200" spc="-1" strike="noStrike">
+              <a:rPr lang="es-CR" sz="3200" b="1" strike="noStrike" spc="-1">
                 <a:solidFill>
                   <a:srgbClr val="000000"/>
                 </a:solidFill>
@@ -7009,7 +8171,7 @@
               <a:t>Tittle</a:t>
             </a:r>
             <a:r>
-              <a:rPr b="0" lang="es-CR" sz="3200" spc="-1" strike="noStrike">
+              <a:rPr lang="es-CR" sz="3200" b="0" strike="noStrike" spc="-1">
                 <a:solidFill>
                   <a:srgbClr val="000000"/>
                 </a:solidFill>
@@ -7019,7 +8181,7 @@
               <a:t> y </a:t>
             </a:r>
             <a:r>
-              <a:rPr b="1" lang="es-CR" sz="3200" spc="-1" strike="noStrike">
+              <a:rPr lang="es-CR" sz="3200" b="1" strike="noStrike" spc="-1">
                 <a:solidFill>
                   <a:srgbClr val="000000"/>
                 </a:solidFill>
@@ -7029,7 +8191,7 @@
               <a:t>Author</a:t>
             </a:r>
             <a:r>
-              <a:rPr b="0" lang="es-CR" sz="3200" spc="-1" strike="noStrike">
+              <a:rPr lang="es-CR" sz="3200" b="0" strike="noStrike" spc="-1">
                 <a:solidFill>
                   <a:srgbClr val="000000"/>
                 </a:solidFill>
@@ -7038,7 +8200,7 @@
               </a:rPr>
               <a:t> son llaves existentes en el JSON.</a:t>
             </a:r>
-            <a:endParaRPr b="0" lang="es-CR" sz="3200" spc="-1" strike="noStrike">
+            <a:endParaRPr lang="es-CR" sz="3200" b="0" strike="noStrike" spc="-1">
               <a:latin typeface="Arial"/>
             </a:endParaRPr>
           </a:p>
@@ -7046,30 +8208,25 @@
       </p:sp>
     </p:spTree>
   </p:cSld>
-  <mc:AlternateContent>
-    <mc:Choice Requires="p14">
-      <p:transition spd="slow" p14:dur="2000"/>
-    </mc:Choice>
-    <mc:Fallback>
-      <p:transition spd="slow"/>
-    </mc:Fallback>
-  </mc:AlternateContent>
+  <p:clrMapOvr>
+    <a:masterClrMapping/>
+  </p:clrMapOvr>
   <p:timing>
     <p:tnLst>
       <p:par>
-        <p:cTn id="11" dur="indefinite" restart="never" nodeType="tmRoot">
+        <p:cTn id="1" dur="indefinite" restart="never" nodeType="tmRoot">
           <p:childTnLst>
             <p:seq>
-              <p:cTn id="12" dur="indefinite" nodeType="mainSeq"/>
+              <p:cTn id="2" dur="indefinite" nodeType="mainSeq"/>
               <p:prevCondLst>
-                <p:cond delay="0" evt="onPrev">
+                <p:cond evt="onPrev" delay="0">
                   <p:tgtEl>
                     <p:sldTgt/>
                   </p:tgtEl>
                 </p:cond>
               </p:prevCondLst>
               <p:nextCondLst>
-                <p:cond delay="0" evt="onNext">
+                <p:cond evt="onNext" delay="0">
                   <p:tgtEl>
                     <p:sldTgt/>
                   </p:tgtEl>
@@ -7085,7 +8242,7 @@
 </file>
 
 <file path=ppt/slides/slide7.xml><?xml version="1.0" encoding="utf-8"?>
-<p:sld xmlns:a="http://schemas.openxmlformats.org/drawingml/2006/main" xmlns:p="http://schemas.openxmlformats.org/presentationml/2006/main" xmlns:r="http://schemas.openxmlformats.org/officeDocument/2006/relationships" xmlns:p14="http://schemas.microsoft.com/office/powerpoint/2010/main" xmlns:p15="http://schemas.microsoft.com/office/powerpoint/2012/main" xmlns:mc="http://schemas.openxmlformats.org/markup-compatibility/2006">
+<p:sld xmlns:a="http://schemas.openxmlformats.org/drawingml/2006/main" xmlns:r="http://schemas.openxmlformats.org/officeDocument/2006/relationships" xmlns:p="http://schemas.openxmlformats.org/presentationml/2006/main">
   <p:cSld>
     <p:spTree>
       <p:nvGrpSpPr>
@@ -7121,15 +8278,22 @@
           </a:ln>
         </p:spPr>
         <p:style>
-          <a:lnRef idx="0"/>
-          <a:fillRef idx="0"/>
-          <a:effectRef idx="0"/>
+          <a:lnRef idx="0">
+            <a:scrgbClr r="0" g="0" b="0"/>
+          </a:lnRef>
+          <a:fillRef idx="0">
+            <a:scrgbClr r="0" g="0" b="0"/>
+          </a:fillRef>
+          <a:effectRef idx="0">
+            <a:scrgbClr r="0" g="0" b="0"/>
+          </a:effectRef>
           <a:fontRef idx="minor"/>
         </p:style>
         <p:txBody>
-          <a:bodyPr lIns="0" rIns="0" tIns="0" bIns="0" anchor="ctr">
+          <a:bodyPr lIns="0" tIns="0" rIns="0" bIns="0" anchor="ctr">
             <a:spAutoFit/>
           </a:bodyPr>
+          <a:lstStyle/>
           <a:p>
             <a:pPr algn="ctr">
               <a:lnSpc>
@@ -7137,20 +8301,13 @@
               </a:lnSpc>
             </a:pPr>
             <a:r>
-              <a:rPr b="0" lang="es-CR" sz="4400" spc="-1" strike="noStrike">
+              <a:rPr lang="es-CR" sz="4400" b="0" strike="noStrike" spc="-1">
                 <a:latin typeface="Arial"/>
                 <a:ea typeface="DejaVu Sans"/>
               </a:rPr>
-              <a:t>Llamadar APIs </a:t>
+              <a:t>Llamadar APIs Utilizando </a:t>
             </a:r>
-            <a:r>
-              <a:rPr b="0" lang="es-CR" sz="4400" spc="-1" strike="noStrike">
-                <a:latin typeface="Arial"/>
-                <a:ea typeface="DejaVu Sans"/>
-              </a:rPr>
-              <a:t>Utilizando </a:t>
-            </a:r>
-            <a:endParaRPr b="0" lang="es-CR" sz="4400" spc="-1" strike="noStrike">
+            <a:endParaRPr lang="es-CR" sz="4400" b="0" strike="noStrike" spc="-1">
               <a:latin typeface="Arial"/>
             </a:endParaRPr>
           </a:p>
@@ -7161,13 +8318,13 @@
               </a:lnSpc>
             </a:pPr>
             <a:r>
-              <a:rPr b="0" lang="es-CR" sz="4400" spc="-1" strike="noStrike">
+              <a:rPr lang="es-CR" sz="4400" b="0" strike="noStrike" spc="-1">
                 <a:latin typeface="Arial"/>
                 <a:ea typeface="DejaVu Sans"/>
               </a:rPr>
               <a:t>Fetch de ECMAScript 6 </a:t>
             </a:r>
-            <a:endParaRPr b="0" lang="es-CR" sz="4400" spc="-1" strike="noStrike">
+            <a:endParaRPr lang="es-CR" sz="4400" b="0" strike="noStrike" spc="-1">
               <a:latin typeface="Arial"/>
             </a:endParaRPr>
           </a:p>
@@ -7175,30 +8332,25 @@
       </p:sp>
     </p:spTree>
   </p:cSld>
-  <mc:AlternateContent>
-    <mc:Choice Requires="p14">
-      <p:transition spd="slow" p14:dur="2000"/>
-    </mc:Choice>
-    <mc:Fallback>
-      <p:transition spd="slow"/>
-    </mc:Fallback>
-  </mc:AlternateContent>
+  <p:clrMapOvr>
+    <a:masterClrMapping/>
+  </p:clrMapOvr>
   <p:timing>
     <p:tnLst>
       <p:par>
-        <p:cTn id="13" dur="indefinite" restart="never" nodeType="tmRoot">
+        <p:cTn id="1" dur="indefinite" restart="never" nodeType="tmRoot">
           <p:childTnLst>
             <p:seq>
-              <p:cTn id="14" dur="indefinite" nodeType="mainSeq"/>
+              <p:cTn id="2" dur="indefinite" nodeType="mainSeq"/>
               <p:prevCondLst>
-                <p:cond delay="0" evt="onPrev">
+                <p:cond evt="onPrev" delay="0">
                   <p:tgtEl>
                     <p:sldTgt/>
                   </p:tgtEl>
                 </p:cond>
               </p:prevCondLst>
               <p:nextCondLst>
-                <p:cond delay="0" evt="onNext">
+                <p:cond evt="onNext" delay="0">
                   <p:tgtEl>
                     <p:sldTgt/>
                   </p:tgtEl>
@@ -7214,7 +8366,7 @@
 </file>
 
 <file path=ppt/slides/slide8.xml><?xml version="1.0" encoding="utf-8"?>
-<p:sld xmlns:a="http://schemas.openxmlformats.org/drawingml/2006/main" xmlns:p="http://schemas.openxmlformats.org/presentationml/2006/main" xmlns:r="http://schemas.openxmlformats.org/officeDocument/2006/relationships" xmlns:p14="http://schemas.microsoft.com/office/powerpoint/2010/main" xmlns:p15="http://schemas.microsoft.com/office/powerpoint/2012/main" xmlns:mc="http://schemas.openxmlformats.org/markup-compatibility/2006">
+<p:sld xmlns:a="http://schemas.openxmlformats.org/drawingml/2006/main" xmlns:r="http://schemas.openxmlformats.org/officeDocument/2006/relationships" xmlns:p="http://schemas.openxmlformats.org/presentationml/2006/main">
   <p:cSld>
     <p:spTree>
       <p:nvGrpSpPr>
@@ -7250,15 +8402,22 @@
           </a:ln>
         </p:spPr>
         <p:style>
-          <a:lnRef idx="0"/>
-          <a:fillRef idx="0"/>
-          <a:effectRef idx="0"/>
+          <a:lnRef idx="0">
+            <a:scrgbClr r="0" g="0" b="0"/>
+          </a:lnRef>
+          <a:fillRef idx="0">
+            <a:scrgbClr r="0" g="0" b="0"/>
+          </a:fillRef>
+          <a:effectRef idx="0">
+            <a:scrgbClr r="0" g="0" b="0"/>
+          </a:effectRef>
           <a:fontRef idx="minor"/>
         </p:style>
         <p:txBody>
-          <a:bodyPr lIns="0" rIns="0" tIns="0" bIns="0" anchor="ctr">
+          <a:bodyPr lIns="0" tIns="0" rIns="0" bIns="0" anchor="ctr">
             <a:spAutoFit/>
           </a:bodyPr>
+          <a:lstStyle/>
           <a:p>
             <a:pPr algn="ctr">
               <a:lnSpc>
@@ -7266,7 +8425,7 @@
               </a:lnSpc>
             </a:pPr>
             <a:r>
-              <a:rPr b="0" lang="es-CR" sz="4400" spc="-1" strike="noStrike">
+              <a:rPr lang="es-CR" sz="4400" b="0" strike="noStrike" spc="-1">
                 <a:solidFill>
                   <a:srgbClr val="000000"/>
                 </a:solidFill>
@@ -7275,7 +8434,7 @@
               </a:rPr>
               <a:t>Llamar Apis con Fetch #1</a:t>
             </a:r>
-            <a:endParaRPr b="0" lang="es-CR" sz="4400" spc="-1" strike="noStrike">
+            <a:endParaRPr lang="es-CR" sz="4400" b="0" strike="noStrike" spc="-1">
               <a:latin typeface="Arial"/>
             </a:endParaRPr>
           </a:p>
@@ -7301,20 +8460,26 @@
           </a:ln>
         </p:spPr>
         <p:style>
-          <a:lnRef idx="0"/>
-          <a:fillRef idx="0"/>
-          <a:effectRef idx="0"/>
+          <a:lnRef idx="0">
+            <a:scrgbClr r="0" g="0" b="0"/>
+          </a:lnRef>
+          <a:fillRef idx="0">
+            <a:scrgbClr r="0" g="0" b="0"/>
+          </a:fillRef>
+          <a:effectRef idx="0">
+            <a:scrgbClr r="0" g="0" b="0"/>
+          </a:effectRef>
           <a:fontRef idx="minor"/>
         </p:style>
       </p:sp>
       <p:pic>
         <p:nvPicPr>
-          <p:cNvPr id="132" name="" descr=""/>
+          <p:cNvPr id="132" name="Imagen 131"/>
           <p:cNvPicPr/>
           <p:nvPr/>
         </p:nvPicPr>
         <p:blipFill>
-          <a:blip r:embed="rId1"/>
+          <a:blip r:embed="rId2"/>
           <a:stretch/>
         </p:blipFill>
         <p:spPr>
@@ -7332,30 +8497,25 @@
       </p:pic>
     </p:spTree>
   </p:cSld>
-  <mc:AlternateContent>
-    <mc:Choice Requires="p14">
-      <p:transition spd="slow" p14:dur="2000"/>
-    </mc:Choice>
-    <mc:Fallback>
-      <p:transition spd="slow"/>
-    </mc:Fallback>
-  </mc:AlternateContent>
+  <p:clrMapOvr>
+    <a:masterClrMapping/>
+  </p:clrMapOvr>
   <p:timing>
     <p:tnLst>
       <p:par>
-        <p:cTn id="15" dur="indefinite" restart="never" nodeType="tmRoot">
+        <p:cTn id="1" dur="indefinite" restart="never" nodeType="tmRoot">
           <p:childTnLst>
             <p:seq>
-              <p:cTn id="16" dur="indefinite" nodeType="mainSeq"/>
+              <p:cTn id="2" dur="indefinite" nodeType="mainSeq"/>
               <p:prevCondLst>
-                <p:cond delay="0" evt="onPrev">
+                <p:cond evt="onPrev" delay="0">
                   <p:tgtEl>
                     <p:sldTgt/>
                   </p:tgtEl>
                 </p:cond>
               </p:prevCondLst>
               <p:nextCondLst>
-                <p:cond delay="0" evt="onNext">
+                <p:cond evt="onNext" delay="0">
                   <p:tgtEl>
                     <p:sldTgt/>
                   </p:tgtEl>
@@ -7371,7 +8531,7 @@
 </file>
 
 <file path=ppt/slides/slide9.xml><?xml version="1.0" encoding="utf-8"?>
-<p:sld xmlns:a="http://schemas.openxmlformats.org/drawingml/2006/main" xmlns:p="http://schemas.openxmlformats.org/presentationml/2006/main" xmlns:r="http://schemas.openxmlformats.org/officeDocument/2006/relationships" xmlns:p14="http://schemas.microsoft.com/office/powerpoint/2010/main" xmlns:p15="http://schemas.microsoft.com/office/powerpoint/2012/main" xmlns:mc="http://schemas.openxmlformats.org/markup-compatibility/2006">
+<p:sld xmlns:a="http://schemas.openxmlformats.org/drawingml/2006/main" xmlns:r="http://schemas.openxmlformats.org/officeDocument/2006/relationships" xmlns:p="http://schemas.openxmlformats.org/presentationml/2006/main">
   <p:cSld>
     <p:spTree>
       <p:nvGrpSpPr>
@@ -7407,15 +8567,22 @@
           </a:ln>
         </p:spPr>
         <p:style>
-          <a:lnRef idx="0"/>
-          <a:fillRef idx="0"/>
-          <a:effectRef idx="0"/>
+          <a:lnRef idx="0">
+            <a:scrgbClr r="0" g="0" b="0"/>
+          </a:lnRef>
+          <a:fillRef idx="0">
+            <a:scrgbClr r="0" g="0" b="0"/>
+          </a:fillRef>
+          <a:effectRef idx="0">
+            <a:scrgbClr r="0" g="0" b="0"/>
+          </a:effectRef>
           <a:fontRef idx="minor"/>
         </p:style>
         <p:txBody>
-          <a:bodyPr lIns="0" rIns="0" tIns="0" bIns="0" anchor="ctr">
+          <a:bodyPr lIns="0" tIns="0" rIns="0" bIns="0" anchor="ctr">
             <a:spAutoFit/>
           </a:bodyPr>
+          <a:lstStyle/>
           <a:p>
             <a:pPr algn="ctr">
               <a:lnSpc>
@@ -7423,7 +8590,7 @@
               </a:lnSpc>
             </a:pPr>
             <a:r>
-              <a:rPr b="0" lang="es-CR" sz="4400" spc="-1" strike="noStrike">
+              <a:rPr lang="es-CR" sz="4400" b="0" strike="noStrike" spc="-1">
                 <a:solidFill>
                   <a:srgbClr val="000000"/>
                 </a:solidFill>
@@ -7432,7 +8599,7 @@
               </a:rPr>
               <a:t>Llamar Apis con Fetch #2</a:t>
             </a:r>
-            <a:endParaRPr b="0" lang="es-CR" sz="4400" spc="-1" strike="noStrike">
+            <a:endParaRPr lang="es-CR" sz="4400" b="0" strike="noStrike" spc="-1">
               <a:latin typeface="Arial"/>
             </a:endParaRPr>
           </a:p>
@@ -7458,15 +8625,22 @@
           </a:ln>
         </p:spPr>
         <p:style>
-          <a:lnRef idx="0"/>
-          <a:fillRef idx="0"/>
-          <a:effectRef idx="0"/>
+          <a:lnRef idx="0">
+            <a:scrgbClr r="0" g="0" b="0"/>
+          </a:lnRef>
+          <a:fillRef idx="0">
+            <a:scrgbClr r="0" g="0" b="0"/>
+          </a:fillRef>
+          <a:effectRef idx="0">
+            <a:scrgbClr r="0" g="0" b="0"/>
+          </a:effectRef>
           <a:fontRef idx="minor"/>
         </p:style>
         <p:txBody>
-          <a:bodyPr lIns="0" rIns="0" tIns="0" bIns="0">
+          <a:bodyPr lIns="0" tIns="0" rIns="0" bIns="0">
             <a:normAutofit/>
           </a:bodyPr>
+          <a:lstStyle/>
           <a:p>
             <a:pPr>
               <a:lnSpc>
@@ -7477,7 +8651,7 @@
               </a:spcBef>
             </a:pPr>
             <a:r>
-              <a:rPr b="1" lang="es-CR" sz="2600" spc="-1" strike="noStrike">
+              <a:rPr lang="es-CR" sz="2600" b="1" strike="noStrike" spc="-1">
                 <a:solidFill>
                   <a:srgbClr val="000000"/>
                 </a:solidFill>
@@ -7487,7 +8661,7 @@
               <a:t>Explicación: </a:t>
             </a:r>
             <a:r>
-              <a:rPr b="0" lang="es-CR" sz="2600" spc="-1" strike="noStrike">
+              <a:rPr lang="es-CR" sz="2600" b="0" strike="noStrike" spc="-1">
                 <a:solidFill>
                   <a:srgbClr val="000000"/>
                 </a:solidFill>
@@ -7497,7 +8671,7 @@
               <a:t>El método </a:t>
             </a:r>
             <a:r>
-              <a:rPr b="1" lang="es-CR" sz="2600" spc="-1" strike="noStrike">
+              <a:rPr lang="es-CR" sz="2600" b="1" strike="noStrike" spc="-1">
                 <a:solidFill>
                   <a:srgbClr val="000000"/>
                 </a:solidFill>
@@ -7507,36 +8681,16 @@
               <a:t>componentDidMount()</a:t>
             </a:r>
             <a:r>
-              <a:rPr b="0" lang="es-CR" sz="2600" spc="-1" strike="noStrike">
+              <a:rPr lang="es-CR" sz="2600" b="0" strike="noStrike" spc="-1">
                 <a:solidFill>
                   <a:srgbClr val="000000"/>
                 </a:solidFill>
                 <a:latin typeface="Arial"/>
                 <a:ea typeface="DejaVu Sans"/>
               </a:rPr>
-              <a:t> se ejecuta </a:t>
+              <a:t> se ejecuta después que la salida del componente ha sido renderizada en el DOM.</a:t>
             </a:r>
-            <a:r>
-              <a:rPr b="0" lang="es-CR" sz="2600" spc="-1" strike="noStrike">
-                <a:solidFill>
-                  <a:srgbClr val="000000"/>
-                </a:solidFill>
-                <a:latin typeface="Arial"/>
-                <a:ea typeface="DejaVu Sans"/>
-              </a:rPr>
-              <a:t>después que la salida del componente ha sido renderizada </a:t>
-            </a:r>
-            <a:r>
-              <a:rPr b="0" lang="es-CR" sz="2600" spc="-1" strike="noStrike">
-                <a:solidFill>
-                  <a:srgbClr val="000000"/>
-                </a:solidFill>
-                <a:latin typeface="Arial"/>
-                <a:ea typeface="DejaVu Sans"/>
-              </a:rPr>
-              <a:t>en el DOM.</a:t>
-            </a:r>
-            <a:endParaRPr b="0" lang="es-CR" sz="2600" spc="-1" strike="noStrike">
+            <a:endParaRPr lang="es-CR" sz="2600" b="0" strike="noStrike" spc="-1">
               <a:latin typeface="Arial"/>
             </a:endParaRPr>
           </a:p>
@@ -7549,7 +8703,7 @@
                 <a:spcPts val="1417"/>
               </a:spcBef>
             </a:pPr>
-            <a:endParaRPr b="0" lang="es-CR" sz="2600" spc="-1" strike="noStrike">
+            <a:endParaRPr lang="es-CR" sz="2600" b="0" strike="noStrike" spc="-1">
               <a:latin typeface="Arial"/>
             </a:endParaRPr>
           </a:p>
@@ -7563,7 +8717,7 @@
               </a:spcBef>
             </a:pPr>
             <a:r>
-              <a:rPr b="0" lang="es-CR" sz="2600" spc="-1" strike="noStrike">
+              <a:rPr lang="es-CR" sz="2600" b="0" strike="noStrike" spc="-1">
                 <a:solidFill>
                   <a:srgbClr val="000000"/>
                 </a:solidFill>
@@ -7573,7 +8727,7 @@
               <a:t>En otras palabras la llamada </a:t>
             </a:r>
             <a:r>
-              <a:rPr b="1" lang="es-CR" sz="2600" spc="-1" strike="noStrike">
+              <a:rPr lang="es-CR" sz="2600" b="1" strike="noStrike" spc="-1">
                 <a:solidFill>
                   <a:srgbClr val="000000"/>
                 </a:solidFill>
@@ -7583,7 +8737,7 @@
               <a:t>Fetch</a:t>
             </a:r>
             <a:r>
-              <a:rPr b="0" lang="es-CR" sz="2600" spc="-1" strike="noStrike">
+              <a:rPr lang="es-CR" sz="2600" b="0" strike="noStrike" spc="-1">
                 <a:solidFill>
                   <a:srgbClr val="000000"/>
                 </a:solidFill>
@@ -7593,7 +8747,7 @@
               <a:t> de </a:t>
             </a:r>
             <a:r>
-              <a:rPr b="1" lang="es-CR" sz="2600" spc="-1" strike="noStrike">
+              <a:rPr lang="es-CR" sz="2600" b="1" strike="noStrike" spc="-1">
                 <a:solidFill>
                   <a:srgbClr val="000000"/>
                 </a:solidFill>
@@ -7603,27 +8757,17 @@
               <a:t>JS6</a:t>
             </a:r>
             <a:r>
-              <a:rPr b="0" lang="es-CR" sz="2600" spc="-1" strike="noStrike">
+              <a:rPr lang="es-CR" sz="2600" b="0" strike="noStrike" spc="-1">
                 <a:solidFill>
                   <a:srgbClr val="000000"/>
                 </a:solidFill>
                 <a:latin typeface="Arial"/>
                 <a:ea typeface="DejaVu Sans"/>
               </a:rPr>
-              <a:t> que está en la </a:t>
+              <a:t> que está en la función </a:t>
             </a:r>
             <a:r>
-              <a:rPr b="0" lang="es-CR" sz="2600" spc="-1" strike="noStrike">
-                <a:solidFill>
-                  <a:srgbClr val="000000"/>
-                </a:solidFill>
-                <a:latin typeface="Arial"/>
-                <a:ea typeface="DejaVu Sans"/>
-              </a:rPr>
-              <a:t>función </a:t>
-            </a:r>
-            <a:r>
-              <a:rPr b="1" lang="es-CR" sz="2600" spc="-1" strike="noStrike">
+              <a:rPr lang="es-CR" sz="2600" b="1" strike="noStrike" spc="-1">
                 <a:solidFill>
                   <a:srgbClr val="000000"/>
                 </a:solidFill>
@@ -7633,26 +8777,16 @@
               <a:t>componentDidMount()</a:t>
             </a:r>
             <a:r>
-              <a:rPr b="0" lang="es-CR" sz="2600" spc="-1" strike="noStrike">
+              <a:rPr lang="es-CR" sz="2600" b="0" strike="noStrike" spc="-1">
                 <a:solidFill>
                   <a:srgbClr val="000000"/>
                 </a:solidFill>
                 <a:latin typeface="Arial"/>
                 <a:ea typeface="DejaVu Sans"/>
               </a:rPr>
-              <a:t> se ejecuta inmediatamente </a:t>
+              <a:t> se ejecuta inmediatamente después de que se renderiza la pantalla.</a:t>
             </a:r>
-            <a:r>
-              <a:rPr b="0" lang="es-CR" sz="2600" spc="-1" strike="noStrike">
-                <a:solidFill>
-                  <a:srgbClr val="000000"/>
-                </a:solidFill>
-                <a:latin typeface="Arial"/>
-                <a:ea typeface="DejaVu Sans"/>
-              </a:rPr>
-              <a:t>después de que se renderiza la pantalla.</a:t>
-            </a:r>
-            <a:endParaRPr b="0" lang="es-CR" sz="2600" spc="-1" strike="noStrike">
+            <a:endParaRPr lang="es-CR" sz="2600" b="0" strike="noStrike" spc="-1">
               <a:latin typeface="Arial"/>
             </a:endParaRPr>
           </a:p>
@@ -7660,30 +8794,25 @@
       </p:sp>
     </p:spTree>
   </p:cSld>
-  <mc:AlternateContent>
-    <mc:Choice Requires="p14">
-      <p:transition spd="slow" p14:dur="2000"/>
-    </mc:Choice>
-    <mc:Fallback>
-      <p:transition spd="slow"/>
-    </mc:Fallback>
-  </mc:AlternateContent>
+  <p:clrMapOvr>
+    <a:masterClrMapping/>
+  </p:clrMapOvr>
   <p:timing>
     <p:tnLst>
       <p:par>
-        <p:cTn id="17" dur="indefinite" restart="never" nodeType="tmRoot">
+        <p:cTn id="1" dur="indefinite" restart="never" nodeType="tmRoot">
           <p:childTnLst>
             <p:seq>
-              <p:cTn id="18" dur="indefinite" nodeType="mainSeq"/>
+              <p:cTn id="2" dur="indefinite" nodeType="mainSeq"/>
               <p:prevCondLst>
-                <p:cond delay="0" evt="onPrev">
+                <p:cond evt="onPrev" delay="0">
                   <p:tgtEl>
                     <p:sldTgt/>
                   </p:tgtEl>
                 </p:cond>
               </p:prevCondLst>
               <p:nextCondLst>
-                <p:cond delay="0" evt="onNext">
+                <p:cond evt="onNext" delay="0">
                   <p:tgtEl>
                     <p:sldTgt/>
                   </p:tgtEl>
@@ -7709,31 +8838,31 @@
         <a:sysClr val="window" lastClr="FFFFFF"/>
       </a:lt1>
       <a:dk2>
-        <a:srgbClr val="1f497d"/>
+        <a:srgbClr val="1F497D"/>
       </a:dk2>
       <a:lt2>
-        <a:srgbClr val="eeece1"/>
+        <a:srgbClr val="EEECE1"/>
       </a:lt2>
       <a:accent1>
-        <a:srgbClr val="4f81bd"/>
+        <a:srgbClr val="4F81BD"/>
       </a:accent1>
       <a:accent2>
-        <a:srgbClr val="c0504d"/>
+        <a:srgbClr val="C0504D"/>
       </a:accent2>
       <a:accent3>
-        <a:srgbClr val="9bbb59"/>
+        <a:srgbClr val="9BBB59"/>
       </a:accent3>
       <a:accent4>
-        <a:srgbClr val="8064a2"/>
+        <a:srgbClr val="8064A2"/>
       </a:accent4>
       <a:accent5>
-        <a:srgbClr val="4bacc6"/>
+        <a:srgbClr val="4BACC6"/>
       </a:accent5>
       <a:accent6>
-        <a:srgbClr val="f79646"/>
+        <a:srgbClr val="F79646"/>
       </a:accent6>
       <a:hlink>
-        <a:srgbClr val="0000ff"/>
+        <a:srgbClr val="0000FF"/>
       </a:hlink>
       <a:folHlink>
         <a:srgbClr val="800080"/>
@@ -7918,6 +9047,8 @@
       </a:bgFillStyleLst>
     </a:fmtScheme>
   </a:themeElements>
+  <a:objectDefaults/>
+  <a:extraClrSchemeLst/>
 </a:theme>
 </file>
 
@@ -7932,31 +9063,31 @@
         <a:sysClr val="window" lastClr="FFFFFF"/>
       </a:lt1>
       <a:dk2>
-        <a:srgbClr val="1f497d"/>
+        <a:srgbClr val="1F497D"/>
       </a:dk2>
       <a:lt2>
-        <a:srgbClr val="eeece1"/>
+        <a:srgbClr val="EEECE1"/>
       </a:lt2>
       <a:accent1>
-        <a:srgbClr val="4f81bd"/>
+        <a:srgbClr val="4F81BD"/>
       </a:accent1>
       <a:accent2>
-        <a:srgbClr val="c0504d"/>
+        <a:srgbClr val="C0504D"/>
       </a:accent2>
       <a:accent3>
-        <a:srgbClr val="9bbb59"/>
+        <a:srgbClr val="9BBB59"/>
       </a:accent3>
       <a:accent4>
-        <a:srgbClr val="8064a2"/>
+        <a:srgbClr val="8064A2"/>
       </a:accent4>
       <a:accent5>
-        <a:srgbClr val="4bacc6"/>
+        <a:srgbClr val="4BACC6"/>
       </a:accent5>
       <a:accent6>
-        <a:srgbClr val="f79646"/>
+        <a:srgbClr val="F79646"/>
       </a:accent6>
       <a:hlink>
-        <a:srgbClr val="0000ff"/>
+        <a:srgbClr val="0000FF"/>
       </a:hlink>
       <a:folHlink>
         <a:srgbClr val="800080"/>
@@ -8141,6 +9272,8 @@
       </a:bgFillStyleLst>
     </a:fmtScheme>
   </a:themeElements>
+  <a:objectDefaults/>
+  <a:extraClrSchemeLst/>
 </a:theme>
 </file>
 
@@ -8155,31 +9288,31 @@
         <a:sysClr val="window" lastClr="FFFFFF"/>
       </a:lt1>
       <a:dk2>
-        <a:srgbClr val="1f497d"/>
+        <a:srgbClr val="1F497D"/>
       </a:dk2>
       <a:lt2>
-        <a:srgbClr val="eeece1"/>
+        <a:srgbClr val="EEECE1"/>
       </a:lt2>
       <a:accent1>
-        <a:srgbClr val="4f81bd"/>
+        <a:srgbClr val="4F81BD"/>
       </a:accent1>
       <a:accent2>
-        <a:srgbClr val="c0504d"/>
+        <a:srgbClr val="C0504D"/>
       </a:accent2>
       <a:accent3>
-        <a:srgbClr val="9bbb59"/>
+        <a:srgbClr val="9BBB59"/>
       </a:accent3>
       <a:accent4>
-        <a:srgbClr val="8064a2"/>
+        <a:srgbClr val="8064A2"/>
       </a:accent4>
       <a:accent5>
-        <a:srgbClr val="4bacc6"/>
+        <a:srgbClr val="4BACC6"/>
       </a:accent5>
       <a:accent6>
-        <a:srgbClr val="f79646"/>
+        <a:srgbClr val="F79646"/>
       </a:accent6>
       <a:hlink>
-        <a:srgbClr val="0000ff"/>
+        <a:srgbClr val="0000FF"/>
       </a:hlink>
       <a:folHlink>
         <a:srgbClr val="800080"/>
@@ -8364,5 +9497,7 @@
       </a:bgFillStyleLst>
     </a:fmtScheme>
   </a:themeElements>
+  <a:objectDefaults/>
+  <a:extraClrSchemeLst/>
 </a:theme>
 </file>